--- a/AIML - Cohort1 - Life Expectancy.pptx
+++ b/AIML - Cohort1 - Life Expectancy.pptx
@@ -37,35 +37,36 @@
     <p:sldId id="282" r:id="rId33"/>
     <p:sldId id="283" r:id="rId34"/>
     <p:sldId id="284" r:id="rId35"/>
+    <p:sldId id="285" r:id="rId36"/>
   </p:sldIdLst>
   <p:sldSz cy="5143500" cx="9144000"/>
   <p:notesSz cx="6858000" cy="9144000"/>
   <p:embeddedFontLst>
     <p:embeddedFont>
       <p:font typeface="Playfair Display"/>
-      <p:regular r:id="rId36"/>
-      <p:bold r:id="rId37"/>
-      <p:italic r:id="rId38"/>
-      <p:boldItalic r:id="rId39"/>
+      <p:regular r:id="rId37"/>
+      <p:bold r:id="rId38"/>
+      <p:italic r:id="rId39"/>
+      <p:boldItalic r:id="rId40"/>
     </p:embeddedFont>
     <p:embeddedFont>
       <p:font typeface="Montserrat"/>
-      <p:regular r:id="rId40"/>
-      <p:bold r:id="rId41"/>
-      <p:italic r:id="rId42"/>
-      <p:boldItalic r:id="rId43"/>
+      <p:regular r:id="rId41"/>
+      <p:bold r:id="rId42"/>
+      <p:italic r:id="rId43"/>
+      <p:boldItalic r:id="rId44"/>
     </p:embeddedFont>
     <p:embeddedFont>
       <p:font typeface="Oswald"/>
-      <p:regular r:id="rId44"/>
-      <p:bold r:id="rId45"/>
+      <p:regular r:id="rId45"/>
+      <p:bold r:id="rId46"/>
     </p:embeddedFont>
     <p:embeddedFont>
       <p:font typeface="Open Sans"/>
-      <p:regular r:id="rId46"/>
-      <p:bold r:id="rId47"/>
-      <p:italic r:id="rId48"/>
-      <p:boldItalic r:id="rId49"/>
+      <p:regular r:id="rId47"/>
+      <p:bold r:id="rId48"/>
+      <p:italic r:id="rId49"/>
+      <p:boldItalic r:id="rId50"/>
     </p:embeddedFont>
   </p:embeddedFontLst>
   <p:defaultTextStyle>
@@ -761,7 +762,1096 @@
       </p:grpSpPr>
       <p:sp>
         <p:nvSpPr>
-          <p:cNvPr id="55" name="Google Shape;55;p:notes"/>
+          <p:cNvPr id="55" name="Google Shape;55;g132313ddd5b_0_9:notes"/>
+          <p:cNvSpPr/>
+          <p:nvPr>
+            <p:ph idx="2" type="sldImg"/>
+          </p:nvPr>
+        </p:nvSpPr>
+        <p:spPr>
+          <a:xfrm>
+            <a:off x="381300" y="685800"/>
+            <a:ext cx="6096000" cy="3429000"/>
+          </a:xfrm>
+          <a:custGeom>
+            <a:rect b="b" l="l" r="r" t="t"/>
+            <a:pathLst>
+              <a:path extrusionOk="0" h="120000" w="120000">
+                <a:moveTo>
+                  <a:pt x="0" y="0"/>
+                </a:moveTo>
+                <a:lnTo>
+                  <a:pt x="120000" y="0"/>
+                </a:lnTo>
+                <a:lnTo>
+                  <a:pt x="120000" y="120000"/>
+                </a:lnTo>
+                <a:lnTo>
+                  <a:pt x="0" y="120000"/>
+                </a:lnTo>
+                <a:close/>
+              </a:path>
+            </a:pathLst>
+          </a:custGeom>
+        </p:spPr>
+      </p:sp>
+      <p:sp>
+        <p:nvSpPr>
+          <p:cNvPr id="56" name="Google Shape;56;g132313ddd5b_0_9:notes"/>
+          <p:cNvSpPr txBox="1"/>
+          <p:nvPr>
+            <p:ph idx="1" type="body"/>
+          </p:nvPr>
+        </p:nvSpPr>
+        <p:spPr>
+          <a:xfrm>
+            <a:off x="685800" y="4343400"/>
+            <a:ext cx="5486400" cy="4114800"/>
+          </a:xfrm>
+          <a:prstGeom prst="rect">
+            <a:avLst/>
+          </a:prstGeom>
+        </p:spPr>
+        <p:txBody>
+          <a:bodyPr anchorCtr="0" anchor="t" bIns="91425" lIns="91425" spcFirstLastPara="1" rIns="91425" wrap="square" tIns="91425">
+            <a:noAutofit/>
+          </a:bodyPr>
+          <a:lstStyle/>
+          <a:p>
+            <a:pPr indent="0" lvl="0" marL="0" rtl="0" algn="l">
+              <a:spcBef>
+                <a:spcPts val="0"/>
+              </a:spcBef>
+              <a:spcAft>
+                <a:spcPts val="0"/>
+              </a:spcAft>
+              <a:buNone/>
+            </a:pPr>
+            <a:r>
+              <a:t/>
+            </a:r>
+            <a:endParaRPr/>
+          </a:p>
+        </p:txBody>
+      </p:sp>
+    </p:spTree>
+  </p:cSld>
+  <p:clrMapOvr>
+    <a:masterClrMapping/>
+  </p:clrMapOvr>
+</p:notes>
+</file>
+
+<file path=ppt/notesSlides/notesSlide10.xml><?xml version="1.0" encoding="utf-8"?>
+<p:notes xmlns:a="http://schemas.openxmlformats.org/drawingml/2006/main" xmlns:r="http://schemas.openxmlformats.org/officeDocument/2006/relationships" xmlns:mc="http://schemas.openxmlformats.org/markup-compatibility/2006" xmlns:mv="urn:schemas-microsoft-com:mac:vml" xmlns:p="http://schemas.openxmlformats.org/presentationml/2006/main" xmlns:c="http://schemas.openxmlformats.org/drawingml/2006/chart" xmlns:dgm="http://schemas.openxmlformats.org/drawingml/2006/diagram" xmlns:o="urn:schemas-microsoft-com:office:office" xmlns:v="urn:schemas-microsoft-com:vml" xmlns:pvml="urn:schemas-microsoft-com:office:powerpoint" xmlns:com="http://schemas.openxmlformats.org/drawingml/2006/compatibility" xmlns:p14="http://schemas.microsoft.com/office/powerpoint/2010/main" xmlns:p15="http://schemas.microsoft.com/office/powerpoint/2012/main" xmlns:ahyp="http://schemas.microsoft.com/office/drawing/2018/hyperlinkcolor" showMasterPhAnim="0" showMasterSp="0">
+  <p:cSld>
+    <p:spTree>
+      <p:nvGrpSpPr>
+        <p:cNvPr id="113" name="Shape 113"/>
+        <p:cNvGrpSpPr/>
+        <p:nvPr/>
+      </p:nvGrpSpPr>
+      <p:grpSpPr>
+        <a:xfrm>
+          <a:off x="0" y="0"/>
+          <a:ext cx="0" cy="0"/>
+          <a:chOff x="0" y="0"/>
+          <a:chExt cx="0" cy="0"/>
+        </a:xfrm>
+      </p:grpSpPr>
+      <p:sp>
+        <p:nvSpPr>
+          <p:cNvPr id="114" name="Google Shape;114;g13299a97ebc_0_93:notes"/>
+          <p:cNvSpPr/>
+          <p:nvPr>
+            <p:ph idx="2" type="sldImg"/>
+          </p:nvPr>
+        </p:nvSpPr>
+        <p:spPr>
+          <a:xfrm>
+            <a:off x="381300" y="685800"/>
+            <a:ext cx="6096000" cy="3429000"/>
+          </a:xfrm>
+          <a:custGeom>
+            <a:rect b="b" l="l" r="r" t="t"/>
+            <a:pathLst>
+              <a:path extrusionOk="0" h="120000" w="120000">
+                <a:moveTo>
+                  <a:pt x="0" y="0"/>
+                </a:moveTo>
+                <a:lnTo>
+                  <a:pt x="120000" y="0"/>
+                </a:lnTo>
+                <a:lnTo>
+                  <a:pt x="120000" y="120000"/>
+                </a:lnTo>
+                <a:lnTo>
+                  <a:pt x="0" y="120000"/>
+                </a:lnTo>
+                <a:close/>
+              </a:path>
+            </a:pathLst>
+          </a:custGeom>
+        </p:spPr>
+      </p:sp>
+      <p:sp>
+        <p:nvSpPr>
+          <p:cNvPr id="115" name="Google Shape;115;g13299a97ebc_0_93:notes"/>
+          <p:cNvSpPr txBox="1"/>
+          <p:nvPr>
+            <p:ph idx="1" type="body"/>
+          </p:nvPr>
+        </p:nvSpPr>
+        <p:spPr>
+          <a:xfrm>
+            <a:off x="685800" y="4343400"/>
+            <a:ext cx="5486400" cy="4114800"/>
+          </a:xfrm>
+          <a:prstGeom prst="rect">
+            <a:avLst/>
+          </a:prstGeom>
+        </p:spPr>
+        <p:txBody>
+          <a:bodyPr anchorCtr="0" anchor="t" bIns="91425" lIns="91425" spcFirstLastPara="1" rIns="91425" wrap="square" tIns="91425">
+            <a:noAutofit/>
+          </a:bodyPr>
+          <a:lstStyle/>
+          <a:p>
+            <a:pPr indent="0" lvl="0" marL="0" rtl="0" algn="l">
+              <a:spcBef>
+                <a:spcPts val="0"/>
+              </a:spcBef>
+              <a:spcAft>
+                <a:spcPts val="0"/>
+              </a:spcAft>
+              <a:buNone/>
+            </a:pPr>
+            <a:r>
+              <a:t/>
+            </a:r>
+            <a:endParaRPr/>
+          </a:p>
+        </p:txBody>
+      </p:sp>
+    </p:spTree>
+  </p:cSld>
+  <p:clrMapOvr>
+    <a:masterClrMapping/>
+  </p:clrMapOvr>
+</p:notes>
+</file>
+
+<file path=ppt/notesSlides/notesSlide11.xml><?xml version="1.0" encoding="utf-8"?>
+<p:notes xmlns:a="http://schemas.openxmlformats.org/drawingml/2006/main" xmlns:r="http://schemas.openxmlformats.org/officeDocument/2006/relationships" xmlns:mc="http://schemas.openxmlformats.org/markup-compatibility/2006" xmlns:mv="urn:schemas-microsoft-com:mac:vml" xmlns:p="http://schemas.openxmlformats.org/presentationml/2006/main" xmlns:c="http://schemas.openxmlformats.org/drawingml/2006/chart" xmlns:dgm="http://schemas.openxmlformats.org/drawingml/2006/diagram" xmlns:o="urn:schemas-microsoft-com:office:office" xmlns:v="urn:schemas-microsoft-com:vml" xmlns:pvml="urn:schemas-microsoft-com:office:powerpoint" xmlns:com="http://schemas.openxmlformats.org/drawingml/2006/compatibility" xmlns:p14="http://schemas.microsoft.com/office/powerpoint/2010/main" xmlns:p15="http://schemas.microsoft.com/office/powerpoint/2012/main" xmlns:ahyp="http://schemas.microsoft.com/office/drawing/2018/hyperlinkcolor" showMasterPhAnim="0" showMasterSp="0">
+  <p:cSld>
+    <p:spTree>
+      <p:nvGrpSpPr>
+        <p:cNvPr id="119" name="Shape 119"/>
+        <p:cNvGrpSpPr/>
+        <p:nvPr/>
+      </p:nvGrpSpPr>
+      <p:grpSpPr>
+        <a:xfrm>
+          <a:off x="0" y="0"/>
+          <a:ext cx="0" cy="0"/>
+          <a:chOff x="0" y="0"/>
+          <a:chExt cx="0" cy="0"/>
+        </a:xfrm>
+      </p:grpSpPr>
+      <p:sp>
+        <p:nvSpPr>
+          <p:cNvPr id="120" name="Google Shape;120;g13299a97ebc_0_99:notes"/>
+          <p:cNvSpPr/>
+          <p:nvPr>
+            <p:ph idx="2" type="sldImg"/>
+          </p:nvPr>
+        </p:nvSpPr>
+        <p:spPr>
+          <a:xfrm>
+            <a:off x="381300" y="685800"/>
+            <a:ext cx="6096000" cy="3429000"/>
+          </a:xfrm>
+          <a:custGeom>
+            <a:rect b="b" l="l" r="r" t="t"/>
+            <a:pathLst>
+              <a:path extrusionOk="0" h="120000" w="120000">
+                <a:moveTo>
+                  <a:pt x="0" y="0"/>
+                </a:moveTo>
+                <a:lnTo>
+                  <a:pt x="120000" y="0"/>
+                </a:lnTo>
+                <a:lnTo>
+                  <a:pt x="120000" y="120000"/>
+                </a:lnTo>
+                <a:lnTo>
+                  <a:pt x="0" y="120000"/>
+                </a:lnTo>
+                <a:close/>
+              </a:path>
+            </a:pathLst>
+          </a:custGeom>
+        </p:spPr>
+      </p:sp>
+      <p:sp>
+        <p:nvSpPr>
+          <p:cNvPr id="121" name="Google Shape;121;g13299a97ebc_0_99:notes"/>
+          <p:cNvSpPr txBox="1"/>
+          <p:nvPr>
+            <p:ph idx="1" type="body"/>
+          </p:nvPr>
+        </p:nvSpPr>
+        <p:spPr>
+          <a:xfrm>
+            <a:off x="685800" y="4343400"/>
+            <a:ext cx="5486400" cy="4114800"/>
+          </a:xfrm>
+          <a:prstGeom prst="rect">
+            <a:avLst/>
+          </a:prstGeom>
+        </p:spPr>
+        <p:txBody>
+          <a:bodyPr anchorCtr="0" anchor="t" bIns="91425" lIns="91425" spcFirstLastPara="1" rIns="91425" wrap="square" tIns="91425">
+            <a:noAutofit/>
+          </a:bodyPr>
+          <a:lstStyle/>
+          <a:p>
+            <a:pPr indent="0" lvl="0" marL="0" rtl="0" algn="l">
+              <a:spcBef>
+                <a:spcPts val="0"/>
+              </a:spcBef>
+              <a:spcAft>
+                <a:spcPts val="0"/>
+              </a:spcAft>
+              <a:buNone/>
+            </a:pPr>
+            <a:r>
+              <a:t/>
+            </a:r>
+            <a:endParaRPr/>
+          </a:p>
+        </p:txBody>
+      </p:sp>
+    </p:spTree>
+  </p:cSld>
+  <p:clrMapOvr>
+    <a:masterClrMapping/>
+  </p:clrMapOvr>
+</p:notes>
+</file>
+
+<file path=ppt/notesSlides/notesSlide12.xml><?xml version="1.0" encoding="utf-8"?>
+<p:notes xmlns:a="http://schemas.openxmlformats.org/drawingml/2006/main" xmlns:r="http://schemas.openxmlformats.org/officeDocument/2006/relationships" xmlns:mc="http://schemas.openxmlformats.org/markup-compatibility/2006" xmlns:mv="urn:schemas-microsoft-com:mac:vml" xmlns:p="http://schemas.openxmlformats.org/presentationml/2006/main" xmlns:c="http://schemas.openxmlformats.org/drawingml/2006/chart" xmlns:dgm="http://schemas.openxmlformats.org/drawingml/2006/diagram" xmlns:o="urn:schemas-microsoft-com:office:office" xmlns:v="urn:schemas-microsoft-com:vml" xmlns:pvml="urn:schemas-microsoft-com:office:powerpoint" xmlns:com="http://schemas.openxmlformats.org/drawingml/2006/compatibility" xmlns:p14="http://schemas.microsoft.com/office/powerpoint/2010/main" xmlns:p15="http://schemas.microsoft.com/office/powerpoint/2012/main" xmlns:ahyp="http://schemas.microsoft.com/office/drawing/2018/hyperlinkcolor" showMasterPhAnim="0" showMasterSp="0">
+  <p:cSld>
+    <p:spTree>
+      <p:nvGrpSpPr>
+        <p:cNvPr id="126" name="Shape 126"/>
+        <p:cNvGrpSpPr/>
+        <p:nvPr/>
+      </p:nvGrpSpPr>
+      <p:grpSpPr>
+        <a:xfrm>
+          <a:off x="0" y="0"/>
+          <a:ext cx="0" cy="0"/>
+          <a:chOff x="0" y="0"/>
+          <a:chExt cx="0" cy="0"/>
+        </a:xfrm>
+      </p:grpSpPr>
+      <p:sp>
+        <p:nvSpPr>
+          <p:cNvPr id="127" name="Google Shape;127;g13299a97ebc_0_106:notes"/>
+          <p:cNvSpPr/>
+          <p:nvPr>
+            <p:ph idx="2" type="sldImg"/>
+          </p:nvPr>
+        </p:nvSpPr>
+        <p:spPr>
+          <a:xfrm>
+            <a:off x="381300" y="685800"/>
+            <a:ext cx="6096000" cy="3429000"/>
+          </a:xfrm>
+          <a:custGeom>
+            <a:rect b="b" l="l" r="r" t="t"/>
+            <a:pathLst>
+              <a:path extrusionOk="0" h="120000" w="120000">
+                <a:moveTo>
+                  <a:pt x="0" y="0"/>
+                </a:moveTo>
+                <a:lnTo>
+                  <a:pt x="120000" y="0"/>
+                </a:lnTo>
+                <a:lnTo>
+                  <a:pt x="120000" y="120000"/>
+                </a:lnTo>
+                <a:lnTo>
+                  <a:pt x="0" y="120000"/>
+                </a:lnTo>
+                <a:close/>
+              </a:path>
+            </a:pathLst>
+          </a:custGeom>
+        </p:spPr>
+      </p:sp>
+      <p:sp>
+        <p:nvSpPr>
+          <p:cNvPr id="128" name="Google Shape;128;g13299a97ebc_0_106:notes"/>
+          <p:cNvSpPr txBox="1"/>
+          <p:nvPr>
+            <p:ph idx="1" type="body"/>
+          </p:nvPr>
+        </p:nvSpPr>
+        <p:spPr>
+          <a:xfrm>
+            <a:off x="685800" y="4343400"/>
+            <a:ext cx="5486400" cy="4114800"/>
+          </a:xfrm>
+          <a:prstGeom prst="rect">
+            <a:avLst/>
+          </a:prstGeom>
+        </p:spPr>
+        <p:txBody>
+          <a:bodyPr anchorCtr="0" anchor="t" bIns="91425" lIns="91425" spcFirstLastPara="1" rIns="91425" wrap="square" tIns="91425">
+            <a:noAutofit/>
+          </a:bodyPr>
+          <a:lstStyle/>
+          <a:p>
+            <a:pPr indent="0" lvl="0" marL="0" rtl="0" algn="l">
+              <a:spcBef>
+                <a:spcPts val="0"/>
+              </a:spcBef>
+              <a:spcAft>
+                <a:spcPts val="0"/>
+              </a:spcAft>
+              <a:buNone/>
+            </a:pPr>
+            <a:r>
+              <a:t/>
+            </a:r>
+            <a:endParaRPr/>
+          </a:p>
+        </p:txBody>
+      </p:sp>
+    </p:spTree>
+  </p:cSld>
+  <p:clrMapOvr>
+    <a:masterClrMapping/>
+  </p:clrMapOvr>
+</p:notes>
+</file>
+
+<file path=ppt/notesSlides/notesSlide13.xml><?xml version="1.0" encoding="utf-8"?>
+<p:notes xmlns:a="http://schemas.openxmlformats.org/drawingml/2006/main" xmlns:r="http://schemas.openxmlformats.org/officeDocument/2006/relationships" xmlns:mc="http://schemas.openxmlformats.org/markup-compatibility/2006" xmlns:mv="urn:schemas-microsoft-com:mac:vml" xmlns:p="http://schemas.openxmlformats.org/presentationml/2006/main" xmlns:c="http://schemas.openxmlformats.org/drawingml/2006/chart" xmlns:dgm="http://schemas.openxmlformats.org/drawingml/2006/diagram" xmlns:o="urn:schemas-microsoft-com:office:office" xmlns:v="urn:schemas-microsoft-com:vml" xmlns:pvml="urn:schemas-microsoft-com:office:powerpoint" xmlns:com="http://schemas.openxmlformats.org/drawingml/2006/compatibility" xmlns:p14="http://schemas.microsoft.com/office/powerpoint/2010/main" xmlns:p15="http://schemas.microsoft.com/office/powerpoint/2012/main" xmlns:ahyp="http://schemas.microsoft.com/office/drawing/2018/hyperlinkcolor" showMasterPhAnim="0" showMasterSp="0">
+  <p:cSld>
+    <p:spTree>
+      <p:nvGrpSpPr>
+        <p:cNvPr id="133" name="Shape 133"/>
+        <p:cNvGrpSpPr/>
+        <p:nvPr/>
+      </p:nvGrpSpPr>
+      <p:grpSpPr>
+        <a:xfrm>
+          <a:off x="0" y="0"/>
+          <a:ext cx="0" cy="0"/>
+          <a:chOff x="0" y="0"/>
+          <a:chExt cx="0" cy="0"/>
+        </a:xfrm>
+      </p:grpSpPr>
+      <p:sp>
+        <p:nvSpPr>
+          <p:cNvPr id="134" name="Google Shape;134;g13299a97ebc_0_114:notes"/>
+          <p:cNvSpPr/>
+          <p:nvPr>
+            <p:ph idx="2" type="sldImg"/>
+          </p:nvPr>
+        </p:nvSpPr>
+        <p:spPr>
+          <a:xfrm>
+            <a:off x="381300" y="685800"/>
+            <a:ext cx="6096000" cy="3429000"/>
+          </a:xfrm>
+          <a:custGeom>
+            <a:rect b="b" l="l" r="r" t="t"/>
+            <a:pathLst>
+              <a:path extrusionOk="0" h="120000" w="120000">
+                <a:moveTo>
+                  <a:pt x="0" y="0"/>
+                </a:moveTo>
+                <a:lnTo>
+                  <a:pt x="120000" y="0"/>
+                </a:lnTo>
+                <a:lnTo>
+                  <a:pt x="120000" y="120000"/>
+                </a:lnTo>
+                <a:lnTo>
+                  <a:pt x="0" y="120000"/>
+                </a:lnTo>
+                <a:close/>
+              </a:path>
+            </a:pathLst>
+          </a:custGeom>
+        </p:spPr>
+      </p:sp>
+      <p:sp>
+        <p:nvSpPr>
+          <p:cNvPr id="135" name="Google Shape;135;g13299a97ebc_0_114:notes"/>
+          <p:cNvSpPr txBox="1"/>
+          <p:nvPr>
+            <p:ph idx="1" type="body"/>
+          </p:nvPr>
+        </p:nvSpPr>
+        <p:spPr>
+          <a:xfrm>
+            <a:off x="685800" y="4343400"/>
+            <a:ext cx="5486400" cy="4114800"/>
+          </a:xfrm>
+          <a:prstGeom prst="rect">
+            <a:avLst/>
+          </a:prstGeom>
+        </p:spPr>
+        <p:txBody>
+          <a:bodyPr anchorCtr="0" anchor="t" bIns="91425" lIns="91425" spcFirstLastPara="1" rIns="91425" wrap="square" tIns="91425">
+            <a:noAutofit/>
+          </a:bodyPr>
+          <a:lstStyle/>
+          <a:p>
+            <a:pPr indent="0" lvl="0" marL="0" rtl="0" algn="l">
+              <a:spcBef>
+                <a:spcPts val="0"/>
+              </a:spcBef>
+              <a:spcAft>
+                <a:spcPts val="0"/>
+              </a:spcAft>
+              <a:buNone/>
+            </a:pPr>
+            <a:r>
+              <a:t/>
+            </a:r>
+            <a:endParaRPr/>
+          </a:p>
+        </p:txBody>
+      </p:sp>
+    </p:spTree>
+  </p:cSld>
+  <p:clrMapOvr>
+    <a:masterClrMapping/>
+  </p:clrMapOvr>
+</p:notes>
+</file>
+
+<file path=ppt/notesSlides/notesSlide14.xml><?xml version="1.0" encoding="utf-8"?>
+<p:notes xmlns:a="http://schemas.openxmlformats.org/drawingml/2006/main" xmlns:r="http://schemas.openxmlformats.org/officeDocument/2006/relationships" xmlns:mc="http://schemas.openxmlformats.org/markup-compatibility/2006" xmlns:mv="urn:schemas-microsoft-com:mac:vml" xmlns:p="http://schemas.openxmlformats.org/presentationml/2006/main" xmlns:c="http://schemas.openxmlformats.org/drawingml/2006/chart" xmlns:dgm="http://schemas.openxmlformats.org/drawingml/2006/diagram" xmlns:o="urn:schemas-microsoft-com:office:office" xmlns:v="urn:schemas-microsoft-com:vml" xmlns:pvml="urn:schemas-microsoft-com:office:powerpoint" xmlns:com="http://schemas.openxmlformats.org/drawingml/2006/compatibility" xmlns:p14="http://schemas.microsoft.com/office/powerpoint/2010/main" xmlns:p15="http://schemas.microsoft.com/office/powerpoint/2012/main" xmlns:ahyp="http://schemas.microsoft.com/office/drawing/2018/hyperlinkcolor" showMasterPhAnim="0" showMasterSp="0">
+  <p:cSld>
+    <p:spTree>
+      <p:nvGrpSpPr>
+        <p:cNvPr id="139" name="Shape 139"/>
+        <p:cNvGrpSpPr/>
+        <p:nvPr/>
+      </p:nvGrpSpPr>
+      <p:grpSpPr>
+        <a:xfrm>
+          <a:off x="0" y="0"/>
+          <a:ext cx="0" cy="0"/>
+          <a:chOff x="0" y="0"/>
+          <a:chExt cx="0" cy="0"/>
+        </a:xfrm>
+      </p:grpSpPr>
+      <p:sp>
+        <p:nvSpPr>
+          <p:cNvPr id="140" name="Google Shape;140;g13299a97ebc_0_119:notes"/>
+          <p:cNvSpPr/>
+          <p:nvPr>
+            <p:ph idx="2" type="sldImg"/>
+          </p:nvPr>
+        </p:nvSpPr>
+        <p:spPr>
+          <a:xfrm>
+            <a:off x="381300" y="685800"/>
+            <a:ext cx="6096000" cy="3429000"/>
+          </a:xfrm>
+          <a:custGeom>
+            <a:rect b="b" l="l" r="r" t="t"/>
+            <a:pathLst>
+              <a:path extrusionOk="0" h="120000" w="120000">
+                <a:moveTo>
+                  <a:pt x="0" y="0"/>
+                </a:moveTo>
+                <a:lnTo>
+                  <a:pt x="120000" y="0"/>
+                </a:lnTo>
+                <a:lnTo>
+                  <a:pt x="120000" y="120000"/>
+                </a:lnTo>
+                <a:lnTo>
+                  <a:pt x="0" y="120000"/>
+                </a:lnTo>
+                <a:close/>
+              </a:path>
+            </a:pathLst>
+          </a:custGeom>
+        </p:spPr>
+      </p:sp>
+      <p:sp>
+        <p:nvSpPr>
+          <p:cNvPr id="141" name="Google Shape;141;g13299a97ebc_0_119:notes"/>
+          <p:cNvSpPr txBox="1"/>
+          <p:nvPr>
+            <p:ph idx="1" type="body"/>
+          </p:nvPr>
+        </p:nvSpPr>
+        <p:spPr>
+          <a:xfrm>
+            <a:off x="685800" y="4343400"/>
+            <a:ext cx="5486400" cy="4114800"/>
+          </a:xfrm>
+          <a:prstGeom prst="rect">
+            <a:avLst/>
+          </a:prstGeom>
+        </p:spPr>
+        <p:txBody>
+          <a:bodyPr anchorCtr="0" anchor="t" bIns="91425" lIns="91425" spcFirstLastPara="1" rIns="91425" wrap="square" tIns="91425">
+            <a:noAutofit/>
+          </a:bodyPr>
+          <a:lstStyle/>
+          <a:p>
+            <a:pPr indent="0" lvl="0" marL="0" rtl="0" algn="l">
+              <a:spcBef>
+                <a:spcPts val="0"/>
+              </a:spcBef>
+              <a:spcAft>
+                <a:spcPts val="0"/>
+              </a:spcAft>
+              <a:buNone/>
+            </a:pPr>
+            <a:r>
+              <a:t/>
+            </a:r>
+            <a:endParaRPr/>
+          </a:p>
+        </p:txBody>
+      </p:sp>
+    </p:spTree>
+  </p:cSld>
+  <p:clrMapOvr>
+    <a:masterClrMapping/>
+  </p:clrMapOvr>
+</p:notes>
+</file>
+
+<file path=ppt/notesSlides/notesSlide15.xml><?xml version="1.0" encoding="utf-8"?>
+<p:notes xmlns:a="http://schemas.openxmlformats.org/drawingml/2006/main" xmlns:r="http://schemas.openxmlformats.org/officeDocument/2006/relationships" xmlns:mc="http://schemas.openxmlformats.org/markup-compatibility/2006" xmlns:mv="urn:schemas-microsoft-com:mac:vml" xmlns:p="http://schemas.openxmlformats.org/presentationml/2006/main" xmlns:c="http://schemas.openxmlformats.org/drawingml/2006/chart" xmlns:dgm="http://schemas.openxmlformats.org/drawingml/2006/diagram" xmlns:o="urn:schemas-microsoft-com:office:office" xmlns:v="urn:schemas-microsoft-com:vml" xmlns:pvml="urn:schemas-microsoft-com:office:powerpoint" xmlns:com="http://schemas.openxmlformats.org/drawingml/2006/compatibility" xmlns:p14="http://schemas.microsoft.com/office/powerpoint/2010/main" xmlns:p15="http://schemas.microsoft.com/office/powerpoint/2012/main" xmlns:ahyp="http://schemas.microsoft.com/office/drawing/2018/hyperlinkcolor" showMasterPhAnim="0" showMasterSp="0">
+  <p:cSld>
+    <p:spTree>
+      <p:nvGrpSpPr>
+        <p:cNvPr id="148" name="Shape 148"/>
+        <p:cNvGrpSpPr/>
+        <p:nvPr/>
+      </p:nvGrpSpPr>
+      <p:grpSpPr>
+        <a:xfrm>
+          <a:off x="0" y="0"/>
+          <a:ext cx="0" cy="0"/>
+          <a:chOff x="0" y="0"/>
+          <a:chExt cx="0" cy="0"/>
+        </a:xfrm>
+      </p:grpSpPr>
+      <p:sp>
+        <p:nvSpPr>
+          <p:cNvPr id="149" name="Google Shape;149;g13299a97ebc_0_127:notes"/>
+          <p:cNvSpPr/>
+          <p:nvPr>
+            <p:ph idx="2" type="sldImg"/>
+          </p:nvPr>
+        </p:nvSpPr>
+        <p:spPr>
+          <a:xfrm>
+            <a:off x="381300" y="685800"/>
+            <a:ext cx="6096000" cy="3429000"/>
+          </a:xfrm>
+          <a:custGeom>
+            <a:rect b="b" l="l" r="r" t="t"/>
+            <a:pathLst>
+              <a:path extrusionOk="0" h="120000" w="120000">
+                <a:moveTo>
+                  <a:pt x="0" y="0"/>
+                </a:moveTo>
+                <a:lnTo>
+                  <a:pt x="120000" y="0"/>
+                </a:lnTo>
+                <a:lnTo>
+                  <a:pt x="120000" y="120000"/>
+                </a:lnTo>
+                <a:lnTo>
+                  <a:pt x="0" y="120000"/>
+                </a:lnTo>
+                <a:close/>
+              </a:path>
+            </a:pathLst>
+          </a:custGeom>
+        </p:spPr>
+      </p:sp>
+      <p:sp>
+        <p:nvSpPr>
+          <p:cNvPr id="150" name="Google Shape;150;g13299a97ebc_0_127:notes"/>
+          <p:cNvSpPr txBox="1"/>
+          <p:nvPr>
+            <p:ph idx="1" type="body"/>
+          </p:nvPr>
+        </p:nvSpPr>
+        <p:spPr>
+          <a:xfrm>
+            <a:off x="685800" y="4343400"/>
+            <a:ext cx="5486400" cy="4114800"/>
+          </a:xfrm>
+          <a:prstGeom prst="rect">
+            <a:avLst/>
+          </a:prstGeom>
+        </p:spPr>
+        <p:txBody>
+          <a:bodyPr anchorCtr="0" anchor="t" bIns="91425" lIns="91425" spcFirstLastPara="1" rIns="91425" wrap="square" tIns="91425">
+            <a:noAutofit/>
+          </a:bodyPr>
+          <a:lstStyle/>
+          <a:p>
+            <a:pPr indent="0" lvl="0" marL="0" rtl="0" algn="l">
+              <a:spcBef>
+                <a:spcPts val="0"/>
+              </a:spcBef>
+              <a:spcAft>
+                <a:spcPts val="0"/>
+              </a:spcAft>
+              <a:buNone/>
+            </a:pPr>
+            <a:r>
+              <a:t/>
+            </a:r>
+            <a:endParaRPr/>
+          </a:p>
+        </p:txBody>
+      </p:sp>
+    </p:spTree>
+  </p:cSld>
+  <p:clrMapOvr>
+    <a:masterClrMapping/>
+  </p:clrMapOvr>
+</p:notes>
+</file>
+
+<file path=ppt/notesSlides/notesSlide16.xml><?xml version="1.0" encoding="utf-8"?>
+<p:notes xmlns:a="http://schemas.openxmlformats.org/drawingml/2006/main" xmlns:r="http://schemas.openxmlformats.org/officeDocument/2006/relationships" xmlns:mc="http://schemas.openxmlformats.org/markup-compatibility/2006" xmlns:mv="urn:schemas-microsoft-com:mac:vml" xmlns:p="http://schemas.openxmlformats.org/presentationml/2006/main" xmlns:c="http://schemas.openxmlformats.org/drawingml/2006/chart" xmlns:dgm="http://schemas.openxmlformats.org/drawingml/2006/diagram" xmlns:o="urn:schemas-microsoft-com:office:office" xmlns:v="urn:schemas-microsoft-com:vml" xmlns:pvml="urn:schemas-microsoft-com:office:powerpoint" xmlns:com="http://schemas.openxmlformats.org/drawingml/2006/compatibility" xmlns:p14="http://schemas.microsoft.com/office/powerpoint/2010/main" xmlns:p15="http://schemas.microsoft.com/office/powerpoint/2012/main" xmlns:ahyp="http://schemas.microsoft.com/office/drawing/2018/hyperlinkcolor" showMasterPhAnim="0" showMasterSp="0">
+  <p:cSld>
+    <p:spTree>
+      <p:nvGrpSpPr>
+        <p:cNvPr id="155" name="Shape 155"/>
+        <p:cNvGrpSpPr/>
+        <p:nvPr/>
+      </p:nvGrpSpPr>
+      <p:grpSpPr>
+        <a:xfrm>
+          <a:off x="0" y="0"/>
+          <a:ext cx="0" cy="0"/>
+          <a:chOff x="0" y="0"/>
+          <a:chExt cx="0" cy="0"/>
+        </a:xfrm>
+      </p:grpSpPr>
+      <p:sp>
+        <p:nvSpPr>
+          <p:cNvPr id="156" name="Google Shape;156;g13299a97ebc_0_133:notes"/>
+          <p:cNvSpPr/>
+          <p:nvPr>
+            <p:ph idx="2" type="sldImg"/>
+          </p:nvPr>
+        </p:nvSpPr>
+        <p:spPr>
+          <a:xfrm>
+            <a:off x="381300" y="685800"/>
+            <a:ext cx="6096000" cy="3429000"/>
+          </a:xfrm>
+          <a:custGeom>
+            <a:rect b="b" l="l" r="r" t="t"/>
+            <a:pathLst>
+              <a:path extrusionOk="0" h="120000" w="120000">
+                <a:moveTo>
+                  <a:pt x="0" y="0"/>
+                </a:moveTo>
+                <a:lnTo>
+                  <a:pt x="120000" y="0"/>
+                </a:lnTo>
+                <a:lnTo>
+                  <a:pt x="120000" y="120000"/>
+                </a:lnTo>
+                <a:lnTo>
+                  <a:pt x="0" y="120000"/>
+                </a:lnTo>
+                <a:close/>
+              </a:path>
+            </a:pathLst>
+          </a:custGeom>
+        </p:spPr>
+      </p:sp>
+      <p:sp>
+        <p:nvSpPr>
+          <p:cNvPr id="157" name="Google Shape;157;g13299a97ebc_0_133:notes"/>
+          <p:cNvSpPr txBox="1"/>
+          <p:nvPr>
+            <p:ph idx="1" type="body"/>
+          </p:nvPr>
+        </p:nvSpPr>
+        <p:spPr>
+          <a:xfrm>
+            <a:off x="685800" y="4343400"/>
+            <a:ext cx="5486400" cy="4114800"/>
+          </a:xfrm>
+          <a:prstGeom prst="rect">
+            <a:avLst/>
+          </a:prstGeom>
+        </p:spPr>
+        <p:txBody>
+          <a:bodyPr anchorCtr="0" anchor="t" bIns="91425" lIns="91425" spcFirstLastPara="1" rIns="91425" wrap="square" tIns="91425">
+            <a:noAutofit/>
+          </a:bodyPr>
+          <a:lstStyle/>
+          <a:p>
+            <a:pPr indent="0" lvl="0" marL="0" rtl="0" algn="l">
+              <a:spcBef>
+                <a:spcPts val="0"/>
+              </a:spcBef>
+              <a:spcAft>
+                <a:spcPts val="0"/>
+              </a:spcAft>
+              <a:buNone/>
+            </a:pPr>
+            <a:r>
+              <a:t/>
+            </a:r>
+            <a:endParaRPr/>
+          </a:p>
+        </p:txBody>
+      </p:sp>
+    </p:spTree>
+  </p:cSld>
+  <p:clrMapOvr>
+    <a:masterClrMapping/>
+  </p:clrMapOvr>
+</p:notes>
+</file>
+
+<file path=ppt/notesSlides/notesSlide17.xml><?xml version="1.0" encoding="utf-8"?>
+<p:notes xmlns:a="http://schemas.openxmlformats.org/drawingml/2006/main" xmlns:r="http://schemas.openxmlformats.org/officeDocument/2006/relationships" xmlns:mc="http://schemas.openxmlformats.org/markup-compatibility/2006" xmlns:mv="urn:schemas-microsoft-com:mac:vml" xmlns:p="http://schemas.openxmlformats.org/presentationml/2006/main" xmlns:c="http://schemas.openxmlformats.org/drawingml/2006/chart" xmlns:dgm="http://schemas.openxmlformats.org/drawingml/2006/diagram" xmlns:o="urn:schemas-microsoft-com:office:office" xmlns:v="urn:schemas-microsoft-com:vml" xmlns:pvml="urn:schemas-microsoft-com:office:powerpoint" xmlns:com="http://schemas.openxmlformats.org/drawingml/2006/compatibility" xmlns:p14="http://schemas.microsoft.com/office/powerpoint/2010/main" xmlns:p15="http://schemas.microsoft.com/office/powerpoint/2012/main" xmlns:ahyp="http://schemas.microsoft.com/office/drawing/2018/hyperlinkcolor" showMasterPhAnim="0" showMasterSp="0">
+  <p:cSld>
+    <p:spTree>
+      <p:nvGrpSpPr>
+        <p:cNvPr id="161" name="Shape 161"/>
+        <p:cNvGrpSpPr/>
+        <p:nvPr/>
+      </p:nvGrpSpPr>
+      <p:grpSpPr>
+        <a:xfrm>
+          <a:off x="0" y="0"/>
+          <a:ext cx="0" cy="0"/>
+          <a:chOff x="0" y="0"/>
+          <a:chExt cx="0" cy="0"/>
+        </a:xfrm>
+      </p:grpSpPr>
+      <p:sp>
+        <p:nvSpPr>
+          <p:cNvPr id="162" name="Google Shape;162;g132234a45cd_0_0:notes"/>
+          <p:cNvSpPr/>
+          <p:nvPr>
+            <p:ph idx="2" type="sldImg"/>
+          </p:nvPr>
+        </p:nvSpPr>
+        <p:spPr>
+          <a:xfrm>
+            <a:off x="381300" y="685800"/>
+            <a:ext cx="6096000" cy="3429000"/>
+          </a:xfrm>
+          <a:custGeom>
+            <a:rect b="b" l="l" r="r" t="t"/>
+            <a:pathLst>
+              <a:path extrusionOk="0" h="120000" w="120000">
+                <a:moveTo>
+                  <a:pt x="0" y="0"/>
+                </a:moveTo>
+                <a:lnTo>
+                  <a:pt x="120000" y="0"/>
+                </a:lnTo>
+                <a:lnTo>
+                  <a:pt x="120000" y="120000"/>
+                </a:lnTo>
+                <a:lnTo>
+                  <a:pt x="0" y="120000"/>
+                </a:lnTo>
+                <a:close/>
+              </a:path>
+            </a:pathLst>
+          </a:custGeom>
+        </p:spPr>
+      </p:sp>
+      <p:sp>
+        <p:nvSpPr>
+          <p:cNvPr id="163" name="Google Shape;163;g132234a45cd_0_0:notes"/>
+          <p:cNvSpPr txBox="1"/>
+          <p:nvPr>
+            <p:ph idx="1" type="body"/>
+          </p:nvPr>
+        </p:nvSpPr>
+        <p:spPr>
+          <a:xfrm>
+            <a:off x="685800" y="4343400"/>
+            <a:ext cx="5486400" cy="4114800"/>
+          </a:xfrm>
+          <a:prstGeom prst="rect">
+            <a:avLst/>
+          </a:prstGeom>
+        </p:spPr>
+        <p:txBody>
+          <a:bodyPr anchorCtr="0" anchor="t" bIns="91425" lIns="91425" spcFirstLastPara="1" rIns="91425" wrap="square" tIns="91425">
+            <a:noAutofit/>
+          </a:bodyPr>
+          <a:lstStyle/>
+          <a:p>
+            <a:pPr indent="0" lvl="0" marL="0" rtl="0" algn="l">
+              <a:spcBef>
+                <a:spcPts val="0"/>
+              </a:spcBef>
+              <a:spcAft>
+                <a:spcPts val="0"/>
+              </a:spcAft>
+              <a:buNone/>
+            </a:pPr>
+            <a:r>
+              <a:t/>
+            </a:r>
+            <a:endParaRPr/>
+          </a:p>
+        </p:txBody>
+      </p:sp>
+    </p:spTree>
+  </p:cSld>
+  <p:clrMapOvr>
+    <a:masterClrMapping/>
+  </p:clrMapOvr>
+</p:notes>
+</file>
+
+<file path=ppt/notesSlides/notesSlide18.xml><?xml version="1.0" encoding="utf-8"?>
+<p:notes xmlns:a="http://schemas.openxmlformats.org/drawingml/2006/main" xmlns:r="http://schemas.openxmlformats.org/officeDocument/2006/relationships" xmlns:mc="http://schemas.openxmlformats.org/markup-compatibility/2006" xmlns:mv="urn:schemas-microsoft-com:mac:vml" xmlns:p="http://schemas.openxmlformats.org/presentationml/2006/main" xmlns:c="http://schemas.openxmlformats.org/drawingml/2006/chart" xmlns:dgm="http://schemas.openxmlformats.org/drawingml/2006/diagram" xmlns:o="urn:schemas-microsoft-com:office:office" xmlns:v="urn:schemas-microsoft-com:vml" xmlns:pvml="urn:schemas-microsoft-com:office:powerpoint" xmlns:com="http://schemas.openxmlformats.org/drawingml/2006/compatibility" xmlns:p14="http://schemas.microsoft.com/office/powerpoint/2010/main" xmlns:p15="http://schemas.microsoft.com/office/powerpoint/2012/main" xmlns:ahyp="http://schemas.microsoft.com/office/drawing/2018/hyperlinkcolor" showMasterPhAnim="0" showMasterSp="0">
+  <p:cSld>
+    <p:spTree>
+      <p:nvGrpSpPr>
+        <p:cNvPr id="168" name="Shape 168"/>
+        <p:cNvGrpSpPr/>
+        <p:nvPr/>
+      </p:nvGrpSpPr>
+      <p:grpSpPr>
+        <a:xfrm>
+          <a:off x="0" y="0"/>
+          <a:ext cx="0" cy="0"/>
+          <a:chOff x="0" y="0"/>
+          <a:chExt cx="0" cy="0"/>
+        </a:xfrm>
+      </p:grpSpPr>
+      <p:sp>
+        <p:nvSpPr>
+          <p:cNvPr id="169" name="Google Shape;169;g132234a45cd_0_8:notes"/>
+          <p:cNvSpPr/>
+          <p:nvPr>
+            <p:ph idx="2" type="sldImg"/>
+          </p:nvPr>
+        </p:nvSpPr>
+        <p:spPr>
+          <a:xfrm>
+            <a:off x="381300" y="685800"/>
+            <a:ext cx="6096000" cy="3429000"/>
+          </a:xfrm>
+          <a:custGeom>
+            <a:rect b="b" l="l" r="r" t="t"/>
+            <a:pathLst>
+              <a:path extrusionOk="0" h="120000" w="120000">
+                <a:moveTo>
+                  <a:pt x="0" y="0"/>
+                </a:moveTo>
+                <a:lnTo>
+                  <a:pt x="120000" y="0"/>
+                </a:lnTo>
+                <a:lnTo>
+                  <a:pt x="120000" y="120000"/>
+                </a:lnTo>
+                <a:lnTo>
+                  <a:pt x="0" y="120000"/>
+                </a:lnTo>
+                <a:close/>
+              </a:path>
+            </a:pathLst>
+          </a:custGeom>
+        </p:spPr>
+      </p:sp>
+      <p:sp>
+        <p:nvSpPr>
+          <p:cNvPr id="170" name="Google Shape;170;g132234a45cd_0_8:notes"/>
+          <p:cNvSpPr txBox="1"/>
+          <p:nvPr>
+            <p:ph idx="1" type="body"/>
+          </p:nvPr>
+        </p:nvSpPr>
+        <p:spPr>
+          <a:xfrm>
+            <a:off x="685800" y="4343400"/>
+            <a:ext cx="5486400" cy="4114800"/>
+          </a:xfrm>
+          <a:prstGeom prst="rect">
+            <a:avLst/>
+          </a:prstGeom>
+        </p:spPr>
+        <p:txBody>
+          <a:bodyPr anchorCtr="0" anchor="t" bIns="91425" lIns="91425" spcFirstLastPara="1" rIns="91425" wrap="square" tIns="91425">
+            <a:noAutofit/>
+          </a:bodyPr>
+          <a:lstStyle/>
+          <a:p>
+            <a:pPr indent="0" lvl="0" marL="0" rtl="0" algn="l">
+              <a:spcBef>
+                <a:spcPts val="0"/>
+              </a:spcBef>
+              <a:spcAft>
+                <a:spcPts val="0"/>
+              </a:spcAft>
+              <a:buNone/>
+            </a:pPr>
+            <a:r>
+              <a:t/>
+            </a:r>
+            <a:endParaRPr/>
+          </a:p>
+        </p:txBody>
+      </p:sp>
+    </p:spTree>
+  </p:cSld>
+  <p:clrMapOvr>
+    <a:masterClrMapping/>
+  </p:clrMapOvr>
+</p:notes>
+</file>
+
+<file path=ppt/notesSlides/notesSlide19.xml><?xml version="1.0" encoding="utf-8"?>
+<p:notes xmlns:a="http://schemas.openxmlformats.org/drawingml/2006/main" xmlns:r="http://schemas.openxmlformats.org/officeDocument/2006/relationships" xmlns:mc="http://schemas.openxmlformats.org/markup-compatibility/2006" xmlns:mv="urn:schemas-microsoft-com:mac:vml" xmlns:p="http://schemas.openxmlformats.org/presentationml/2006/main" xmlns:c="http://schemas.openxmlformats.org/drawingml/2006/chart" xmlns:dgm="http://schemas.openxmlformats.org/drawingml/2006/diagram" xmlns:o="urn:schemas-microsoft-com:office:office" xmlns:v="urn:schemas-microsoft-com:vml" xmlns:pvml="urn:schemas-microsoft-com:office:powerpoint" xmlns:com="http://schemas.openxmlformats.org/drawingml/2006/compatibility" xmlns:p14="http://schemas.microsoft.com/office/powerpoint/2010/main" xmlns:p15="http://schemas.microsoft.com/office/powerpoint/2012/main" xmlns:ahyp="http://schemas.microsoft.com/office/drawing/2018/hyperlinkcolor" showMasterPhAnim="0" showMasterSp="0">
+  <p:cSld>
+    <p:spTree>
+      <p:nvGrpSpPr>
+        <p:cNvPr id="174" name="Shape 174"/>
+        <p:cNvGrpSpPr/>
+        <p:nvPr/>
+      </p:nvGrpSpPr>
+      <p:grpSpPr>
+        <a:xfrm>
+          <a:off x="0" y="0"/>
+          <a:ext cx="0" cy="0"/>
+          <a:chOff x="0" y="0"/>
+          <a:chExt cx="0" cy="0"/>
+        </a:xfrm>
+      </p:grpSpPr>
+      <p:sp>
+        <p:nvSpPr>
+          <p:cNvPr id="175" name="Google Shape;175;g132234a45cd_0_41:notes"/>
+          <p:cNvSpPr/>
+          <p:nvPr>
+            <p:ph idx="2" type="sldImg"/>
+          </p:nvPr>
+        </p:nvSpPr>
+        <p:spPr>
+          <a:xfrm>
+            <a:off x="381300" y="685800"/>
+            <a:ext cx="6096000" cy="3429000"/>
+          </a:xfrm>
+          <a:custGeom>
+            <a:rect b="b" l="l" r="r" t="t"/>
+            <a:pathLst>
+              <a:path extrusionOk="0" h="120000" w="120000">
+                <a:moveTo>
+                  <a:pt x="0" y="0"/>
+                </a:moveTo>
+                <a:lnTo>
+                  <a:pt x="120000" y="0"/>
+                </a:lnTo>
+                <a:lnTo>
+                  <a:pt x="120000" y="120000"/>
+                </a:lnTo>
+                <a:lnTo>
+                  <a:pt x="0" y="120000"/>
+                </a:lnTo>
+                <a:close/>
+              </a:path>
+            </a:pathLst>
+          </a:custGeom>
+        </p:spPr>
+      </p:sp>
+      <p:sp>
+        <p:nvSpPr>
+          <p:cNvPr id="176" name="Google Shape;176;g132234a45cd_0_41:notes"/>
+          <p:cNvSpPr txBox="1"/>
+          <p:nvPr>
+            <p:ph idx="1" type="body"/>
+          </p:nvPr>
+        </p:nvSpPr>
+        <p:spPr>
+          <a:xfrm>
+            <a:off x="685800" y="4343400"/>
+            <a:ext cx="5486400" cy="4114800"/>
+          </a:xfrm>
+          <a:prstGeom prst="rect">
+            <a:avLst/>
+          </a:prstGeom>
+        </p:spPr>
+        <p:txBody>
+          <a:bodyPr anchorCtr="0" anchor="t" bIns="91425" lIns="91425" spcFirstLastPara="1" rIns="91425" wrap="square" tIns="91425">
+            <a:noAutofit/>
+          </a:bodyPr>
+          <a:lstStyle/>
+          <a:p>
+            <a:pPr indent="0" lvl="0" marL="0" rtl="0" algn="l">
+              <a:spcBef>
+                <a:spcPts val="0"/>
+              </a:spcBef>
+              <a:spcAft>
+                <a:spcPts val="0"/>
+              </a:spcAft>
+              <a:buNone/>
+            </a:pPr>
+            <a:r>
+              <a:t/>
+            </a:r>
+            <a:endParaRPr/>
+          </a:p>
+        </p:txBody>
+      </p:sp>
+    </p:spTree>
+  </p:cSld>
+  <p:clrMapOvr>
+    <a:masterClrMapping/>
+  </p:clrMapOvr>
+</p:notes>
+</file>
+
+<file path=ppt/notesSlides/notesSlide2.xml><?xml version="1.0" encoding="utf-8"?>
+<p:notes xmlns:a="http://schemas.openxmlformats.org/drawingml/2006/main" xmlns:r="http://schemas.openxmlformats.org/officeDocument/2006/relationships" xmlns:mc="http://schemas.openxmlformats.org/markup-compatibility/2006" xmlns:mv="urn:schemas-microsoft-com:mac:vml" xmlns:p="http://schemas.openxmlformats.org/presentationml/2006/main" xmlns:c="http://schemas.openxmlformats.org/drawingml/2006/chart" xmlns:dgm="http://schemas.openxmlformats.org/drawingml/2006/diagram" xmlns:o="urn:schemas-microsoft-com:office:office" xmlns:v="urn:schemas-microsoft-com:vml" xmlns:pvml="urn:schemas-microsoft-com:office:powerpoint" xmlns:com="http://schemas.openxmlformats.org/drawingml/2006/compatibility" xmlns:p14="http://schemas.microsoft.com/office/powerpoint/2010/main" xmlns:p15="http://schemas.microsoft.com/office/powerpoint/2012/main" xmlns:ahyp="http://schemas.microsoft.com/office/drawing/2018/hyperlinkcolor" showMasterPhAnim="0" showMasterSp="0">
+  <p:cSld>
+    <p:spTree>
+      <p:nvGrpSpPr>
+        <p:cNvPr id="59" name="Shape 59"/>
+        <p:cNvGrpSpPr/>
+        <p:nvPr/>
+      </p:nvGrpSpPr>
+      <p:grpSpPr>
+        <a:xfrm>
+          <a:off x="0" y="0"/>
+          <a:ext cx="0" cy="0"/>
+          <a:chOff x="0" y="0"/>
+          <a:chExt cx="0" cy="0"/>
+        </a:xfrm>
+      </p:grpSpPr>
+      <p:sp>
+        <p:nvSpPr>
+          <p:cNvPr id="60" name="Google Shape;60;p:notes"/>
           <p:cNvSpPr/>
           <p:nvPr>
             <p:ph idx="2" type="sldImg"/>
@@ -796,7 +1886,7 @@
       </p:sp>
       <p:sp>
         <p:nvSpPr>
-          <p:cNvPr id="56" name="Google Shape;56;p:notes"/>
+          <p:cNvPr id="61" name="Google Shape;61;p:notes"/>
           <p:cNvSpPr txBox="1"/>
           <p:nvPr>
             <p:ph idx="1" type="body"/>
@@ -841,12 +1931,12 @@
 </p:notes>
 </file>
 
-<file path=ppt/notesSlides/notesSlide10.xml><?xml version="1.0" encoding="utf-8"?>
+<file path=ppt/notesSlides/notesSlide20.xml><?xml version="1.0" encoding="utf-8"?>
 <p:notes xmlns:a="http://schemas.openxmlformats.org/drawingml/2006/main" xmlns:r="http://schemas.openxmlformats.org/officeDocument/2006/relationships" xmlns:mc="http://schemas.openxmlformats.org/markup-compatibility/2006" xmlns:mv="urn:schemas-microsoft-com:mac:vml" xmlns:p="http://schemas.openxmlformats.org/presentationml/2006/main" xmlns:c="http://schemas.openxmlformats.org/drawingml/2006/chart" xmlns:dgm="http://schemas.openxmlformats.org/drawingml/2006/diagram" xmlns:o="urn:schemas-microsoft-com:office:office" xmlns:v="urn:schemas-microsoft-com:vml" xmlns:pvml="urn:schemas-microsoft-com:office:powerpoint" xmlns:com="http://schemas.openxmlformats.org/drawingml/2006/compatibility" xmlns:p14="http://schemas.microsoft.com/office/powerpoint/2010/main" xmlns:p15="http://schemas.microsoft.com/office/powerpoint/2012/main" xmlns:ahyp="http://schemas.microsoft.com/office/drawing/2018/hyperlinkcolor" showMasterPhAnim="0" showMasterSp="0">
   <p:cSld>
     <p:spTree>
       <p:nvGrpSpPr>
-        <p:cNvPr id="114" name="Shape 114"/>
+        <p:cNvPr id="180" name="Shape 180"/>
         <p:cNvGrpSpPr/>
         <p:nvPr/>
       </p:nvGrpSpPr>
@@ -860,7 +1950,7 @@
       </p:grpSpPr>
       <p:sp>
         <p:nvSpPr>
-          <p:cNvPr id="115" name="Google Shape;115;g13299a97ebc_0_99:notes"/>
+          <p:cNvPr id="181" name="Google Shape;181;g132234a45cd_0_35:notes"/>
           <p:cNvSpPr/>
           <p:nvPr>
             <p:ph idx="2" type="sldImg"/>
@@ -895,7 +1985,7 @@
       </p:sp>
       <p:sp>
         <p:nvSpPr>
-          <p:cNvPr id="116" name="Google Shape;116;g13299a97ebc_0_99:notes"/>
+          <p:cNvPr id="182" name="Google Shape;182;g132234a45cd_0_35:notes"/>
           <p:cNvSpPr txBox="1"/>
           <p:nvPr>
             <p:ph idx="1" type="body"/>
@@ -940,12 +2030,12 @@
 </p:notes>
 </file>
 
-<file path=ppt/notesSlides/notesSlide11.xml><?xml version="1.0" encoding="utf-8"?>
+<file path=ppt/notesSlides/notesSlide21.xml><?xml version="1.0" encoding="utf-8"?>
 <p:notes xmlns:a="http://schemas.openxmlformats.org/drawingml/2006/main" xmlns:r="http://schemas.openxmlformats.org/officeDocument/2006/relationships" xmlns:mc="http://schemas.openxmlformats.org/markup-compatibility/2006" xmlns:mv="urn:schemas-microsoft-com:mac:vml" xmlns:p="http://schemas.openxmlformats.org/presentationml/2006/main" xmlns:c="http://schemas.openxmlformats.org/drawingml/2006/chart" xmlns:dgm="http://schemas.openxmlformats.org/drawingml/2006/diagram" xmlns:o="urn:schemas-microsoft-com:office:office" xmlns:v="urn:schemas-microsoft-com:vml" xmlns:pvml="urn:schemas-microsoft-com:office:powerpoint" xmlns:com="http://schemas.openxmlformats.org/drawingml/2006/compatibility" xmlns:p14="http://schemas.microsoft.com/office/powerpoint/2010/main" xmlns:p15="http://schemas.microsoft.com/office/powerpoint/2012/main" xmlns:ahyp="http://schemas.microsoft.com/office/drawing/2018/hyperlinkcolor" showMasterPhAnim="0" showMasterSp="0">
   <p:cSld>
     <p:spTree>
       <p:nvGrpSpPr>
-        <p:cNvPr id="121" name="Shape 121"/>
+        <p:cNvPr id="186" name="Shape 186"/>
         <p:cNvGrpSpPr/>
         <p:nvPr/>
       </p:nvGrpSpPr>
@@ -959,7 +2049,7 @@
       </p:grpSpPr>
       <p:sp>
         <p:nvSpPr>
-          <p:cNvPr id="122" name="Google Shape;122;g13299a97ebc_0_106:notes"/>
+          <p:cNvPr id="187" name="Google Shape;187;g132234a45cd_0_47:notes"/>
           <p:cNvSpPr/>
           <p:nvPr>
             <p:ph idx="2" type="sldImg"/>
@@ -994,7 +2084,7 @@
       </p:sp>
       <p:sp>
         <p:nvSpPr>
-          <p:cNvPr id="123" name="Google Shape;123;g13299a97ebc_0_106:notes"/>
+          <p:cNvPr id="188" name="Google Shape;188;g132234a45cd_0_47:notes"/>
           <p:cNvSpPr txBox="1"/>
           <p:nvPr>
             <p:ph idx="1" type="body"/>
@@ -1039,12 +2129,12 @@
 </p:notes>
 </file>
 
-<file path=ppt/notesSlides/notesSlide12.xml><?xml version="1.0" encoding="utf-8"?>
+<file path=ppt/notesSlides/notesSlide22.xml><?xml version="1.0" encoding="utf-8"?>
 <p:notes xmlns:a="http://schemas.openxmlformats.org/drawingml/2006/main" xmlns:r="http://schemas.openxmlformats.org/officeDocument/2006/relationships" xmlns:mc="http://schemas.openxmlformats.org/markup-compatibility/2006" xmlns:mv="urn:schemas-microsoft-com:mac:vml" xmlns:p="http://schemas.openxmlformats.org/presentationml/2006/main" xmlns:c="http://schemas.openxmlformats.org/drawingml/2006/chart" xmlns:dgm="http://schemas.openxmlformats.org/drawingml/2006/diagram" xmlns:o="urn:schemas-microsoft-com:office:office" xmlns:v="urn:schemas-microsoft-com:vml" xmlns:pvml="urn:schemas-microsoft-com:office:powerpoint" xmlns:com="http://schemas.openxmlformats.org/drawingml/2006/compatibility" xmlns:p14="http://schemas.microsoft.com/office/powerpoint/2010/main" xmlns:p15="http://schemas.microsoft.com/office/powerpoint/2012/main" xmlns:ahyp="http://schemas.microsoft.com/office/drawing/2018/hyperlinkcolor" showMasterPhAnim="0" showMasterSp="0">
   <p:cSld>
     <p:spTree>
       <p:nvGrpSpPr>
-        <p:cNvPr id="128" name="Shape 128"/>
+        <p:cNvPr id="192" name="Shape 192"/>
         <p:cNvGrpSpPr/>
         <p:nvPr/>
       </p:nvGrpSpPr>
@@ -1058,7 +2148,7 @@
       </p:grpSpPr>
       <p:sp>
         <p:nvSpPr>
-          <p:cNvPr id="129" name="Google Shape;129;g13299a97ebc_0_114:notes"/>
+          <p:cNvPr id="193" name="Google Shape;193;g132234a45cd_0_60:notes"/>
           <p:cNvSpPr/>
           <p:nvPr>
             <p:ph idx="2" type="sldImg"/>
@@ -1093,7 +2183,7 @@
       </p:sp>
       <p:sp>
         <p:nvSpPr>
-          <p:cNvPr id="130" name="Google Shape;130;g13299a97ebc_0_114:notes"/>
+          <p:cNvPr id="194" name="Google Shape;194;g132234a45cd_0_60:notes"/>
           <p:cNvSpPr txBox="1"/>
           <p:nvPr>
             <p:ph idx="1" type="body"/>
@@ -1138,12 +2228,12 @@
 </p:notes>
 </file>
 
-<file path=ppt/notesSlides/notesSlide13.xml><?xml version="1.0" encoding="utf-8"?>
+<file path=ppt/notesSlides/notesSlide23.xml><?xml version="1.0" encoding="utf-8"?>
 <p:notes xmlns:a="http://schemas.openxmlformats.org/drawingml/2006/main" xmlns:r="http://schemas.openxmlformats.org/officeDocument/2006/relationships" xmlns:mc="http://schemas.openxmlformats.org/markup-compatibility/2006" xmlns:mv="urn:schemas-microsoft-com:mac:vml" xmlns:p="http://schemas.openxmlformats.org/presentationml/2006/main" xmlns:c="http://schemas.openxmlformats.org/drawingml/2006/chart" xmlns:dgm="http://schemas.openxmlformats.org/drawingml/2006/diagram" xmlns:o="urn:schemas-microsoft-com:office:office" xmlns:v="urn:schemas-microsoft-com:vml" xmlns:pvml="urn:schemas-microsoft-com:office:powerpoint" xmlns:com="http://schemas.openxmlformats.org/drawingml/2006/compatibility" xmlns:p14="http://schemas.microsoft.com/office/powerpoint/2010/main" xmlns:p15="http://schemas.microsoft.com/office/powerpoint/2012/main" xmlns:ahyp="http://schemas.microsoft.com/office/drawing/2018/hyperlinkcolor" showMasterPhAnim="0" showMasterSp="0">
   <p:cSld>
     <p:spTree>
       <p:nvGrpSpPr>
-        <p:cNvPr id="134" name="Shape 134"/>
+        <p:cNvPr id="198" name="Shape 198"/>
         <p:cNvGrpSpPr/>
         <p:nvPr/>
       </p:nvGrpSpPr>
@@ -1157,7 +2247,7 @@
       </p:grpSpPr>
       <p:sp>
         <p:nvSpPr>
-          <p:cNvPr id="135" name="Google Shape;135;g13299a97ebc_0_119:notes"/>
+          <p:cNvPr id="199" name="Google Shape;199;g132234a45cd_0_54:notes"/>
           <p:cNvSpPr/>
           <p:nvPr>
             <p:ph idx="2" type="sldImg"/>
@@ -1192,7 +2282,7 @@
       </p:sp>
       <p:sp>
         <p:nvSpPr>
-          <p:cNvPr id="136" name="Google Shape;136;g13299a97ebc_0_119:notes"/>
+          <p:cNvPr id="200" name="Google Shape;200;g132234a45cd_0_54:notes"/>
           <p:cNvSpPr txBox="1"/>
           <p:nvPr>
             <p:ph idx="1" type="body"/>
@@ -1237,12 +2327,12 @@
 </p:notes>
 </file>
 
-<file path=ppt/notesSlides/notesSlide14.xml><?xml version="1.0" encoding="utf-8"?>
+<file path=ppt/notesSlides/notesSlide24.xml><?xml version="1.0" encoding="utf-8"?>
 <p:notes xmlns:a="http://schemas.openxmlformats.org/drawingml/2006/main" xmlns:r="http://schemas.openxmlformats.org/officeDocument/2006/relationships" xmlns:mc="http://schemas.openxmlformats.org/markup-compatibility/2006" xmlns:mv="urn:schemas-microsoft-com:mac:vml" xmlns:p="http://schemas.openxmlformats.org/presentationml/2006/main" xmlns:c="http://schemas.openxmlformats.org/drawingml/2006/chart" xmlns:dgm="http://schemas.openxmlformats.org/drawingml/2006/diagram" xmlns:o="urn:schemas-microsoft-com:office:office" xmlns:v="urn:schemas-microsoft-com:vml" xmlns:pvml="urn:schemas-microsoft-com:office:powerpoint" xmlns:com="http://schemas.openxmlformats.org/drawingml/2006/compatibility" xmlns:p14="http://schemas.microsoft.com/office/powerpoint/2010/main" xmlns:p15="http://schemas.microsoft.com/office/powerpoint/2012/main" xmlns:ahyp="http://schemas.microsoft.com/office/drawing/2018/hyperlinkcolor" showMasterPhAnim="0" showMasterSp="0">
   <p:cSld>
     <p:spTree>
       <p:nvGrpSpPr>
-        <p:cNvPr id="143" name="Shape 143"/>
+        <p:cNvPr id="203" name="Shape 203"/>
         <p:cNvGrpSpPr/>
         <p:nvPr/>
       </p:nvGrpSpPr>
@@ -1256,7 +2346,7 @@
       </p:grpSpPr>
       <p:sp>
         <p:nvSpPr>
-          <p:cNvPr id="144" name="Google Shape;144;g13299a97ebc_0_127:notes"/>
+          <p:cNvPr id="204" name="Google Shape;204;g132234a45cd_0_13:notes"/>
           <p:cNvSpPr/>
           <p:nvPr>
             <p:ph idx="2" type="sldImg"/>
@@ -1291,7 +2381,7 @@
       </p:sp>
       <p:sp>
         <p:nvSpPr>
-          <p:cNvPr id="145" name="Google Shape;145;g13299a97ebc_0_127:notes"/>
+          <p:cNvPr id="205" name="Google Shape;205;g132234a45cd_0_13:notes"/>
           <p:cNvSpPr txBox="1"/>
           <p:nvPr>
             <p:ph idx="1" type="body"/>
@@ -1336,12 +2426,12 @@
 </p:notes>
 </file>
 
-<file path=ppt/notesSlides/notesSlide15.xml><?xml version="1.0" encoding="utf-8"?>
+<file path=ppt/notesSlides/notesSlide25.xml><?xml version="1.0" encoding="utf-8"?>
 <p:notes xmlns:a="http://schemas.openxmlformats.org/drawingml/2006/main" xmlns:r="http://schemas.openxmlformats.org/officeDocument/2006/relationships" xmlns:mc="http://schemas.openxmlformats.org/markup-compatibility/2006" xmlns:mv="urn:schemas-microsoft-com:mac:vml" xmlns:p="http://schemas.openxmlformats.org/presentationml/2006/main" xmlns:c="http://schemas.openxmlformats.org/drawingml/2006/chart" xmlns:dgm="http://schemas.openxmlformats.org/drawingml/2006/diagram" xmlns:o="urn:schemas-microsoft-com:office:office" xmlns:v="urn:schemas-microsoft-com:vml" xmlns:pvml="urn:schemas-microsoft-com:office:powerpoint" xmlns:com="http://schemas.openxmlformats.org/drawingml/2006/compatibility" xmlns:p14="http://schemas.microsoft.com/office/powerpoint/2010/main" xmlns:p15="http://schemas.microsoft.com/office/powerpoint/2012/main" xmlns:ahyp="http://schemas.microsoft.com/office/drawing/2018/hyperlinkcolor" showMasterPhAnim="0" showMasterSp="0">
   <p:cSld>
     <p:spTree>
       <p:nvGrpSpPr>
-        <p:cNvPr id="150" name="Shape 150"/>
+        <p:cNvPr id="212" name="Shape 212"/>
         <p:cNvGrpSpPr/>
         <p:nvPr/>
       </p:nvGrpSpPr>
@@ -1355,7 +2445,7 @@
       </p:grpSpPr>
       <p:sp>
         <p:nvSpPr>
-          <p:cNvPr id="151" name="Google Shape;151;g13299a97ebc_0_133:notes"/>
+          <p:cNvPr id="213" name="Google Shape;213;g132234a45cd_0_20:notes"/>
           <p:cNvSpPr/>
           <p:nvPr>
             <p:ph idx="2" type="sldImg"/>
@@ -1390,7 +2480,7 @@
       </p:sp>
       <p:sp>
         <p:nvSpPr>
-          <p:cNvPr id="152" name="Google Shape;152;g13299a97ebc_0_133:notes"/>
+          <p:cNvPr id="214" name="Google Shape;214;g132234a45cd_0_20:notes"/>
           <p:cNvSpPr txBox="1"/>
           <p:nvPr>
             <p:ph idx="1" type="body"/>
@@ -1435,12 +2525,12 @@
 </p:notes>
 </file>
 
-<file path=ppt/notesSlides/notesSlide16.xml><?xml version="1.0" encoding="utf-8"?>
+<file path=ppt/notesSlides/notesSlide26.xml><?xml version="1.0" encoding="utf-8"?>
 <p:notes xmlns:a="http://schemas.openxmlformats.org/drawingml/2006/main" xmlns:r="http://schemas.openxmlformats.org/officeDocument/2006/relationships" xmlns:mc="http://schemas.openxmlformats.org/markup-compatibility/2006" xmlns:mv="urn:schemas-microsoft-com:mac:vml" xmlns:p="http://schemas.openxmlformats.org/presentationml/2006/main" xmlns:c="http://schemas.openxmlformats.org/drawingml/2006/chart" xmlns:dgm="http://schemas.openxmlformats.org/drawingml/2006/diagram" xmlns:o="urn:schemas-microsoft-com:office:office" xmlns:v="urn:schemas-microsoft-com:vml" xmlns:pvml="urn:schemas-microsoft-com:office:powerpoint" xmlns:com="http://schemas.openxmlformats.org/drawingml/2006/compatibility" xmlns:p14="http://schemas.microsoft.com/office/powerpoint/2010/main" xmlns:p15="http://schemas.microsoft.com/office/powerpoint/2012/main" xmlns:ahyp="http://schemas.microsoft.com/office/drawing/2018/hyperlinkcolor" showMasterPhAnim="0" showMasterSp="0">
   <p:cSld>
     <p:spTree>
       <p:nvGrpSpPr>
-        <p:cNvPr id="156" name="Shape 156"/>
+        <p:cNvPr id="217" name="Shape 217"/>
         <p:cNvGrpSpPr/>
         <p:nvPr/>
       </p:nvGrpSpPr>
@@ -1454,7 +2544,7 @@
       </p:grpSpPr>
       <p:sp>
         <p:nvSpPr>
-          <p:cNvPr id="157" name="Google Shape;157;g132234a45cd_0_0:notes"/>
+          <p:cNvPr id="218" name="Google Shape;218;g132234a45cd_0_26:notes"/>
           <p:cNvSpPr/>
           <p:nvPr>
             <p:ph idx="2" type="sldImg"/>
@@ -1489,7 +2579,7 @@
       </p:sp>
       <p:sp>
         <p:nvSpPr>
-          <p:cNvPr id="158" name="Google Shape;158;g132234a45cd_0_0:notes"/>
+          <p:cNvPr id="219" name="Google Shape;219;g132234a45cd_0_26:notes"/>
           <p:cNvSpPr txBox="1"/>
           <p:nvPr>
             <p:ph idx="1" type="body"/>
@@ -1534,12 +2624,12 @@
 </p:notes>
 </file>
 
-<file path=ppt/notesSlides/notesSlide17.xml><?xml version="1.0" encoding="utf-8"?>
+<file path=ppt/notesSlides/notesSlide27.xml><?xml version="1.0" encoding="utf-8"?>
 <p:notes xmlns:a="http://schemas.openxmlformats.org/drawingml/2006/main" xmlns:r="http://schemas.openxmlformats.org/officeDocument/2006/relationships" xmlns:mc="http://schemas.openxmlformats.org/markup-compatibility/2006" xmlns:mv="urn:schemas-microsoft-com:mac:vml" xmlns:p="http://schemas.openxmlformats.org/presentationml/2006/main" xmlns:c="http://schemas.openxmlformats.org/drawingml/2006/chart" xmlns:dgm="http://schemas.openxmlformats.org/drawingml/2006/diagram" xmlns:o="urn:schemas-microsoft-com:office:office" xmlns:v="urn:schemas-microsoft-com:vml" xmlns:pvml="urn:schemas-microsoft-com:office:powerpoint" xmlns:com="http://schemas.openxmlformats.org/drawingml/2006/compatibility" xmlns:p14="http://schemas.microsoft.com/office/powerpoint/2010/main" xmlns:p15="http://schemas.microsoft.com/office/powerpoint/2012/main" xmlns:ahyp="http://schemas.microsoft.com/office/drawing/2018/hyperlinkcolor" showMasterPhAnim="0" showMasterSp="0">
   <p:cSld>
     <p:spTree>
       <p:nvGrpSpPr>
-        <p:cNvPr id="163" name="Shape 163"/>
+        <p:cNvPr id="224" name="Shape 224"/>
         <p:cNvGrpSpPr/>
         <p:nvPr/>
       </p:nvGrpSpPr>
@@ -1553,7 +2643,7 @@
       </p:grpSpPr>
       <p:sp>
         <p:nvSpPr>
-          <p:cNvPr id="164" name="Google Shape;164;g132234a45cd_0_8:notes"/>
+          <p:cNvPr id="225" name="Google Shape;225;g132313ddd5b_0_5:notes"/>
           <p:cNvSpPr/>
           <p:nvPr>
             <p:ph idx="2" type="sldImg"/>
@@ -1588,7 +2678,7 @@
       </p:sp>
       <p:sp>
         <p:nvSpPr>
-          <p:cNvPr id="165" name="Google Shape;165;g132234a45cd_0_8:notes"/>
+          <p:cNvPr id="226" name="Google Shape;226;g132313ddd5b_0_5:notes"/>
           <p:cNvSpPr txBox="1"/>
           <p:nvPr>
             <p:ph idx="1" type="body"/>
@@ -1633,12 +2723,12 @@
 </p:notes>
 </file>
 
-<file path=ppt/notesSlides/notesSlide18.xml><?xml version="1.0" encoding="utf-8"?>
+<file path=ppt/notesSlides/notesSlide28.xml><?xml version="1.0" encoding="utf-8"?>
 <p:notes xmlns:a="http://schemas.openxmlformats.org/drawingml/2006/main" xmlns:r="http://schemas.openxmlformats.org/officeDocument/2006/relationships" xmlns:mc="http://schemas.openxmlformats.org/markup-compatibility/2006" xmlns:mv="urn:schemas-microsoft-com:mac:vml" xmlns:p="http://schemas.openxmlformats.org/presentationml/2006/main" xmlns:c="http://schemas.openxmlformats.org/drawingml/2006/chart" xmlns:dgm="http://schemas.openxmlformats.org/drawingml/2006/diagram" xmlns:o="urn:schemas-microsoft-com:office:office" xmlns:v="urn:schemas-microsoft-com:vml" xmlns:pvml="urn:schemas-microsoft-com:office:powerpoint" xmlns:com="http://schemas.openxmlformats.org/drawingml/2006/compatibility" xmlns:p14="http://schemas.microsoft.com/office/powerpoint/2010/main" xmlns:p15="http://schemas.microsoft.com/office/powerpoint/2012/main" xmlns:ahyp="http://schemas.microsoft.com/office/drawing/2018/hyperlinkcolor" showMasterPhAnim="0" showMasterSp="0">
   <p:cSld>
     <p:spTree>
       <p:nvGrpSpPr>
-        <p:cNvPr id="169" name="Shape 169"/>
+        <p:cNvPr id="229" name="Shape 229"/>
         <p:cNvGrpSpPr/>
         <p:nvPr/>
       </p:nvGrpSpPr>
@@ -1652,7 +2742,7 @@
       </p:grpSpPr>
       <p:sp>
         <p:nvSpPr>
-          <p:cNvPr id="170" name="Google Shape;170;g132234a45cd_0_41:notes"/>
+          <p:cNvPr id="230" name="Google Shape;230;g132234a45cd_0_69:notes"/>
           <p:cNvSpPr/>
           <p:nvPr>
             <p:ph idx="2" type="sldImg"/>
@@ -1687,7 +2777,7 @@
       </p:sp>
       <p:sp>
         <p:nvSpPr>
-          <p:cNvPr id="171" name="Google Shape;171;g132234a45cd_0_41:notes"/>
+          <p:cNvPr id="231" name="Google Shape;231;g132234a45cd_0_69:notes"/>
           <p:cNvSpPr txBox="1"/>
           <p:nvPr>
             <p:ph idx="1" type="body"/>
@@ -1732,12 +2822,12 @@
 </p:notes>
 </file>
 
-<file path=ppt/notesSlides/notesSlide19.xml><?xml version="1.0" encoding="utf-8"?>
+<file path=ppt/notesSlides/notesSlide29.xml><?xml version="1.0" encoding="utf-8"?>
 <p:notes xmlns:a="http://schemas.openxmlformats.org/drawingml/2006/main" xmlns:r="http://schemas.openxmlformats.org/officeDocument/2006/relationships" xmlns:mc="http://schemas.openxmlformats.org/markup-compatibility/2006" xmlns:mv="urn:schemas-microsoft-com:mac:vml" xmlns:p="http://schemas.openxmlformats.org/presentationml/2006/main" xmlns:c="http://schemas.openxmlformats.org/drawingml/2006/chart" xmlns:dgm="http://schemas.openxmlformats.org/drawingml/2006/diagram" xmlns:o="urn:schemas-microsoft-com:office:office" xmlns:v="urn:schemas-microsoft-com:vml" xmlns:pvml="urn:schemas-microsoft-com:office:powerpoint" xmlns:com="http://schemas.openxmlformats.org/drawingml/2006/compatibility" xmlns:p14="http://schemas.microsoft.com/office/powerpoint/2010/main" xmlns:p15="http://schemas.microsoft.com/office/powerpoint/2012/main" xmlns:ahyp="http://schemas.microsoft.com/office/drawing/2018/hyperlinkcolor" showMasterPhAnim="0" showMasterSp="0">
   <p:cSld>
     <p:spTree>
       <p:nvGrpSpPr>
-        <p:cNvPr id="175" name="Shape 175"/>
+        <p:cNvPr id="235" name="Shape 235"/>
         <p:cNvGrpSpPr/>
         <p:nvPr/>
       </p:nvGrpSpPr>
@@ -1751,7 +2841,7 @@
       </p:grpSpPr>
       <p:sp>
         <p:nvSpPr>
-          <p:cNvPr id="176" name="Google Shape;176;g132234a45cd_0_35:notes"/>
+          <p:cNvPr id="236" name="Google Shape;236;g132234a45cd_0_75:notes"/>
           <p:cNvSpPr/>
           <p:nvPr>
             <p:ph idx="2" type="sldImg"/>
@@ -1786,7 +2876,7 @@
       </p:sp>
       <p:sp>
         <p:nvSpPr>
-          <p:cNvPr id="177" name="Google Shape;177;g132234a45cd_0_35:notes"/>
+          <p:cNvPr id="237" name="Google Shape;237;g132234a45cd_0_75:notes"/>
           <p:cNvSpPr txBox="1"/>
           <p:nvPr>
             <p:ph idx="1" type="body"/>
@@ -1831,12 +2921,12 @@
 </p:notes>
 </file>
 
-<file path=ppt/notesSlides/notesSlide2.xml><?xml version="1.0" encoding="utf-8"?>
+<file path=ppt/notesSlides/notesSlide3.xml><?xml version="1.0" encoding="utf-8"?>
 <p:notes xmlns:a="http://schemas.openxmlformats.org/drawingml/2006/main" xmlns:r="http://schemas.openxmlformats.org/officeDocument/2006/relationships" xmlns:mc="http://schemas.openxmlformats.org/markup-compatibility/2006" xmlns:mv="urn:schemas-microsoft-com:mac:vml" xmlns:p="http://schemas.openxmlformats.org/presentationml/2006/main" xmlns:c="http://schemas.openxmlformats.org/drawingml/2006/chart" xmlns:dgm="http://schemas.openxmlformats.org/drawingml/2006/diagram" xmlns:o="urn:schemas-microsoft-com:office:office" xmlns:v="urn:schemas-microsoft-com:vml" xmlns:pvml="urn:schemas-microsoft-com:office:powerpoint" xmlns:com="http://schemas.openxmlformats.org/drawingml/2006/compatibility" xmlns:p14="http://schemas.microsoft.com/office/powerpoint/2010/main" xmlns:p15="http://schemas.microsoft.com/office/powerpoint/2012/main" xmlns:ahyp="http://schemas.microsoft.com/office/drawing/2018/hyperlinkcolor" showMasterPhAnim="0" showMasterSp="0">
   <p:cSld>
     <p:spTree>
       <p:nvGrpSpPr>
-        <p:cNvPr id="60" name="Shape 60"/>
+        <p:cNvPr id="65" name="Shape 65"/>
         <p:cNvGrpSpPr/>
         <p:nvPr/>
       </p:nvGrpSpPr>
@@ -1850,7 +2940,7 @@
       </p:grpSpPr>
       <p:sp>
         <p:nvSpPr>
-          <p:cNvPr id="61" name="Google Shape;61;g13299a97ebc_0_5:notes"/>
+          <p:cNvPr id="66" name="Google Shape;66;g13299a97ebc_0_5:notes"/>
           <p:cNvSpPr/>
           <p:nvPr>
             <p:ph idx="2" type="sldImg"/>
@@ -1885,7 +2975,7 @@
       </p:sp>
       <p:sp>
         <p:nvSpPr>
-          <p:cNvPr id="62" name="Google Shape;62;g13299a97ebc_0_5:notes"/>
+          <p:cNvPr id="67" name="Google Shape;67;g13299a97ebc_0_5:notes"/>
           <p:cNvSpPr txBox="1"/>
           <p:nvPr>
             <p:ph idx="1" type="body"/>
@@ -1930,12 +3020,12 @@
 </p:notes>
 </file>
 
-<file path=ppt/notesSlides/notesSlide20.xml><?xml version="1.0" encoding="utf-8"?>
+<file path=ppt/notesSlides/notesSlide30.xml><?xml version="1.0" encoding="utf-8"?>
 <p:notes xmlns:a="http://schemas.openxmlformats.org/drawingml/2006/main" xmlns:r="http://schemas.openxmlformats.org/officeDocument/2006/relationships" xmlns:mc="http://schemas.openxmlformats.org/markup-compatibility/2006" xmlns:mv="urn:schemas-microsoft-com:mac:vml" xmlns:p="http://schemas.openxmlformats.org/presentationml/2006/main" xmlns:c="http://schemas.openxmlformats.org/drawingml/2006/chart" xmlns:dgm="http://schemas.openxmlformats.org/drawingml/2006/diagram" xmlns:o="urn:schemas-microsoft-com:office:office" xmlns:v="urn:schemas-microsoft-com:vml" xmlns:pvml="urn:schemas-microsoft-com:office:powerpoint" xmlns:com="http://schemas.openxmlformats.org/drawingml/2006/compatibility" xmlns:p14="http://schemas.microsoft.com/office/powerpoint/2010/main" xmlns:p15="http://schemas.microsoft.com/office/powerpoint/2012/main" xmlns:ahyp="http://schemas.microsoft.com/office/drawing/2018/hyperlinkcolor" showMasterPhAnim="0" showMasterSp="0">
   <p:cSld>
     <p:spTree>
       <p:nvGrpSpPr>
-        <p:cNvPr id="181" name="Shape 181"/>
+        <p:cNvPr id="241" name="Shape 241"/>
         <p:cNvGrpSpPr/>
         <p:nvPr/>
       </p:nvGrpSpPr>
@@ -1949,7 +3039,7 @@
       </p:grpSpPr>
       <p:sp>
         <p:nvSpPr>
-          <p:cNvPr id="182" name="Google Shape;182;g132234a45cd_0_47:notes"/>
+          <p:cNvPr id="242" name="Google Shape;242;g132234a45cd_0_87:notes"/>
           <p:cNvSpPr/>
           <p:nvPr>
             <p:ph idx="2" type="sldImg"/>
@@ -1984,7 +3074,7 @@
       </p:sp>
       <p:sp>
         <p:nvSpPr>
-          <p:cNvPr id="183" name="Google Shape;183;g132234a45cd_0_47:notes"/>
+          <p:cNvPr id="243" name="Google Shape;243;g132234a45cd_0_87:notes"/>
           <p:cNvSpPr txBox="1"/>
           <p:nvPr>
             <p:ph idx="1" type="body"/>
@@ -2029,12 +3119,12 @@
 </p:notes>
 </file>
 
-<file path=ppt/notesSlides/notesSlide21.xml><?xml version="1.0" encoding="utf-8"?>
+<file path=ppt/notesSlides/notesSlide4.xml><?xml version="1.0" encoding="utf-8"?>
 <p:notes xmlns:a="http://schemas.openxmlformats.org/drawingml/2006/main" xmlns:r="http://schemas.openxmlformats.org/officeDocument/2006/relationships" xmlns:mc="http://schemas.openxmlformats.org/markup-compatibility/2006" xmlns:mv="urn:schemas-microsoft-com:mac:vml" xmlns:p="http://schemas.openxmlformats.org/presentationml/2006/main" xmlns:c="http://schemas.openxmlformats.org/drawingml/2006/chart" xmlns:dgm="http://schemas.openxmlformats.org/drawingml/2006/diagram" xmlns:o="urn:schemas-microsoft-com:office:office" xmlns:v="urn:schemas-microsoft-com:vml" xmlns:pvml="urn:schemas-microsoft-com:office:powerpoint" xmlns:com="http://schemas.openxmlformats.org/drawingml/2006/compatibility" xmlns:p14="http://schemas.microsoft.com/office/powerpoint/2010/main" xmlns:p15="http://schemas.microsoft.com/office/powerpoint/2012/main" xmlns:ahyp="http://schemas.microsoft.com/office/drawing/2018/hyperlinkcolor" showMasterPhAnim="0" showMasterSp="0">
   <p:cSld>
     <p:spTree>
       <p:nvGrpSpPr>
-        <p:cNvPr id="187" name="Shape 187"/>
+        <p:cNvPr id="71" name="Shape 71"/>
         <p:cNvGrpSpPr/>
         <p:nvPr/>
       </p:nvGrpSpPr>
@@ -2048,7 +3138,7 @@
       </p:grpSpPr>
       <p:sp>
         <p:nvSpPr>
-          <p:cNvPr id="188" name="Google Shape;188;g132234a45cd_0_60:notes"/>
+          <p:cNvPr id="72" name="Google Shape;72;g13299a97ebc_0_0:notes"/>
           <p:cNvSpPr/>
           <p:nvPr>
             <p:ph idx="2" type="sldImg"/>
@@ -2083,7 +3173,7 @@
       </p:sp>
       <p:sp>
         <p:nvSpPr>
-          <p:cNvPr id="189" name="Google Shape;189;g132234a45cd_0_60:notes"/>
+          <p:cNvPr id="73" name="Google Shape;73;g13299a97ebc_0_0:notes"/>
           <p:cNvSpPr txBox="1"/>
           <p:nvPr>
             <p:ph idx="1" type="body"/>
@@ -2128,12 +3218,12 @@
 </p:notes>
 </file>
 
-<file path=ppt/notesSlides/notesSlide22.xml><?xml version="1.0" encoding="utf-8"?>
+<file path=ppt/notesSlides/notesSlide5.xml><?xml version="1.0" encoding="utf-8"?>
 <p:notes xmlns:a="http://schemas.openxmlformats.org/drawingml/2006/main" xmlns:r="http://schemas.openxmlformats.org/officeDocument/2006/relationships" xmlns:mc="http://schemas.openxmlformats.org/markup-compatibility/2006" xmlns:mv="urn:schemas-microsoft-com:mac:vml" xmlns:p="http://schemas.openxmlformats.org/presentationml/2006/main" xmlns:c="http://schemas.openxmlformats.org/drawingml/2006/chart" xmlns:dgm="http://schemas.openxmlformats.org/drawingml/2006/diagram" xmlns:o="urn:schemas-microsoft-com:office:office" xmlns:v="urn:schemas-microsoft-com:vml" xmlns:pvml="urn:schemas-microsoft-com:office:powerpoint" xmlns:com="http://schemas.openxmlformats.org/drawingml/2006/compatibility" xmlns:p14="http://schemas.microsoft.com/office/powerpoint/2010/main" xmlns:p15="http://schemas.microsoft.com/office/powerpoint/2012/main" xmlns:ahyp="http://schemas.microsoft.com/office/drawing/2018/hyperlinkcolor" showMasterPhAnim="0" showMasterSp="0">
   <p:cSld>
     <p:spTree>
       <p:nvGrpSpPr>
-        <p:cNvPr id="193" name="Shape 193"/>
+        <p:cNvPr id="79" name="Shape 79"/>
         <p:cNvGrpSpPr/>
         <p:nvPr/>
       </p:nvGrpSpPr>
@@ -2147,7 +3237,7 @@
       </p:grpSpPr>
       <p:sp>
         <p:nvSpPr>
-          <p:cNvPr id="194" name="Google Shape;194;g132234a45cd_0_54:notes"/>
+          <p:cNvPr id="80" name="Google Shape;80;g13299a97ebc_0_12:notes"/>
           <p:cNvSpPr/>
           <p:nvPr>
             <p:ph idx="2" type="sldImg"/>
@@ -2182,7 +3272,7 @@
       </p:sp>
       <p:sp>
         <p:nvSpPr>
-          <p:cNvPr id="195" name="Google Shape;195;g132234a45cd_0_54:notes"/>
+          <p:cNvPr id="81" name="Google Shape;81;g13299a97ebc_0_12:notes"/>
           <p:cNvSpPr txBox="1"/>
           <p:nvPr>
             <p:ph idx="1" type="body"/>
@@ -2227,12 +3317,12 @@
 </p:notes>
 </file>
 
-<file path=ppt/notesSlides/notesSlide23.xml><?xml version="1.0" encoding="utf-8"?>
+<file path=ppt/notesSlides/notesSlide6.xml><?xml version="1.0" encoding="utf-8"?>
 <p:notes xmlns:a="http://schemas.openxmlformats.org/drawingml/2006/main" xmlns:r="http://schemas.openxmlformats.org/officeDocument/2006/relationships" xmlns:mc="http://schemas.openxmlformats.org/markup-compatibility/2006" xmlns:mv="urn:schemas-microsoft-com:mac:vml" xmlns:p="http://schemas.openxmlformats.org/presentationml/2006/main" xmlns:c="http://schemas.openxmlformats.org/drawingml/2006/chart" xmlns:dgm="http://schemas.openxmlformats.org/drawingml/2006/diagram" xmlns:o="urn:schemas-microsoft-com:office:office" xmlns:v="urn:schemas-microsoft-com:vml" xmlns:pvml="urn:schemas-microsoft-com:office:powerpoint" xmlns:com="http://schemas.openxmlformats.org/drawingml/2006/compatibility" xmlns:p14="http://schemas.microsoft.com/office/powerpoint/2010/main" xmlns:p15="http://schemas.microsoft.com/office/powerpoint/2012/main" xmlns:ahyp="http://schemas.microsoft.com/office/drawing/2018/hyperlinkcolor" showMasterPhAnim="0" showMasterSp="0">
   <p:cSld>
     <p:spTree>
       <p:nvGrpSpPr>
-        <p:cNvPr id="198" name="Shape 198"/>
+        <p:cNvPr id="85" name="Shape 85"/>
         <p:cNvGrpSpPr/>
         <p:nvPr/>
       </p:nvGrpSpPr>
@@ -2246,7 +3336,7 @@
       </p:grpSpPr>
       <p:sp>
         <p:nvSpPr>
-          <p:cNvPr id="199" name="Google Shape;199;g132234a45cd_0_13:notes"/>
+          <p:cNvPr id="86" name="Google Shape;86;g13299a97ebc_0_66:notes"/>
           <p:cNvSpPr/>
           <p:nvPr>
             <p:ph idx="2" type="sldImg"/>
@@ -2281,7 +3371,7 @@
       </p:sp>
       <p:sp>
         <p:nvSpPr>
-          <p:cNvPr id="200" name="Google Shape;200;g132234a45cd_0_13:notes"/>
+          <p:cNvPr id="87" name="Google Shape;87;g13299a97ebc_0_66:notes"/>
           <p:cNvSpPr txBox="1"/>
           <p:nvPr>
             <p:ph idx="1" type="body"/>
@@ -2326,12 +3416,12 @@
 </p:notes>
 </file>
 
-<file path=ppt/notesSlides/notesSlide24.xml><?xml version="1.0" encoding="utf-8"?>
+<file path=ppt/notesSlides/notesSlide7.xml><?xml version="1.0" encoding="utf-8"?>
 <p:notes xmlns:a="http://schemas.openxmlformats.org/drawingml/2006/main" xmlns:r="http://schemas.openxmlformats.org/officeDocument/2006/relationships" xmlns:mc="http://schemas.openxmlformats.org/markup-compatibility/2006" xmlns:mv="urn:schemas-microsoft-com:mac:vml" xmlns:p="http://schemas.openxmlformats.org/presentationml/2006/main" xmlns:c="http://schemas.openxmlformats.org/drawingml/2006/chart" xmlns:dgm="http://schemas.openxmlformats.org/drawingml/2006/diagram" xmlns:o="urn:schemas-microsoft-com:office:office" xmlns:v="urn:schemas-microsoft-com:vml" xmlns:pvml="urn:schemas-microsoft-com:office:powerpoint" xmlns:com="http://schemas.openxmlformats.org/drawingml/2006/compatibility" xmlns:p14="http://schemas.microsoft.com/office/powerpoint/2010/main" xmlns:p15="http://schemas.microsoft.com/office/powerpoint/2012/main" xmlns:ahyp="http://schemas.microsoft.com/office/drawing/2018/hyperlinkcolor" showMasterPhAnim="0" showMasterSp="0">
   <p:cSld>
     <p:spTree>
       <p:nvGrpSpPr>
-        <p:cNvPr id="207" name="Shape 207"/>
+        <p:cNvPr id="91" name="Shape 91"/>
         <p:cNvGrpSpPr/>
         <p:nvPr/>
       </p:nvGrpSpPr>
@@ -2345,7 +3435,7 @@
       </p:grpSpPr>
       <p:sp>
         <p:nvSpPr>
-          <p:cNvPr id="208" name="Google Shape;208;g132234a45cd_0_20:notes"/>
+          <p:cNvPr id="92" name="Google Shape;92;g13299a97ebc_0_72:notes"/>
           <p:cNvSpPr/>
           <p:nvPr>
             <p:ph idx="2" type="sldImg"/>
@@ -2380,7 +3470,7 @@
       </p:sp>
       <p:sp>
         <p:nvSpPr>
-          <p:cNvPr id="209" name="Google Shape;209;g132234a45cd_0_20:notes"/>
+          <p:cNvPr id="93" name="Google Shape;93;g13299a97ebc_0_72:notes"/>
           <p:cNvSpPr txBox="1"/>
           <p:nvPr>
             <p:ph idx="1" type="body"/>
@@ -2425,12 +3515,12 @@
 </p:notes>
 </file>
 
-<file path=ppt/notesSlides/notesSlide25.xml><?xml version="1.0" encoding="utf-8"?>
+<file path=ppt/notesSlides/notesSlide8.xml><?xml version="1.0" encoding="utf-8"?>
 <p:notes xmlns:a="http://schemas.openxmlformats.org/drawingml/2006/main" xmlns:r="http://schemas.openxmlformats.org/officeDocument/2006/relationships" xmlns:mc="http://schemas.openxmlformats.org/markup-compatibility/2006" xmlns:mv="urn:schemas-microsoft-com:mac:vml" xmlns:p="http://schemas.openxmlformats.org/presentationml/2006/main" xmlns:c="http://schemas.openxmlformats.org/drawingml/2006/chart" xmlns:dgm="http://schemas.openxmlformats.org/drawingml/2006/diagram" xmlns:o="urn:schemas-microsoft-com:office:office" xmlns:v="urn:schemas-microsoft-com:vml" xmlns:pvml="urn:schemas-microsoft-com:office:powerpoint" xmlns:com="http://schemas.openxmlformats.org/drawingml/2006/compatibility" xmlns:p14="http://schemas.microsoft.com/office/powerpoint/2010/main" xmlns:p15="http://schemas.microsoft.com/office/powerpoint/2012/main" xmlns:ahyp="http://schemas.microsoft.com/office/drawing/2018/hyperlinkcolor" showMasterPhAnim="0" showMasterSp="0">
   <p:cSld>
     <p:spTree>
       <p:nvGrpSpPr>
-        <p:cNvPr id="212" name="Shape 212"/>
+        <p:cNvPr id="101" name="Shape 101"/>
         <p:cNvGrpSpPr/>
         <p:nvPr/>
       </p:nvGrpSpPr>
@@ -2444,7 +3534,7 @@
       </p:grpSpPr>
       <p:sp>
         <p:nvSpPr>
-          <p:cNvPr id="213" name="Google Shape;213;g132234a45cd_0_26:notes"/>
+          <p:cNvPr id="102" name="Google Shape;102;g13299a97ebc_0_81:notes"/>
           <p:cNvSpPr/>
           <p:nvPr>
             <p:ph idx="2" type="sldImg"/>
@@ -2479,7 +3569,7 @@
       </p:sp>
       <p:sp>
         <p:nvSpPr>
-          <p:cNvPr id="214" name="Google Shape;214;g132234a45cd_0_26:notes"/>
+          <p:cNvPr id="103" name="Google Shape;103;g13299a97ebc_0_81:notes"/>
           <p:cNvSpPr txBox="1"/>
           <p:nvPr>
             <p:ph idx="1" type="body"/>
@@ -2524,12 +3614,12 @@
 </p:notes>
 </file>
 
-<file path=ppt/notesSlides/notesSlide26.xml><?xml version="1.0" encoding="utf-8"?>
+<file path=ppt/notesSlides/notesSlide9.xml><?xml version="1.0" encoding="utf-8"?>
 <p:notes xmlns:a="http://schemas.openxmlformats.org/drawingml/2006/main" xmlns:r="http://schemas.openxmlformats.org/officeDocument/2006/relationships" xmlns:mc="http://schemas.openxmlformats.org/markup-compatibility/2006" xmlns:mv="urn:schemas-microsoft-com:mac:vml" xmlns:p="http://schemas.openxmlformats.org/presentationml/2006/main" xmlns:c="http://schemas.openxmlformats.org/drawingml/2006/chart" xmlns:dgm="http://schemas.openxmlformats.org/drawingml/2006/diagram" xmlns:o="urn:schemas-microsoft-com:office:office" xmlns:v="urn:schemas-microsoft-com:vml" xmlns:pvml="urn:schemas-microsoft-com:office:powerpoint" xmlns:com="http://schemas.openxmlformats.org/drawingml/2006/compatibility" xmlns:p14="http://schemas.microsoft.com/office/powerpoint/2010/main" xmlns:p15="http://schemas.microsoft.com/office/powerpoint/2012/main" xmlns:ahyp="http://schemas.microsoft.com/office/drawing/2018/hyperlinkcolor" showMasterPhAnim="0" showMasterSp="0">
   <p:cSld>
     <p:spTree>
       <p:nvGrpSpPr>
-        <p:cNvPr id="219" name="Shape 219"/>
+        <p:cNvPr id="107" name="Shape 107"/>
         <p:cNvGrpSpPr/>
         <p:nvPr/>
       </p:nvGrpSpPr>
@@ -2543,7 +3633,7 @@
       </p:grpSpPr>
       <p:sp>
         <p:nvSpPr>
-          <p:cNvPr id="220" name="Google Shape;220;g132234a45cd_0_69:notes"/>
+          <p:cNvPr id="108" name="Google Shape;108;g13299a97ebc_0_87:notes"/>
           <p:cNvSpPr/>
           <p:nvPr>
             <p:ph idx="2" type="sldImg"/>
@@ -2578,997 +3668,7 @@
       </p:sp>
       <p:sp>
         <p:nvSpPr>
-          <p:cNvPr id="221" name="Google Shape;221;g132234a45cd_0_69:notes"/>
-          <p:cNvSpPr txBox="1"/>
-          <p:nvPr>
-            <p:ph idx="1" type="body"/>
-          </p:nvPr>
-        </p:nvSpPr>
-        <p:spPr>
-          <a:xfrm>
-            <a:off x="685800" y="4343400"/>
-            <a:ext cx="5486400" cy="4114800"/>
-          </a:xfrm>
-          <a:prstGeom prst="rect">
-            <a:avLst/>
-          </a:prstGeom>
-        </p:spPr>
-        <p:txBody>
-          <a:bodyPr anchorCtr="0" anchor="t" bIns="91425" lIns="91425" spcFirstLastPara="1" rIns="91425" wrap="square" tIns="91425">
-            <a:noAutofit/>
-          </a:bodyPr>
-          <a:lstStyle/>
-          <a:p>
-            <a:pPr indent="0" lvl="0" marL="0" rtl="0" algn="l">
-              <a:spcBef>
-                <a:spcPts val="0"/>
-              </a:spcBef>
-              <a:spcAft>
-                <a:spcPts val="0"/>
-              </a:spcAft>
-              <a:buNone/>
-            </a:pPr>
-            <a:r>
-              <a:t/>
-            </a:r>
-            <a:endParaRPr/>
-          </a:p>
-        </p:txBody>
-      </p:sp>
-    </p:spTree>
-  </p:cSld>
-  <p:clrMapOvr>
-    <a:masterClrMapping/>
-  </p:clrMapOvr>
-</p:notes>
-</file>
-
-<file path=ppt/notesSlides/notesSlide27.xml><?xml version="1.0" encoding="utf-8"?>
-<p:notes xmlns:a="http://schemas.openxmlformats.org/drawingml/2006/main" xmlns:r="http://schemas.openxmlformats.org/officeDocument/2006/relationships" xmlns:mc="http://schemas.openxmlformats.org/markup-compatibility/2006" xmlns:mv="urn:schemas-microsoft-com:mac:vml" xmlns:p="http://schemas.openxmlformats.org/presentationml/2006/main" xmlns:c="http://schemas.openxmlformats.org/drawingml/2006/chart" xmlns:dgm="http://schemas.openxmlformats.org/drawingml/2006/diagram" xmlns:o="urn:schemas-microsoft-com:office:office" xmlns:v="urn:schemas-microsoft-com:vml" xmlns:pvml="urn:schemas-microsoft-com:office:powerpoint" xmlns:com="http://schemas.openxmlformats.org/drawingml/2006/compatibility" xmlns:p14="http://schemas.microsoft.com/office/powerpoint/2010/main" xmlns:p15="http://schemas.microsoft.com/office/powerpoint/2012/main" xmlns:ahyp="http://schemas.microsoft.com/office/drawing/2018/hyperlinkcolor" showMasterPhAnim="0" showMasterSp="0">
-  <p:cSld>
-    <p:spTree>
-      <p:nvGrpSpPr>
-        <p:cNvPr id="225" name="Shape 225"/>
-        <p:cNvGrpSpPr/>
-        <p:nvPr/>
-      </p:nvGrpSpPr>
-      <p:grpSpPr>
-        <a:xfrm>
-          <a:off x="0" y="0"/>
-          <a:ext cx="0" cy="0"/>
-          <a:chOff x="0" y="0"/>
-          <a:chExt cx="0" cy="0"/>
-        </a:xfrm>
-      </p:grpSpPr>
-      <p:sp>
-        <p:nvSpPr>
-          <p:cNvPr id="226" name="Google Shape;226;g132234a45cd_0_75:notes"/>
-          <p:cNvSpPr/>
-          <p:nvPr>
-            <p:ph idx="2" type="sldImg"/>
-          </p:nvPr>
-        </p:nvSpPr>
-        <p:spPr>
-          <a:xfrm>
-            <a:off x="381300" y="685800"/>
-            <a:ext cx="6096000" cy="3429000"/>
-          </a:xfrm>
-          <a:custGeom>
-            <a:rect b="b" l="l" r="r" t="t"/>
-            <a:pathLst>
-              <a:path extrusionOk="0" h="120000" w="120000">
-                <a:moveTo>
-                  <a:pt x="0" y="0"/>
-                </a:moveTo>
-                <a:lnTo>
-                  <a:pt x="120000" y="0"/>
-                </a:lnTo>
-                <a:lnTo>
-                  <a:pt x="120000" y="120000"/>
-                </a:lnTo>
-                <a:lnTo>
-                  <a:pt x="0" y="120000"/>
-                </a:lnTo>
-                <a:close/>
-              </a:path>
-            </a:pathLst>
-          </a:custGeom>
-        </p:spPr>
-      </p:sp>
-      <p:sp>
-        <p:nvSpPr>
-          <p:cNvPr id="227" name="Google Shape;227;g132234a45cd_0_75:notes"/>
-          <p:cNvSpPr txBox="1"/>
-          <p:nvPr>
-            <p:ph idx="1" type="body"/>
-          </p:nvPr>
-        </p:nvSpPr>
-        <p:spPr>
-          <a:xfrm>
-            <a:off x="685800" y="4343400"/>
-            <a:ext cx="5486400" cy="4114800"/>
-          </a:xfrm>
-          <a:prstGeom prst="rect">
-            <a:avLst/>
-          </a:prstGeom>
-        </p:spPr>
-        <p:txBody>
-          <a:bodyPr anchorCtr="0" anchor="t" bIns="91425" lIns="91425" spcFirstLastPara="1" rIns="91425" wrap="square" tIns="91425">
-            <a:noAutofit/>
-          </a:bodyPr>
-          <a:lstStyle/>
-          <a:p>
-            <a:pPr indent="0" lvl="0" marL="0" rtl="0" algn="l">
-              <a:spcBef>
-                <a:spcPts val="0"/>
-              </a:spcBef>
-              <a:spcAft>
-                <a:spcPts val="0"/>
-              </a:spcAft>
-              <a:buNone/>
-            </a:pPr>
-            <a:r>
-              <a:t/>
-            </a:r>
-            <a:endParaRPr/>
-          </a:p>
-        </p:txBody>
-      </p:sp>
-    </p:spTree>
-  </p:cSld>
-  <p:clrMapOvr>
-    <a:masterClrMapping/>
-  </p:clrMapOvr>
-</p:notes>
-</file>
-
-<file path=ppt/notesSlides/notesSlide28.xml><?xml version="1.0" encoding="utf-8"?>
-<p:notes xmlns:a="http://schemas.openxmlformats.org/drawingml/2006/main" xmlns:r="http://schemas.openxmlformats.org/officeDocument/2006/relationships" xmlns:mc="http://schemas.openxmlformats.org/markup-compatibility/2006" xmlns:mv="urn:schemas-microsoft-com:mac:vml" xmlns:p="http://schemas.openxmlformats.org/presentationml/2006/main" xmlns:c="http://schemas.openxmlformats.org/drawingml/2006/chart" xmlns:dgm="http://schemas.openxmlformats.org/drawingml/2006/diagram" xmlns:o="urn:schemas-microsoft-com:office:office" xmlns:v="urn:schemas-microsoft-com:vml" xmlns:pvml="urn:schemas-microsoft-com:office:powerpoint" xmlns:com="http://schemas.openxmlformats.org/drawingml/2006/compatibility" xmlns:p14="http://schemas.microsoft.com/office/powerpoint/2010/main" xmlns:p15="http://schemas.microsoft.com/office/powerpoint/2012/main" xmlns:ahyp="http://schemas.microsoft.com/office/drawing/2018/hyperlinkcolor" showMasterPhAnim="0" showMasterSp="0">
-  <p:cSld>
-    <p:spTree>
-      <p:nvGrpSpPr>
-        <p:cNvPr id="231" name="Shape 231"/>
-        <p:cNvGrpSpPr/>
-        <p:nvPr/>
-      </p:nvGrpSpPr>
-      <p:grpSpPr>
-        <a:xfrm>
-          <a:off x="0" y="0"/>
-          <a:ext cx="0" cy="0"/>
-          <a:chOff x="0" y="0"/>
-          <a:chExt cx="0" cy="0"/>
-        </a:xfrm>
-      </p:grpSpPr>
-      <p:sp>
-        <p:nvSpPr>
-          <p:cNvPr id="232" name="Google Shape;232;g132234a45cd_0_87:notes"/>
-          <p:cNvSpPr/>
-          <p:nvPr>
-            <p:ph idx="2" type="sldImg"/>
-          </p:nvPr>
-        </p:nvSpPr>
-        <p:spPr>
-          <a:xfrm>
-            <a:off x="381300" y="685800"/>
-            <a:ext cx="6096000" cy="3429000"/>
-          </a:xfrm>
-          <a:custGeom>
-            <a:rect b="b" l="l" r="r" t="t"/>
-            <a:pathLst>
-              <a:path extrusionOk="0" h="120000" w="120000">
-                <a:moveTo>
-                  <a:pt x="0" y="0"/>
-                </a:moveTo>
-                <a:lnTo>
-                  <a:pt x="120000" y="0"/>
-                </a:lnTo>
-                <a:lnTo>
-                  <a:pt x="120000" y="120000"/>
-                </a:lnTo>
-                <a:lnTo>
-                  <a:pt x="0" y="120000"/>
-                </a:lnTo>
-                <a:close/>
-              </a:path>
-            </a:pathLst>
-          </a:custGeom>
-        </p:spPr>
-      </p:sp>
-      <p:sp>
-        <p:nvSpPr>
-          <p:cNvPr id="233" name="Google Shape;233;g132234a45cd_0_87:notes"/>
-          <p:cNvSpPr txBox="1"/>
-          <p:nvPr>
-            <p:ph idx="1" type="body"/>
-          </p:nvPr>
-        </p:nvSpPr>
-        <p:spPr>
-          <a:xfrm>
-            <a:off x="685800" y="4343400"/>
-            <a:ext cx="5486400" cy="4114800"/>
-          </a:xfrm>
-          <a:prstGeom prst="rect">
-            <a:avLst/>
-          </a:prstGeom>
-        </p:spPr>
-        <p:txBody>
-          <a:bodyPr anchorCtr="0" anchor="t" bIns="91425" lIns="91425" spcFirstLastPara="1" rIns="91425" wrap="square" tIns="91425">
-            <a:noAutofit/>
-          </a:bodyPr>
-          <a:lstStyle/>
-          <a:p>
-            <a:pPr indent="0" lvl="0" marL="0" rtl="0" algn="l">
-              <a:spcBef>
-                <a:spcPts val="0"/>
-              </a:spcBef>
-              <a:spcAft>
-                <a:spcPts val="0"/>
-              </a:spcAft>
-              <a:buNone/>
-            </a:pPr>
-            <a:r>
-              <a:t/>
-            </a:r>
-            <a:endParaRPr/>
-          </a:p>
-        </p:txBody>
-      </p:sp>
-    </p:spTree>
-  </p:cSld>
-  <p:clrMapOvr>
-    <a:masterClrMapping/>
-  </p:clrMapOvr>
-</p:notes>
-</file>
-
-<file path=ppt/notesSlides/notesSlide29.xml><?xml version="1.0" encoding="utf-8"?>
-<p:notes xmlns:a="http://schemas.openxmlformats.org/drawingml/2006/main" xmlns:r="http://schemas.openxmlformats.org/officeDocument/2006/relationships" xmlns:mc="http://schemas.openxmlformats.org/markup-compatibility/2006" xmlns:mv="urn:schemas-microsoft-com:mac:vml" xmlns:p="http://schemas.openxmlformats.org/presentationml/2006/main" xmlns:c="http://schemas.openxmlformats.org/drawingml/2006/chart" xmlns:dgm="http://schemas.openxmlformats.org/drawingml/2006/diagram" xmlns:o="urn:schemas-microsoft-com:office:office" xmlns:v="urn:schemas-microsoft-com:vml" xmlns:pvml="urn:schemas-microsoft-com:office:powerpoint" xmlns:com="http://schemas.openxmlformats.org/drawingml/2006/compatibility" xmlns:p14="http://schemas.microsoft.com/office/powerpoint/2010/main" xmlns:p15="http://schemas.microsoft.com/office/powerpoint/2012/main" xmlns:ahyp="http://schemas.microsoft.com/office/drawing/2018/hyperlinkcolor" showMasterPhAnim="0" showMasterSp="0">
-  <p:cSld>
-    <p:spTree>
-      <p:nvGrpSpPr>
-        <p:cNvPr id="236" name="Shape 236"/>
-        <p:cNvGrpSpPr/>
-        <p:nvPr/>
-      </p:nvGrpSpPr>
-      <p:grpSpPr>
-        <a:xfrm>
-          <a:off x="0" y="0"/>
-          <a:ext cx="0" cy="0"/>
-          <a:chOff x="0" y="0"/>
-          <a:chExt cx="0" cy="0"/>
-        </a:xfrm>
-      </p:grpSpPr>
-      <p:sp>
-        <p:nvSpPr>
-          <p:cNvPr id="237" name="Google Shape;237;g132234a45cd_0_81:notes"/>
-          <p:cNvSpPr/>
-          <p:nvPr>
-            <p:ph idx="2" type="sldImg"/>
-          </p:nvPr>
-        </p:nvSpPr>
-        <p:spPr>
-          <a:xfrm>
-            <a:off x="381300" y="685800"/>
-            <a:ext cx="6096000" cy="3429000"/>
-          </a:xfrm>
-          <a:custGeom>
-            <a:rect b="b" l="l" r="r" t="t"/>
-            <a:pathLst>
-              <a:path extrusionOk="0" h="120000" w="120000">
-                <a:moveTo>
-                  <a:pt x="0" y="0"/>
-                </a:moveTo>
-                <a:lnTo>
-                  <a:pt x="120000" y="0"/>
-                </a:lnTo>
-                <a:lnTo>
-                  <a:pt x="120000" y="120000"/>
-                </a:lnTo>
-                <a:lnTo>
-                  <a:pt x="0" y="120000"/>
-                </a:lnTo>
-                <a:close/>
-              </a:path>
-            </a:pathLst>
-          </a:custGeom>
-        </p:spPr>
-      </p:sp>
-      <p:sp>
-        <p:nvSpPr>
-          <p:cNvPr id="238" name="Google Shape;238;g132234a45cd_0_81:notes"/>
-          <p:cNvSpPr txBox="1"/>
-          <p:nvPr>
-            <p:ph idx="1" type="body"/>
-          </p:nvPr>
-        </p:nvSpPr>
-        <p:spPr>
-          <a:xfrm>
-            <a:off x="685800" y="4343400"/>
-            <a:ext cx="5486400" cy="4114800"/>
-          </a:xfrm>
-          <a:prstGeom prst="rect">
-            <a:avLst/>
-          </a:prstGeom>
-        </p:spPr>
-        <p:txBody>
-          <a:bodyPr anchorCtr="0" anchor="t" bIns="91425" lIns="91425" spcFirstLastPara="1" rIns="91425" wrap="square" tIns="91425">
-            <a:noAutofit/>
-          </a:bodyPr>
-          <a:lstStyle/>
-          <a:p>
-            <a:pPr indent="0" lvl="0" marL="0" rtl="0" algn="l">
-              <a:spcBef>
-                <a:spcPts val="0"/>
-              </a:spcBef>
-              <a:spcAft>
-                <a:spcPts val="0"/>
-              </a:spcAft>
-              <a:buNone/>
-            </a:pPr>
-            <a:r>
-              <a:t/>
-            </a:r>
-            <a:endParaRPr/>
-          </a:p>
-        </p:txBody>
-      </p:sp>
-    </p:spTree>
-  </p:cSld>
-  <p:clrMapOvr>
-    <a:masterClrMapping/>
-  </p:clrMapOvr>
-</p:notes>
-</file>
-
-<file path=ppt/notesSlides/notesSlide3.xml><?xml version="1.0" encoding="utf-8"?>
-<p:notes xmlns:a="http://schemas.openxmlformats.org/drawingml/2006/main" xmlns:r="http://schemas.openxmlformats.org/officeDocument/2006/relationships" xmlns:mc="http://schemas.openxmlformats.org/markup-compatibility/2006" xmlns:mv="urn:schemas-microsoft-com:mac:vml" xmlns:p="http://schemas.openxmlformats.org/presentationml/2006/main" xmlns:c="http://schemas.openxmlformats.org/drawingml/2006/chart" xmlns:dgm="http://schemas.openxmlformats.org/drawingml/2006/diagram" xmlns:o="urn:schemas-microsoft-com:office:office" xmlns:v="urn:schemas-microsoft-com:vml" xmlns:pvml="urn:schemas-microsoft-com:office:powerpoint" xmlns:com="http://schemas.openxmlformats.org/drawingml/2006/compatibility" xmlns:p14="http://schemas.microsoft.com/office/powerpoint/2010/main" xmlns:p15="http://schemas.microsoft.com/office/powerpoint/2012/main" xmlns:ahyp="http://schemas.microsoft.com/office/drawing/2018/hyperlinkcolor" showMasterPhAnim="0" showMasterSp="0">
-  <p:cSld>
-    <p:spTree>
-      <p:nvGrpSpPr>
-        <p:cNvPr id="66" name="Shape 66"/>
-        <p:cNvGrpSpPr/>
-        <p:nvPr/>
-      </p:nvGrpSpPr>
-      <p:grpSpPr>
-        <a:xfrm>
-          <a:off x="0" y="0"/>
-          <a:ext cx="0" cy="0"/>
-          <a:chOff x="0" y="0"/>
-          <a:chExt cx="0" cy="0"/>
-        </a:xfrm>
-      </p:grpSpPr>
-      <p:sp>
-        <p:nvSpPr>
-          <p:cNvPr id="67" name="Google Shape;67;g13299a97ebc_0_0:notes"/>
-          <p:cNvSpPr/>
-          <p:nvPr>
-            <p:ph idx="2" type="sldImg"/>
-          </p:nvPr>
-        </p:nvSpPr>
-        <p:spPr>
-          <a:xfrm>
-            <a:off x="381300" y="685800"/>
-            <a:ext cx="6096000" cy="3429000"/>
-          </a:xfrm>
-          <a:custGeom>
-            <a:rect b="b" l="l" r="r" t="t"/>
-            <a:pathLst>
-              <a:path extrusionOk="0" h="120000" w="120000">
-                <a:moveTo>
-                  <a:pt x="0" y="0"/>
-                </a:moveTo>
-                <a:lnTo>
-                  <a:pt x="120000" y="0"/>
-                </a:lnTo>
-                <a:lnTo>
-                  <a:pt x="120000" y="120000"/>
-                </a:lnTo>
-                <a:lnTo>
-                  <a:pt x="0" y="120000"/>
-                </a:lnTo>
-                <a:close/>
-              </a:path>
-            </a:pathLst>
-          </a:custGeom>
-        </p:spPr>
-      </p:sp>
-      <p:sp>
-        <p:nvSpPr>
-          <p:cNvPr id="68" name="Google Shape;68;g13299a97ebc_0_0:notes"/>
-          <p:cNvSpPr txBox="1"/>
-          <p:nvPr>
-            <p:ph idx="1" type="body"/>
-          </p:nvPr>
-        </p:nvSpPr>
-        <p:spPr>
-          <a:xfrm>
-            <a:off x="685800" y="4343400"/>
-            <a:ext cx="5486400" cy="4114800"/>
-          </a:xfrm>
-          <a:prstGeom prst="rect">
-            <a:avLst/>
-          </a:prstGeom>
-        </p:spPr>
-        <p:txBody>
-          <a:bodyPr anchorCtr="0" anchor="t" bIns="91425" lIns="91425" spcFirstLastPara="1" rIns="91425" wrap="square" tIns="91425">
-            <a:noAutofit/>
-          </a:bodyPr>
-          <a:lstStyle/>
-          <a:p>
-            <a:pPr indent="0" lvl="0" marL="0" rtl="0" algn="l">
-              <a:spcBef>
-                <a:spcPts val="0"/>
-              </a:spcBef>
-              <a:spcAft>
-                <a:spcPts val="0"/>
-              </a:spcAft>
-              <a:buNone/>
-            </a:pPr>
-            <a:r>
-              <a:t/>
-            </a:r>
-            <a:endParaRPr/>
-          </a:p>
-        </p:txBody>
-      </p:sp>
-    </p:spTree>
-  </p:cSld>
-  <p:clrMapOvr>
-    <a:masterClrMapping/>
-  </p:clrMapOvr>
-</p:notes>
-</file>
-
-<file path=ppt/notesSlides/notesSlide4.xml><?xml version="1.0" encoding="utf-8"?>
-<p:notes xmlns:a="http://schemas.openxmlformats.org/drawingml/2006/main" xmlns:r="http://schemas.openxmlformats.org/officeDocument/2006/relationships" xmlns:mc="http://schemas.openxmlformats.org/markup-compatibility/2006" xmlns:mv="urn:schemas-microsoft-com:mac:vml" xmlns:p="http://schemas.openxmlformats.org/presentationml/2006/main" xmlns:c="http://schemas.openxmlformats.org/drawingml/2006/chart" xmlns:dgm="http://schemas.openxmlformats.org/drawingml/2006/diagram" xmlns:o="urn:schemas-microsoft-com:office:office" xmlns:v="urn:schemas-microsoft-com:vml" xmlns:pvml="urn:schemas-microsoft-com:office:powerpoint" xmlns:com="http://schemas.openxmlformats.org/drawingml/2006/compatibility" xmlns:p14="http://schemas.microsoft.com/office/powerpoint/2010/main" xmlns:p15="http://schemas.microsoft.com/office/powerpoint/2012/main" xmlns:ahyp="http://schemas.microsoft.com/office/drawing/2018/hyperlinkcolor" showMasterPhAnim="0" showMasterSp="0">
-  <p:cSld>
-    <p:spTree>
-      <p:nvGrpSpPr>
-        <p:cNvPr id="74" name="Shape 74"/>
-        <p:cNvGrpSpPr/>
-        <p:nvPr/>
-      </p:nvGrpSpPr>
-      <p:grpSpPr>
-        <a:xfrm>
-          <a:off x="0" y="0"/>
-          <a:ext cx="0" cy="0"/>
-          <a:chOff x="0" y="0"/>
-          <a:chExt cx="0" cy="0"/>
-        </a:xfrm>
-      </p:grpSpPr>
-      <p:sp>
-        <p:nvSpPr>
-          <p:cNvPr id="75" name="Google Shape;75;g13299a97ebc_0_12:notes"/>
-          <p:cNvSpPr/>
-          <p:nvPr>
-            <p:ph idx="2" type="sldImg"/>
-          </p:nvPr>
-        </p:nvSpPr>
-        <p:spPr>
-          <a:xfrm>
-            <a:off x="381300" y="685800"/>
-            <a:ext cx="6096000" cy="3429000"/>
-          </a:xfrm>
-          <a:custGeom>
-            <a:rect b="b" l="l" r="r" t="t"/>
-            <a:pathLst>
-              <a:path extrusionOk="0" h="120000" w="120000">
-                <a:moveTo>
-                  <a:pt x="0" y="0"/>
-                </a:moveTo>
-                <a:lnTo>
-                  <a:pt x="120000" y="0"/>
-                </a:lnTo>
-                <a:lnTo>
-                  <a:pt x="120000" y="120000"/>
-                </a:lnTo>
-                <a:lnTo>
-                  <a:pt x="0" y="120000"/>
-                </a:lnTo>
-                <a:close/>
-              </a:path>
-            </a:pathLst>
-          </a:custGeom>
-        </p:spPr>
-      </p:sp>
-      <p:sp>
-        <p:nvSpPr>
-          <p:cNvPr id="76" name="Google Shape;76;g13299a97ebc_0_12:notes"/>
-          <p:cNvSpPr txBox="1"/>
-          <p:nvPr>
-            <p:ph idx="1" type="body"/>
-          </p:nvPr>
-        </p:nvSpPr>
-        <p:spPr>
-          <a:xfrm>
-            <a:off x="685800" y="4343400"/>
-            <a:ext cx="5486400" cy="4114800"/>
-          </a:xfrm>
-          <a:prstGeom prst="rect">
-            <a:avLst/>
-          </a:prstGeom>
-        </p:spPr>
-        <p:txBody>
-          <a:bodyPr anchorCtr="0" anchor="t" bIns="91425" lIns="91425" spcFirstLastPara="1" rIns="91425" wrap="square" tIns="91425">
-            <a:noAutofit/>
-          </a:bodyPr>
-          <a:lstStyle/>
-          <a:p>
-            <a:pPr indent="0" lvl="0" marL="0" rtl="0" algn="l">
-              <a:spcBef>
-                <a:spcPts val="0"/>
-              </a:spcBef>
-              <a:spcAft>
-                <a:spcPts val="0"/>
-              </a:spcAft>
-              <a:buNone/>
-            </a:pPr>
-            <a:r>
-              <a:t/>
-            </a:r>
-            <a:endParaRPr/>
-          </a:p>
-        </p:txBody>
-      </p:sp>
-    </p:spTree>
-  </p:cSld>
-  <p:clrMapOvr>
-    <a:masterClrMapping/>
-  </p:clrMapOvr>
-</p:notes>
-</file>
-
-<file path=ppt/notesSlides/notesSlide5.xml><?xml version="1.0" encoding="utf-8"?>
-<p:notes xmlns:a="http://schemas.openxmlformats.org/drawingml/2006/main" xmlns:r="http://schemas.openxmlformats.org/officeDocument/2006/relationships" xmlns:mc="http://schemas.openxmlformats.org/markup-compatibility/2006" xmlns:mv="urn:schemas-microsoft-com:mac:vml" xmlns:p="http://schemas.openxmlformats.org/presentationml/2006/main" xmlns:c="http://schemas.openxmlformats.org/drawingml/2006/chart" xmlns:dgm="http://schemas.openxmlformats.org/drawingml/2006/diagram" xmlns:o="urn:schemas-microsoft-com:office:office" xmlns:v="urn:schemas-microsoft-com:vml" xmlns:pvml="urn:schemas-microsoft-com:office:powerpoint" xmlns:com="http://schemas.openxmlformats.org/drawingml/2006/compatibility" xmlns:p14="http://schemas.microsoft.com/office/powerpoint/2010/main" xmlns:p15="http://schemas.microsoft.com/office/powerpoint/2012/main" xmlns:ahyp="http://schemas.microsoft.com/office/drawing/2018/hyperlinkcolor" showMasterPhAnim="0" showMasterSp="0">
-  <p:cSld>
-    <p:spTree>
-      <p:nvGrpSpPr>
-        <p:cNvPr id="80" name="Shape 80"/>
-        <p:cNvGrpSpPr/>
-        <p:nvPr/>
-      </p:nvGrpSpPr>
-      <p:grpSpPr>
-        <a:xfrm>
-          <a:off x="0" y="0"/>
-          <a:ext cx="0" cy="0"/>
-          <a:chOff x="0" y="0"/>
-          <a:chExt cx="0" cy="0"/>
-        </a:xfrm>
-      </p:grpSpPr>
-      <p:sp>
-        <p:nvSpPr>
-          <p:cNvPr id="81" name="Google Shape;81;g13299a97ebc_0_66:notes"/>
-          <p:cNvSpPr/>
-          <p:nvPr>
-            <p:ph idx="2" type="sldImg"/>
-          </p:nvPr>
-        </p:nvSpPr>
-        <p:spPr>
-          <a:xfrm>
-            <a:off x="381300" y="685800"/>
-            <a:ext cx="6096000" cy="3429000"/>
-          </a:xfrm>
-          <a:custGeom>
-            <a:rect b="b" l="l" r="r" t="t"/>
-            <a:pathLst>
-              <a:path extrusionOk="0" h="120000" w="120000">
-                <a:moveTo>
-                  <a:pt x="0" y="0"/>
-                </a:moveTo>
-                <a:lnTo>
-                  <a:pt x="120000" y="0"/>
-                </a:lnTo>
-                <a:lnTo>
-                  <a:pt x="120000" y="120000"/>
-                </a:lnTo>
-                <a:lnTo>
-                  <a:pt x="0" y="120000"/>
-                </a:lnTo>
-                <a:close/>
-              </a:path>
-            </a:pathLst>
-          </a:custGeom>
-        </p:spPr>
-      </p:sp>
-      <p:sp>
-        <p:nvSpPr>
-          <p:cNvPr id="82" name="Google Shape;82;g13299a97ebc_0_66:notes"/>
-          <p:cNvSpPr txBox="1"/>
-          <p:nvPr>
-            <p:ph idx="1" type="body"/>
-          </p:nvPr>
-        </p:nvSpPr>
-        <p:spPr>
-          <a:xfrm>
-            <a:off x="685800" y="4343400"/>
-            <a:ext cx="5486400" cy="4114800"/>
-          </a:xfrm>
-          <a:prstGeom prst="rect">
-            <a:avLst/>
-          </a:prstGeom>
-        </p:spPr>
-        <p:txBody>
-          <a:bodyPr anchorCtr="0" anchor="t" bIns="91425" lIns="91425" spcFirstLastPara="1" rIns="91425" wrap="square" tIns="91425">
-            <a:noAutofit/>
-          </a:bodyPr>
-          <a:lstStyle/>
-          <a:p>
-            <a:pPr indent="0" lvl="0" marL="0" rtl="0" algn="l">
-              <a:spcBef>
-                <a:spcPts val="0"/>
-              </a:spcBef>
-              <a:spcAft>
-                <a:spcPts val="0"/>
-              </a:spcAft>
-              <a:buNone/>
-            </a:pPr>
-            <a:r>
-              <a:t/>
-            </a:r>
-            <a:endParaRPr/>
-          </a:p>
-        </p:txBody>
-      </p:sp>
-    </p:spTree>
-  </p:cSld>
-  <p:clrMapOvr>
-    <a:masterClrMapping/>
-  </p:clrMapOvr>
-</p:notes>
-</file>
-
-<file path=ppt/notesSlides/notesSlide6.xml><?xml version="1.0" encoding="utf-8"?>
-<p:notes xmlns:a="http://schemas.openxmlformats.org/drawingml/2006/main" xmlns:r="http://schemas.openxmlformats.org/officeDocument/2006/relationships" xmlns:mc="http://schemas.openxmlformats.org/markup-compatibility/2006" xmlns:mv="urn:schemas-microsoft-com:mac:vml" xmlns:p="http://schemas.openxmlformats.org/presentationml/2006/main" xmlns:c="http://schemas.openxmlformats.org/drawingml/2006/chart" xmlns:dgm="http://schemas.openxmlformats.org/drawingml/2006/diagram" xmlns:o="urn:schemas-microsoft-com:office:office" xmlns:v="urn:schemas-microsoft-com:vml" xmlns:pvml="urn:schemas-microsoft-com:office:powerpoint" xmlns:com="http://schemas.openxmlformats.org/drawingml/2006/compatibility" xmlns:p14="http://schemas.microsoft.com/office/powerpoint/2010/main" xmlns:p15="http://schemas.microsoft.com/office/powerpoint/2012/main" xmlns:ahyp="http://schemas.microsoft.com/office/drawing/2018/hyperlinkcolor" showMasterPhAnim="0" showMasterSp="0">
-  <p:cSld>
-    <p:spTree>
-      <p:nvGrpSpPr>
-        <p:cNvPr id="86" name="Shape 86"/>
-        <p:cNvGrpSpPr/>
-        <p:nvPr/>
-      </p:nvGrpSpPr>
-      <p:grpSpPr>
-        <a:xfrm>
-          <a:off x="0" y="0"/>
-          <a:ext cx="0" cy="0"/>
-          <a:chOff x="0" y="0"/>
-          <a:chExt cx="0" cy="0"/>
-        </a:xfrm>
-      </p:grpSpPr>
-      <p:sp>
-        <p:nvSpPr>
-          <p:cNvPr id="87" name="Google Shape;87;g13299a97ebc_0_72:notes"/>
-          <p:cNvSpPr/>
-          <p:nvPr>
-            <p:ph idx="2" type="sldImg"/>
-          </p:nvPr>
-        </p:nvSpPr>
-        <p:spPr>
-          <a:xfrm>
-            <a:off x="381300" y="685800"/>
-            <a:ext cx="6096000" cy="3429000"/>
-          </a:xfrm>
-          <a:custGeom>
-            <a:rect b="b" l="l" r="r" t="t"/>
-            <a:pathLst>
-              <a:path extrusionOk="0" h="120000" w="120000">
-                <a:moveTo>
-                  <a:pt x="0" y="0"/>
-                </a:moveTo>
-                <a:lnTo>
-                  <a:pt x="120000" y="0"/>
-                </a:lnTo>
-                <a:lnTo>
-                  <a:pt x="120000" y="120000"/>
-                </a:lnTo>
-                <a:lnTo>
-                  <a:pt x="0" y="120000"/>
-                </a:lnTo>
-                <a:close/>
-              </a:path>
-            </a:pathLst>
-          </a:custGeom>
-        </p:spPr>
-      </p:sp>
-      <p:sp>
-        <p:nvSpPr>
-          <p:cNvPr id="88" name="Google Shape;88;g13299a97ebc_0_72:notes"/>
-          <p:cNvSpPr txBox="1"/>
-          <p:nvPr>
-            <p:ph idx="1" type="body"/>
-          </p:nvPr>
-        </p:nvSpPr>
-        <p:spPr>
-          <a:xfrm>
-            <a:off x="685800" y="4343400"/>
-            <a:ext cx="5486400" cy="4114800"/>
-          </a:xfrm>
-          <a:prstGeom prst="rect">
-            <a:avLst/>
-          </a:prstGeom>
-        </p:spPr>
-        <p:txBody>
-          <a:bodyPr anchorCtr="0" anchor="t" bIns="91425" lIns="91425" spcFirstLastPara="1" rIns="91425" wrap="square" tIns="91425">
-            <a:noAutofit/>
-          </a:bodyPr>
-          <a:lstStyle/>
-          <a:p>
-            <a:pPr indent="0" lvl="0" marL="0" rtl="0" algn="l">
-              <a:spcBef>
-                <a:spcPts val="0"/>
-              </a:spcBef>
-              <a:spcAft>
-                <a:spcPts val="0"/>
-              </a:spcAft>
-              <a:buNone/>
-            </a:pPr>
-            <a:r>
-              <a:t/>
-            </a:r>
-            <a:endParaRPr/>
-          </a:p>
-        </p:txBody>
-      </p:sp>
-    </p:spTree>
-  </p:cSld>
-  <p:clrMapOvr>
-    <a:masterClrMapping/>
-  </p:clrMapOvr>
-</p:notes>
-</file>
-
-<file path=ppt/notesSlides/notesSlide7.xml><?xml version="1.0" encoding="utf-8"?>
-<p:notes xmlns:a="http://schemas.openxmlformats.org/drawingml/2006/main" xmlns:r="http://schemas.openxmlformats.org/officeDocument/2006/relationships" xmlns:mc="http://schemas.openxmlformats.org/markup-compatibility/2006" xmlns:mv="urn:schemas-microsoft-com:mac:vml" xmlns:p="http://schemas.openxmlformats.org/presentationml/2006/main" xmlns:c="http://schemas.openxmlformats.org/drawingml/2006/chart" xmlns:dgm="http://schemas.openxmlformats.org/drawingml/2006/diagram" xmlns:o="urn:schemas-microsoft-com:office:office" xmlns:v="urn:schemas-microsoft-com:vml" xmlns:pvml="urn:schemas-microsoft-com:office:powerpoint" xmlns:com="http://schemas.openxmlformats.org/drawingml/2006/compatibility" xmlns:p14="http://schemas.microsoft.com/office/powerpoint/2010/main" xmlns:p15="http://schemas.microsoft.com/office/powerpoint/2012/main" xmlns:ahyp="http://schemas.microsoft.com/office/drawing/2018/hyperlinkcolor" showMasterPhAnim="0" showMasterSp="0">
-  <p:cSld>
-    <p:spTree>
-      <p:nvGrpSpPr>
-        <p:cNvPr id="96" name="Shape 96"/>
-        <p:cNvGrpSpPr/>
-        <p:nvPr/>
-      </p:nvGrpSpPr>
-      <p:grpSpPr>
-        <a:xfrm>
-          <a:off x="0" y="0"/>
-          <a:ext cx="0" cy="0"/>
-          <a:chOff x="0" y="0"/>
-          <a:chExt cx="0" cy="0"/>
-        </a:xfrm>
-      </p:grpSpPr>
-      <p:sp>
-        <p:nvSpPr>
-          <p:cNvPr id="97" name="Google Shape;97;g13299a97ebc_0_81:notes"/>
-          <p:cNvSpPr/>
-          <p:nvPr>
-            <p:ph idx="2" type="sldImg"/>
-          </p:nvPr>
-        </p:nvSpPr>
-        <p:spPr>
-          <a:xfrm>
-            <a:off x="381300" y="685800"/>
-            <a:ext cx="6096000" cy="3429000"/>
-          </a:xfrm>
-          <a:custGeom>
-            <a:rect b="b" l="l" r="r" t="t"/>
-            <a:pathLst>
-              <a:path extrusionOk="0" h="120000" w="120000">
-                <a:moveTo>
-                  <a:pt x="0" y="0"/>
-                </a:moveTo>
-                <a:lnTo>
-                  <a:pt x="120000" y="0"/>
-                </a:lnTo>
-                <a:lnTo>
-                  <a:pt x="120000" y="120000"/>
-                </a:lnTo>
-                <a:lnTo>
-                  <a:pt x="0" y="120000"/>
-                </a:lnTo>
-                <a:close/>
-              </a:path>
-            </a:pathLst>
-          </a:custGeom>
-        </p:spPr>
-      </p:sp>
-      <p:sp>
-        <p:nvSpPr>
-          <p:cNvPr id="98" name="Google Shape;98;g13299a97ebc_0_81:notes"/>
-          <p:cNvSpPr txBox="1"/>
-          <p:nvPr>
-            <p:ph idx="1" type="body"/>
-          </p:nvPr>
-        </p:nvSpPr>
-        <p:spPr>
-          <a:xfrm>
-            <a:off x="685800" y="4343400"/>
-            <a:ext cx="5486400" cy="4114800"/>
-          </a:xfrm>
-          <a:prstGeom prst="rect">
-            <a:avLst/>
-          </a:prstGeom>
-        </p:spPr>
-        <p:txBody>
-          <a:bodyPr anchorCtr="0" anchor="t" bIns="91425" lIns="91425" spcFirstLastPara="1" rIns="91425" wrap="square" tIns="91425">
-            <a:noAutofit/>
-          </a:bodyPr>
-          <a:lstStyle/>
-          <a:p>
-            <a:pPr indent="0" lvl="0" marL="0" rtl="0" algn="l">
-              <a:spcBef>
-                <a:spcPts val="0"/>
-              </a:spcBef>
-              <a:spcAft>
-                <a:spcPts val="0"/>
-              </a:spcAft>
-              <a:buNone/>
-            </a:pPr>
-            <a:r>
-              <a:t/>
-            </a:r>
-            <a:endParaRPr/>
-          </a:p>
-        </p:txBody>
-      </p:sp>
-    </p:spTree>
-  </p:cSld>
-  <p:clrMapOvr>
-    <a:masterClrMapping/>
-  </p:clrMapOvr>
-</p:notes>
-</file>
-
-<file path=ppt/notesSlides/notesSlide8.xml><?xml version="1.0" encoding="utf-8"?>
-<p:notes xmlns:a="http://schemas.openxmlformats.org/drawingml/2006/main" xmlns:r="http://schemas.openxmlformats.org/officeDocument/2006/relationships" xmlns:mc="http://schemas.openxmlformats.org/markup-compatibility/2006" xmlns:mv="urn:schemas-microsoft-com:mac:vml" xmlns:p="http://schemas.openxmlformats.org/presentationml/2006/main" xmlns:c="http://schemas.openxmlformats.org/drawingml/2006/chart" xmlns:dgm="http://schemas.openxmlformats.org/drawingml/2006/diagram" xmlns:o="urn:schemas-microsoft-com:office:office" xmlns:v="urn:schemas-microsoft-com:vml" xmlns:pvml="urn:schemas-microsoft-com:office:powerpoint" xmlns:com="http://schemas.openxmlformats.org/drawingml/2006/compatibility" xmlns:p14="http://schemas.microsoft.com/office/powerpoint/2010/main" xmlns:p15="http://schemas.microsoft.com/office/powerpoint/2012/main" xmlns:ahyp="http://schemas.microsoft.com/office/drawing/2018/hyperlinkcolor" showMasterPhAnim="0" showMasterSp="0">
-  <p:cSld>
-    <p:spTree>
-      <p:nvGrpSpPr>
-        <p:cNvPr id="102" name="Shape 102"/>
-        <p:cNvGrpSpPr/>
-        <p:nvPr/>
-      </p:nvGrpSpPr>
-      <p:grpSpPr>
-        <a:xfrm>
-          <a:off x="0" y="0"/>
-          <a:ext cx="0" cy="0"/>
-          <a:chOff x="0" y="0"/>
-          <a:chExt cx="0" cy="0"/>
-        </a:xfrm>
-      </p:grpSpPr>
-      <p:sp>
-        <p:nvSpPr>
-          <p:cNvPr id="103" name="Google Shape;103;g13299a97ebc_0_87:notes"/>
-          <p:cNvSpPr/>
-          <p:nvPr>
-            <p:ph idx="2" type="sldImg"/>
-          </p:nvPr>
-        </p:nvSpPr>
-        <p:spPr>
-          <a:xfrm>
-            <a:off x="381300" y="685800"/>
-            <a:ext cx="6096000" cy="3429000"/>
-          </a:xfrm>
-          <a:custGeom>
-            <a:rect b="b" l="l" r="r" t="t"/>
-            <a:pathLst>
-              <a:path extrusionOk="0" h="120000" w="120000">
-                <a:moveTo>
-                  <a:pt x="0" y="0"/>
-                </a:moveTo>
-                <a:lnTo>
-                  <a:pt x="120000" y="0"/>
-                </a:lnTo>
-                <a:lnTo>
-                  <a:pt x="120000" y="120000"/>
-                </a:lnTo>
-                <a:lnTo>
-                  <a:pt x="0" y="120000"/>
-                </a:lnTo>
-                <a:close/>
-              </a:path>
-            </a:pathLst>
-          </a:custGeom>
-        </p:spPr>
-      </p:sp>
-      <p:sp>
-        <p:nvSpPr>
-          <p:cNvPr id="104" name="Google Shape;104;g13299a97ebc_0_87:notes"/>
-          <p:cNvSpPr txBox="1"/>
-          <p:nvPr>
-            <p:ph idx="1" type="body"/>
-          </p:nvPr>
-        </p:nvSpPr>
-        <p:spPr>
-          <a:xfrm>
-            <a:off x="685800" y="4343400"/>
-            <a:ext cx="5486400" cy="4114800"/>
-          </a:xfrm>
-          <a:prstGeom prst="rect">
-            <a:avLst/>
-          </a:prstGeom>
-        </p:spPr>
-        <p:txBody>
-          <a:bodyPr anchorCtr="0" anchor="t" bIns="91425" lIns="91425" spcFirstLastPara="1" rIns="91425" wrap="square" tIns="91425">
-            <a:noAutofit/>
-          </a:bodyPr>
-          <a:lstStyle/>
-          <a:p>
-            <a:pPr indent="0" lvl="0" marL="0" rtl="0" algn="l">
-              <a:spcBef>
-                <a:spcPts val="0"/>
-              </a:spcBef>
-              <a:spcAft>
-                <a:spcPts val="0"/>
-              </a:spcAft>
-              <a:buNone/>
-            </a:pPr>
-            <a:r>
-              <a:t/>
-            </a:r>
-            <a:endParaRPr/>
-          </a:p>
-        </p:txBody>
-      </p:sp>
-    </p:spTree>
-  </p:cSld>
-  <p:clrMapOvr>
-    <a:masterClrMapping/>
-  </p:clrMapOvr>
-</p:notes>
-</file>
-
-<file path=ppt/notesSlides/notesSlide9.xml><?xml version="1.0" encoding="utf-8"?>
-<p:notes xmlns:a="http://schemas.openxmlformats.org/drawingml/2006/main" xmlns:r="http://schemas.openxmlformats.org/officeDocument/2006/relationships" xmlns:mc="http://schemas.openxmlformats.org/markup-compatibility/2006" xmlns:mv="urn:schemas-microsoft-com:mac:vml" xmlns:p="http://schemas.openxmlformats.org/presentationml/2006/main" xmlns:c="http://schemas.openxmlformats.org/drawingml/2006/chart" xmlns:dgm="http://schemas.openxmlformats.org/drawingml/2006/diagram" xmlns:o="urn:schemas-microsoft-com:office:office" xmlns:v="urn:schemas-microsoft-com:vml" xmlns:pvml="urn:schemas-microsoft-com:office:powerpoint" xmlns:com="http://schemas.openxmlformats.org/drawingml/2006/compatibility" xmlns:p14="http://schemas.microsoft.com/office/powerpoint/2010/main" xmlns:p15="http://schemas.microsoft.com/office/powerpoint/2012/main" xmlns:ahyp="http://schemas.microsoft.com/office/drawing/2018/hyperlinkcolor" showMasterPhAnim="0" showMasterSp="0">
-  <p:cSld>
-    <p:spTree>
-      <p:nvGrpSpPr>
-        <p:cNvPr id="108" name="Shape 108"/>
-        <p:cNvGrpSpPr/>
-        <p:nvPr/>
-      </p:nvGrpSpPr>
-      <p:grpSpPr>
-        <a:xfrm>
-          <a:off x="0" y="0"/>
-          <a:ext cx="0" cy="0"/>
-          <a:chOff x="0" y="0"/>
-          <a:chExt cx="0" cy="0"/>
-        </a:xfrm>
-      </p:grpSpPr>
-      <p:sp>
-        <p:nvSpPr>
-          <p:cNvPr id="109" name="Google Shape;109;g13299a97ebc_0_93:notes"/>
-          <p:cNvSpPr/>
-          <p:nvPr>
-            <p:ph idx="2" type="sldImg"/>
-          </p:nvPr>
-        </p:nvSpPr>
-        <p:spPr>
-          <a:xfrm>
-            <a:off x="381300" y="685800"/>
-            <a:ext cx="6096000" cy="3429000"/>
-          </a:xfrm>
-          <a:custGeom>
-            <a:rect b="b" l="l" r="r" t="t"/>
-            <a:pathLst>
-              <a:path extrusionOk="0" h="120000" w="120000">
-                <a:moveTo>
-                  <a:pt x="0" y="0"/>
-                </a:moveTo>
-                <a:lnTo>
-                  <a:pt x="120000" y="0"/>
-                </a:lnTo>
-                <a:lnTo>
-                  <a:pt x="120000" y="120000"/>
-                </a:lnTo>
-                <a:lnTo>
-                  <a:pt x="0" y="120000"/>
-                </a:lnTo>
-                <a:close/>
-              </a:path>
-            </a:pathLst>
-          </a:custGeom>
-        </p:spPr>
-      </p:sp>
-      <p:sp>
-        <p:nvSpPr>
-          <p:cNvPr id="110" name="Google Shape;110;g13299a97ebc_0_93:notes"/>
+          <p:cNvPr id="109" name="Google Shape;109;g13299a97ebc_0_87:notes"/>
           <p:cNvSpPr txBox="1"/>
           <p:nvPr>
             <p:ph idx="1" type="body"/>
@@ -9148,7 +9248,7 @@
           <p:cNvPr id="58" name="Google Shape;58;p13"/>
           <p:cNvSpPr txBox="1"/>
           <p:nvPr>
-            <p:ph type="ctrTitle"/>
+            <p:ph type="title"/>
           </p:nvPr>
         </p:nvSpPr>
         <p:spPr>
@@ -9162,7 +9262,7 @@
         </p:spPr>
         <p:txBody>
           <a:bodyPr anchorCtr="0" anchor="ctr" bIns="91425" lIns="91425" spcFirstLastPara="1" rIns="91425" wrap="square" tIns="91425">
-            <a:normAutofit fontScale="90000"/>
+            <a:normAutofit/>
           </a:bodyPr>
           <a:lstStyle/>
           <a:p>
@@ -9177,62 +9277,7 @@
             </a:pPr>
             <a:r>
               <a:rPr lang="en"/>
-              <a:t>Cohort1 (AIML)</a:t>
-            </a:r>
-            <a:endParaRPr/>
-          </a:p>
-          <a:p>
-            <a:pPr indent="0" lvl="0" marL="0" rtl="0" algn="ctr">
-              <a:spcBef>
-                <a:spcPts val="0"/>
-              </a:spcBef>
-              <a:spcAft>
-                <a:spcPts val="0"/>
-              </a:spcAft>
-              <a:buNone/>
-            </a:pPr>
-            <a:r>
-              <a:rPr lang="en"/>
-              <a:t>Life Expectancy</a:t>
-            </a:r>
-            <a:endParaRPr/>
-          </a:p>
-        </p:txBody>
-      </p:sp>
-      <p:sp>
-        <p:nvSpPr>
-          <p:cNvPr id="59" name="Google Shape;59;p13"/>
-          <p:cNvSpPr txBox="1"/>
-          <p:nvPr>
-            <p:ph idx="1" type="subTitle"/>
-          </p:nvPr>
-        </p:nvSpPr>
-        <p:spPr>
-          <a:xfrm>
-            <a:off x="344250" y="3550650"/>
-            <a:ext cx="4910100" cy="577800"/>
-          </a:xfrm>
-          <a:prstGeom prst="rect">
-            <a:avLst/>
-          </a:prstGeom>
-        </p:spPr>
-        <p:txBody>
-          <a:bodyPr anchorCtr="0" anchor="ctr" bIns="91425" lIns="91425" spcFirstLastPara="1" rIns="91425" wrap="square" tIns="91425">
-            <a:normAutofit/>
-          </a:bodyPr>
-          <a:lstStyle/>
-          <a:p>
-            <a:pPr indent="0" lvl="0" marL="0" rtl="0" algn="l">
-              <a:spcBef>
-                <a:spcPts val="0"/>
-              </a:spcBef>
-              <a:spcAft>
-                <a:spcPts val="0"/>
-              </a:spcAft>
-              <a:buNone/>
-            </a:pPr>
-            <a:r>
-              <a:t/>
+              <a:t>THANK YOU</a:t>
             </a:r>
             <a:endParaRPr/>
           </a:p>
@@ -9251,7 +9296,7 @@
   <p:cSld>
     <p:spTree>
       <p:nvGrpSpPr>
-        <p:cNvPr id="117" name="Shape 117"/>
+        <p:cNvPr id="116" name="Shape 116"/>
         <p:cNvGrpSpPr/>
         <p:nvPr/>
       </p:nvGrpSpPr>
@@ -9265,7 +9310,7 @@
       </p:grpSpPr>
       <p:sp>
         <p:nvSpPr>
-          <p:cNvPr id="118" name="Google Shape;118;p22"/>
+          <p:cNvPr id="117" name="Google Shape;117;p22"/>
           <p:cNvSpPr txBox="1"/>
           <p:nvPr>
             <p:ph type="title"/>
@@ -9297,6 +9342,107 @@
             </a:pPr>
             <a:r>
               <a:rPr lang="en"/>
+              <a:t>3b. Correlation by </a:t>
+            </a:r>
+            <a:r>
+              <a:rPr lang="en"/>
+              <a:t>Visualization</a:t>
+            </a:r>
+            <a:r>
+              <a:rPr lang="en"/>
+              <a:t> [Heatmap] (cont.)</a:t>
+            </a:r>
+            <a:endParaRPr/>
+          </a:p>
+        </p:txBody>
+      </p:sp>
+      <p:pic>
+        <p:nvPicPr>
+          <p:cNvPr id="118" name="Google Shape;118;p22"/>
+          <p:cNvPicPr preferRelativeResize="0"/>
+          <p:nvPr/>
+        </p:nvPicPr>
+        <p:blipFill>
+          <a:blip r:embed="rId3">
+            <a:alphaModFix/>
+          </a:blip>
+          <a:stretch>
+            <a:fillRect/>
+          </a:stretch>
+        </p:blipFill>
+        <p:spPr>
+          <a:xfrm>
+            <a:off x="1999863" y="1328600"/>
+            <a:ext cx="4619625" cy="3600450"/>
+          </a:xfrm>
+          <a:prstGeom prst="rect">
+            <a:avLst/>
+          </a:prstGeom>
+          <a:noFill/>
+          <a:ln>
+            <a:noFill/>
+          </a:ln>
+        </p:spPr>
+      </p:pic>
+    </p:spTree>
+  </p:cSld>
+  <p:clrMapOvr>
+    <a:masterClrMapping/>
+  </p:clrMapOvr>
+</p:sld>
+</file>
+
+<file path=ppt/slides/slide11.xml><?xml version="1.0" encoding="utf-8"?>
+<p:sld xmlns:a="http://schemas.openxmlformats.org/drawingml/2006/main" xmlns:r="http://schemas.openxmlformats.org/officeDocument/2006/relationships" xmlns:mc="http://schemas.openxmlformats.org/markup-compatibility/2006" xmlns:mv="urn:schemas-microsoft-com:mac:vml" xmlns:p="http://schemas.openxmlformats.org/presentationml/2006/main" xmlns:c="http://schemas.openxmlformats.org/drawingml/2006/chart" xmlns:dgm="http://schemas.openxmlformats.org/drawingml/2006/diagram" xmlns:o="urn:schemas-microsoft-com:office:office" xmlns:v="urn:schemas-microsoft-com:vml" xmlns:pvml="urn:schemas-microsoft-com:office:powerpoint" xmlns:com="http://schemas.openxmlformats.org/drawingml/2006/compatibility" xmlns:p14="http://schemas.microsoft.com/office/powerpoint/2010/main" xmlns:p15="http://schemas.microsoft.com/office/powerpoint/2012/main" xmlns:ahyp="http://schemas.microsoft.com/office/drawing/2018/hyperlinkcolor">
+  <p:cSld>
+    <p:spTree>
+      <p:nvGrpSpPr>
+        <p:cNvPr id="122" name="Shape 122"/>
+        <p:cNvGrpSpPr/>
+        <p:nvPr/>
+      </p:nvGrpSpPr>
+      <p:grpSpPr>
+        <a:xfrm>
+          <a:off x="0" y="0"/>
+          <a:ext cx="0" cy="0"/>
+          <a:chOff x="0" y="0"/>
+          <a:chExt cx="0" cy="0"/>
+        </a:xfrm>
+      </p:grpSpPr>
+      <p:sp>
+        <p:nvSpPr>
+          <p:cNvPr id="123" name="Google Shape;123;p23"/>
+          <p:cNvSpPr txBox="1"/>
+          <p:nvPr>
+            <p:ph type="title"/>
+          </p:nvPr>
+        </p:nvSpPr>
+        <p:spPr>
+          <a:xfrm>
+            <a:off x="311700" y="445025"/>
+            <a:ext cx="8520600" cy="572700"/>
+          </a:xfrm>
+          <a:prstGeom prst="rect">
+            <a:avLst/>
+          </a:prstGeom>
+        </p:spPr>
+        <p:txBody>
+          <a:bodyPr anchorCtr="0" anchor="t" bIns="91425" lIns="91425" spcFirstLastPara="1" rIns="91425" wrap="square" tIns="91425">
+            <a:normAutofit fontScale="90000"/>
+          </a:bodyPr>
+          <a:lstStyle/>
+          <a:p>
+            <a:pPr indent="0" lvl="0" marL="0" rtl="0" algn="l">
+              <a:spcBef>
+                <a:spcPts val="0"/>
+              </a:spcBef>
+              <a:spcAft>
+                <a:spcPts val="0"/>
+              </a:spcAft>
+              <a:buNone/>
+            </a:pPr>
+            <a:r>
+              <a:rPr lang="en"/>
               <a:t>4a. Outliers Identification and Imputation</a:t>
             </a:r>
             <a:endParaRPr/>
@@ -9305,7 +9451,7 @@
       </p:sp>
       <p:sp>
         <p:nvSpPr>
-          <p:cNvPr id="119" name="Google Shape;119;p22"/>
+          <p:cNvPr id="124" name="Google Shape;124;p23"/>
           <p:cNvSpPr txBox="1"/>
           <p:nvPr>
             <p:ph idx="1" type="body"/>
@@ -9360,7 +9506,7 @@
       </p:sp>
       <p:graphicFrame>
         <p:nvGraphicFramePr>
-          <p:cNvPr id="120" name="Google Shape;120;p22"/>
+          <p:cNvPr id="125" name="Google Shape;125;p23"/>
           <p:cNvGraphicFramePr/>
           <p:nvPr/>
         </p:nvGraphicFramePr>
@@ -9373,7 +9519,7 @@
             <a:tbl>
               <a:tblPr>
                 <a:noFill/>
-                <a:tableStyleId>{3437CF0B-E53E-4136-83F2-8282A71A82D8}</a:tableStyleId>
+                <a:tableStyleId>{74A3A7F3-B6B0-4983-AD86-2B41AA71CC1D}</a:tableStyleId>
               </a:tblPr>
               <a:tblGrid>
                 <a:gridCol w="2136550"/>
@@ -10350,7 +10496,7 @@
                       </a:pPr>
                       <a:r>
                         <a:rPr lang="en"/>
-                        <a:t>Fill in missing data</a:t>
+                        <a:t>Drop the rows</a:t>
                       </a:r>
                       <a:endParaRPr/>
                     </a:p>
@@ -10592,7 +10738,7 @@
                       </a:pPr>
                       <a:r>
                         <a:rPr lang="en"/>
-                        <a:t>Fill in missing data</a:t>
+                        <a:t>Drop the rows</a:t>
                       </a:r>
                       <a:endParaRPr/>
                     </a:p>
@@ -10834,7 +10980,7 @@
                       </a:pPr>
                       <a:r>
                         <a:rPr lang="en"/>
-                        <a:t>Fill in missing data</a:t>
+                        <a:t>Drop the rows</a:t>
                       </a:r>
                       <a:endParaRPr/>
                     </a:p>
@@ -10891,12 +11037,12 @@
 </p:sld>
 </file>
 
-<file path=ppt/slides/slide11.xml><?xml version="1.0" encoding="utf-8"?>
+<file path=ppt/slides/slide12.xml><?xml version="1.0" encoding="utf-8"?>
 <p:sld xmlns:a="http://schemas.openxmlformats.org/drawingml/2006/main" xmlns:r="http://schemas.openxmlformats.org/officeDocument/2006/relationships" xmlns:mc="http://schemas.openxmlformats.org/markup-compatibility/2006" xmlns:mv="urn:schemas-microsoft-com:mac:vml" xmlns:p="http://schemas.openxmlformats.org/presentationml/2006/main" xmlns:c="http://schemas.openxmlformats.org/drawingml/2006/chart" xmlns:dgm="http://schemas.openxmlformats.org/drawingml/2006/diagram" xmlns:o="urn:schemas-microsoft-com:office:office" xmlns:v="urn:schemas-microsoft-com:vml" xmlns:pvml="urn:schemas-microsoft-com:office:powerpoint" xmlns:com="http://schemas.openxmlformats.org/drawingml/2006/compatibility" xmlns:p14="http://schemas.microsoft.com/office/powerpoint/2010/main" xmlns:p15="http://schemas.microsoft.com/office/powerpoint/2012/main" xmlns:ahyp="http://schemas.microsoft.com/office/drawing/2018/hyperlinkcolor">
   <p:cSld>
     <p:spTree>
       <p:nvGrpSpPr>
-        <p:cNvPr id="124" name="Shape 124"/>
+        <p:cNvPr id="129" name="Shape 129"/>
         <p:cNvGrpSpPr/>
         <p:nvPr/>
       </p:nvGrpSpPr>
@@ -10910,7 +11056,7 @@
       </p:grpSpPr>
       <p:sp>
         <p:nvSpPr>
-          <p:cNvPr id="125" name="Google Shape;125;p23"/>
+          <p:cNvPr id="130" name="Google Shape;130;p24"/>
           <p:cNvSpPr txBox="1"/>
           <p:nvPr>
             <p:ph type="title"/>
@@ -10950,7 +11096,7 @@
       </p:sp>
       <p:pic>
         <p:nvPicPr>
-          <p:cNvPr id="126" name="Google Shape;126;p23"/>
+          <p:cNvPr id="131" name="Google Shape;131;p24"/>
           <p:cNvPicPr preferRelativeResize="0"/>
           <p:nvPr/>
         </p:nvPicPr>
@@ -10978,7 +11124,7 @@
       </p:pic>
       <p:pic>
         <p:nvPicPr>
-          <p:cNvPr id="127" name="Google Shape;127;p23"/>
+          <p:cNvPr id="132" name="Google Shape;132;p24"/>
           <p:cNvPicPr preferRelativeResize="0"/>
           <p:nvPr/>
         </p:nvPicPr>
@@ -11012,12 +11158,12 @@
 </p:sld>
 </file>
 
-<file path=ppt/slides/slide12.xml><?xml version="1.0" encoding="utf-8"?>
+<file path=ppt/slides/slide13.xml><?xml version="1.0" encoding="utf-8"?>
 <p:sld xmlns:a="http://schemas.openxmlformats.org/drawingml/2006/main" xmlns:r="http://schemas.openxmlformats.org/officeDocument/2006/relationships" xmlns:mc="http://schemas.openxmlformats.org/markup-compatibility/2006" xmlns:mv="urn:schemas-microsoft-com:mac:vml" xmlns:p="http://schemas.openxmlformats.org/presentationml/2006/main" xmlns:c="http://schemas.openxmlformats.org/drawingml/2006/chart" xmlns:dgm="http://schemas.openxmlformats.org/drawingml/2006/diagram" xmlns:o="urn:schemas-microsoft-com:office:office" xmlns:v="urn:schemas-microsoft-com:vml" xmlns:pvml="urn:schemas-microsoft-com:office:powerpoint" xmlns:com="http://schemas.openxmlformats.org/drawingml/2006/compatibility" xmlns:p14="http://schemas.microsoft.com/office/powerpoint/2010/main" xmlns:p15="http://schemas.microsoft.com/office/powerpoint/2012/main" xmlns:ahyp="http://schemas.microsoft.com/office/drawing/2018/hyperlinkcolor">
   <p:cSld>
     <p:spTree>
       <p:nvGrpSpPr>
-        <p:cNvPr id="131" name="Shape 131"/>
+        <p:cNvPr id="136" name="Shape 136"/>
         <p:cNvGrpSpPr/>
         <p:nvPr/>
       </p:nvGrpSpPr>
@@ -11031,7 +11177,7 @@
       </p:grpSpPr>
       <p:sp>
         <p:nvSpPr>
-          <p:cNvPr id="132" name="Google Shape;132;p24"/>
+          <p:cNvPr id="137" name="Google Shape;137;p25"/>
           <p:cNvSpPr txBox="1"/>
           <p:nvPr>
             <p:ph type="title"/>
@@ -11071,7 +11217,7 @@
       </p:sp>
       <p:sp>
         <p:nvSpPr>
-          <p:cNvPr id="133" name="Google Shape;133;p24"/>
+          <p:cNvPr id="138" name="Google Shape;138;p25"/>
           <p:cNvSpPr txBox="1"/>
           <p:nvPr>
             <p:ph idx="1" type="body"/>
@@ -11168,12 +11314,12 @@
 </p:sld>
 </file>
 
-<file path=ppt/slides/slide13.xml><?xml version="1.0" encoding="utf-8"?>
+<file path=ppt/slides/slide14.xml><?xml version="1.0" encoding="utf-8"?>
 <p:sld xmlns:a="http://schemas.openxmlformats.org/drawingml/2006/main" xmlns:r="http://schemas.openxmlformats.org/officeDocument/2006/relationships" xmlns:mc="http://schemas.openxmlformats.org/markup-compatibility/2006" xmlns:mv="urn:schemas-microsoft-com:mac:vml" xmlns:p="http://schemas.openxmlformats.org/presentationml/2006/main" xmlns:c="http://schemas.openxmlformats.org/drawingml/2006/chart" xmlns:dgm="http://schemas.openxmlformats.org/drawingml/2006/diagram" xmlns:o="urn:schemas-microsoft-com:office:office" xmlns:v="urn:schemas-microsoft-com:vml" xmlns:pvml="urn:schemas-microsoft-com:office:powerpoint" xmlns:com="http://schemas.openxmlformats.org/drawingml/2006/compatibility" xmlns:p14="http://schemas.microsoft.com/office/powerpoint/2010/main" xmlns:p15="http://schemas.microsoft.com/office/powerpoint/2012/main" xmlns:ahyp="http://schemas.microsoft.com/office/drawing/2018/hyperlinkcolor">
   <p:cSld>
     <p:spTree>
       <p:nvGrpSpPr>
-        <p:cNvPr id="137" name="Shape 137"/>
+        <p:cNvPr id="142" name="Shape 142"/>
         <p:cNvGrpSpPr/>
         <p:nvPr/>
       </p:nvGrpSpPr>
@@ -11187,7 +11333,7 @@
       </p:grpSpPr>
       <p:sp>
         <p:nvSpPr>
-          <p:cNvPr id="138" name="Google Shape;138;p25"/>
+          <p:cNvPr id="143" name="Google Shape;143;p26"/>
           <p:cNvSpPr txBox="1"/>
           <p:nvPr>
             <p:ph type="title"/>
@@ -11227,7 +11373,7 @@
       </p:sp>
       <p:pic>
         <p:nvPicPr>
-          <p:cNvPr id="139" name="Google Shape;139;p25"/>
+          <p:cNvPr id="144" name="Google Shape;144;p26"/>
           <p:cNvPicPr preferRelativeResize="0"/>
           <p:nvPr/>
         </p:nvPicPr>
@@ -11255,7 +11401,7 @@
       </p:pic>
       <p:pic>
         <p:nvPicPr>
-          <p:cNvPr id="140" name="Google Shape;140;p25"/>
+          <p:cNvPr id="145" name="Google Shape;145;p26"/>
           <p:cNvPicPr preferRelativeResize="0"/>
           <p:nvPr/>
         </p:nvPicPr>
@@ -11283,7 +11429,7 @@
       </p:pic>
       <p:sp>
         <p:nvSpPr>
-          <p:cNvPr id="141" name="Google Shape;141;p25"/>
+          <p:cNvPr id="146" name="Google Shape;146;p26"/>
           <p:cNvSpPr txBox="1"/>
           <p:nvPr/>
         </p:nvSpPr>
@@ -11361,7 +11507,7 @@
       </p:sp>
       <p:sp>
         <p:nvSpPr>
-          <p:cNvPr id="142" name="Google Shape;142;p25"/>
+          <p:cNvPr id="147" name="Google Shape;147;p26"/>
           <p:cNvSpPr txBox="1"/>
           <p:nvPr/>
         </p:nvSpPr>
@@ -11454,12 +11600,12 @@
 </p:sld>
 </file>
 
-<file path=ppt/slides/slide14.xml><?xml version="1.0" encoding="utf-8"?>
+<file path=ppt/slides/slide15.xml><?xml version="1.0" encoding="utf-8"?>
 <p:sld xmlns:a="http://schemas.openxmlformats.org/drawingml/2006/main" xmlns:r="http://schemas.openxmlformats.org/officeDocument/2006/relationships" xmlns:mc="http://schemas.openxmlformats.org/markup-compatibility/2006" xmlns:mv="urn:schemas-microsoft-com:mac:vml" xmlns:p="http://schemas.openxmlformats.org/presentationml/2006/main" xmlns:c="http://schemas.openxmlformats.org/drawingml/2006/chart" xmlns:dgm="http://schemas.openxmlformats.org/drawingml/2006/diagram" xmlns:o="urn:schemas-microsoft-com:office:office" xmlns:v="urn:schemas-microsoft-com:vml" xmlns:pvml="urn:schemas-microsoft-com:office:powerpoint" xmlns:com="http://schemas.openxmlformats.org/drawingml/2006/compatibility" xmlns:p14="http://schemas.microsoft.com/office/powerpoint/2010/main" xmlns:p15="http://schemas.microsoft.com/office/powerpoint/2012/main" xmlns:ahyp="http://schemas.microsoft.com/office/drawing/2018/hyperlinkcolor">
   <p:cSld>
     <p:spTree>
       <p:nvGrpSpPr>
-        <p:cNvPr id="146" name="Shape 146"/>
+        <p:cNvPr id="151" name="Shape 151"/>
         <p:cNvGrpSpPr/>
         <p:nvPr/>
       </p:nvGrpSpPr>
@@ -11473,7 +11619,7 @@
       </p:grpSpPr>
       <p:sp>
         <p:nvSpPr>
-          <p:cNvPr id="147" name="Google Shape;147;p26"/>
+          <p:cNvPr id="152" name="Google Shape;152;p27"/>
           <p:cNvSpPr txBox="1"/>
           <p:nvPr>
             <p:ph type="title"/>
@@ -11513,7 +11659,7 @@
       </p:sp>
       <p:pic>
         <p:nvPicPr>
-          <p:cNvPr id="148" name="Google Shape;148;p26"/>
+          <p:cNvPr id="153" name="Google Shape;153;p27"/>
           <p:cNvPicPr preferRelativeResize="0"/>
           <p:nvPr/>
         </p:nvPicPr>
@@ -11541,7 +11687,7 @@
       </p:pic>
       <p:sp>
         <p:nvSpPr>
-          <p:cNvPr id="149" name="Google Shape;149;p26"/>
+          <p:cNvPr id="154" name="Google Shape;154;p27"/>
           <p:cNvSpPr txBox="1"/>
           <p:nvPr/>
         </p:nvSpPr>
@@ -11625,12 +11771,12 @@
 </p:sld>
 </file>
 
-<file path=ppt/slides/slide15.xml><?xml version="1.0" encoding="utf-8"?>
-<p:sld xmlns:a="http://schemas.openxmlformats.org/drawingml/2006/main" xmlns:r="http://schemas.openxmlformats.org/officeDocument/2006/relationships" xmlns:mc="http://schemas.openxmlformats.org/markup-compatibility/2006" xmlns:mv="urn:schemas-microsoft-com:mac:vml" xmlns:p="http://schemas.openxmlformats.org/presentationml/2006/main" xmlns:c="http://schemas.openxmlformats.org/drawingml/2006/chart" xmlns:dgm="http://schemas.openxmlformats.org/drawingml/2006/diagram" xmlns:o="urn:schemas-microsoft-com:office:office" xmlns:v="urn:schemas-microsoft-com:vml" xmlns:pvml="urn:schemas-microsoft-com:office:powerpoint" xmlns:com="http://schemas.openxmlformats.org/drawingml/2006/compatibility" xmlns:p14="http://schemas.microsoft.com/office/powerpoint/2010/main" xmlns:p15="http://schemas.microsoft.com/office/powerpoint/2012/main" xmlns:ahyp="http://schemas.microsoft.com/office/drawing/2018/hyperlinkcolor">
+<file path=ppt/slides/slide16.xml><?xml version="1.0" encoding="utf-8"?>
+<p:sld xmlns:a="http://schemas.openxmlformats.org/drawingml/2006/main" xmlns:r="http://schemas.openxmlformats.org/officeDocument/2006/relationships" xmlns:mc="http://schemas.openxmlformats.org/markup-compatibility/2006" xmlns:mv="urn:schemas-microsoft-com:mac:vml" xmlns:p="http://schemas.openxmlformats.org/presentationml/2006/main" xmlns:c="http://schemas.openxmlformats.org/drawingml/2006/chart" xmlns:dgm="http://schemas.openxmlformats.org/drawingml/2006/diagram" xmlns:o="urn:schemas-microsoft-com:office:office" xmlns:v="urn:schemas-microsoft-com:vml" xmlns:pvml="urn:schemas-microsoft-com:office:powerpoint" xmlns:com="http://schemas.openxmlformats.org/drawingml/2006/compatibility" xmlns:p14="http://schemas.microsoft.com/office/powerpoint/2010/main" xmlns:p15="http://schemas.microsoft.com/office/powerpoint/2012/main" xmlns:ahyp="http://schemas.microsoft.com/office/drawing/2018/hyperlinkcolor" show="0">
   <p:cSld>
     <p:spTree>
       <p:nvGrpSpPr>
-        <p:cNvPr id="153" name="Shape 153"/>
+        <p:cNvPr id="158" name="Shape 158"/>
         <p:cNvGrpSpPr/>
         <p:nvPr/>
       </p:nvGrpSpPr>
@@ -11644,7 +11790,7 @@
       </p:grpSpPr>
       <p:sp>
         <p:nvSpPr>
-          <p:cNvPr id="154" name="Google Shape;154;p27"/>
+          <p:cNvPr id="159" name="Google Shape;159;p28"/>
           <p:cNvSpPr txBox="1"/>
           <p:nvPr>
             <p:ph type="title"/>
@@ -11684,7 +11830,7 @@
       </p:sp>
       <p:pic>
         <p:nvPicPr>
-          <p:cNvPr id="155" name="Google Shape;155;p27"/>
+          <p:cNvPr id="160" name="Google Shape;160;p28"/>
           <p:cNvPicPr preferRelativeResize="0"/>
           <p:nvPr/>
         </p:nvPicPr>
@@ -11718,12 +11864,12 @@
 </p:sld>
 </file>
 
-<file path=ppt/slides/slide16.xml><?xml version="1.0" encoding="utf-8"?>
+<file path=ppt/slides/slide17.xml><?xml version="1.0" encoding="utf-8"?>
 <p:sld xmlns:a="http://schemas.openxmlformats.org/drawingml/2006/main" xmlns:r="http://schemas.openxmlformats.org/officeDocument/2006/relationships" xmlns:mc="http://schemas.openxmlformats.org/markup-compatibility/2006" xmlns:mv="urn:schemas-microsoft-com:mac:vml" xmlns:p="http://schemas.openxmlformats.org/presentationml/2006/main" xmlns:c="http://schemas.openxmlformats.org/drawingml/2006/chart" xmlns:dgm="http://schemas.openxmlformats.org/drawingml/2006/diagram" xmlns:o="urn:schemas-microsoft-com:office:office" xmlns:v="urn:schemas-microsoft-com:vml" xmlns:pvml="urn:schemas-microsoft-com:office:powerpoint" xmlns:com="http://schemas.openxmlformats.org/drawingml/2006/compatibility" xmlns:p14="http://schemas.microsoft.com/office/powerpoint/2010/main" xmlns:p15="http://schemas.microsoft.com/office/powerpoint/2012/main" xmlns:ahyp="http://schemas.microsoft.com/office/drawing/2018/hyperlinkcolor">
   <p:cSld>
     <p:spTree>
       <p:nvGrpSpPr>
-        <p:cNvPr id="159" name="Shape 159"/>
+        <p:cNvPr id="164" name="Shape 164"/>
         <p:cNvGrpSpPr/>
         <p:nvPr/>
       </p:nvGrpSpPr>
@@ -11737,7 +11883,7 @@
       </p:grpSpPr>
       <p:sp>
         <p:nvSpPr>
-          <p:cNvPr id="160" name="Google Shape;160;p28"/>
+          <p:cNvPr id="165" name="Google Shape;165;p29"/>
           <p:cNvSpPr txBox="1"/>
           <p:nvPr>
             <p:ph type="title"/>
@@ -11777,7 +11923,7 @@
       </p:sp>
       <p:sp>
         <p:nvSpPr>
-          <p:cNvPr id="161" name="Google Shape;161;p28"/>
+          <p:cNvPr id="166" name="Google Shape;166;p29"/>
           <p:cNvSpPr txBox="1"/>
           <p:nvPr>
             <p:ph idx="1" type="body"/>
@@ -12009,7 +12155,7 @@
       </p:sp>
       <p:sp>
         <p:nvSpPr>
-          <p:cNvPr id="162" name="Google Shape;162;p28"/>
+          <p:cNvPr id="167" name="Google Shape;167;p29"/>
           <p:cNvSpPr txBox="1"/>
           <p:nvPr>
             <p:ph idx="1" type="body"/>
@@ -12353,7 +12499,7 @@
                                           </p:stCondLst>
                                         </p:cTn>
                                         <p:tgtEl>
-                                          <p:spTgt spid="161"/>
+                                          <p:spTgt spid="166"/>
                                         </p:tgtEl>
                                         <p:attrNameLst>
                                           <p:attrName>style.visibility</p:attrName>
@@ -12367,7 +12513,7 @@
                                       <p:cBhvr>
                                         <p:cTn dur="1000"/>
                                         <p:tgtEl>
-                                          <p:spTgt spid="161"/>
+                                          <p:spTgt spid="166"/>
                                         </p:tgtEl>
                                       </p:cBhvr>
                                     </p:animEffect>
@@ -12406,7 +12552,7 @@
                                           </p:stCondLst>
                                         </p:cTn>
                                         <p:tgtEl>
-                                          <p:spTgt spid="162"/>
+                                          <p:spTgt spid="167"/>
                                         </p:tgtEl>
                                         <p:attrNameLst>
                                           <p:attrName>style.visibility</p:attrName>
@@ -12420,7 +12566,7 @@
                                       <p:cBhvr>
                                         <p:cTn dur="1000"/>
                                         <p:tgtEl>
-                                          <p:spTgt spid="162"/>
+                                          <p:spTgt spid="167"/>
                                         </p:tgtEl>
                                       </p:cBhvr>
                                     </p:animEffect>
@@ -12458,12 +12604,12 @@
 </p:sld>
 </file>
 
-<file path=ppt/slides/slide17.xml><?xml version="1.0" encoding="utf-8"?>
+<file path=ppt/slides/slide18.xml><?xml version="1.0" encoding="utf-8"?>
 <p:sld xmlns:a="http://schemas.openxmlformats.org/drawingml/2006/main" xmlns:r="http://schemas.openxmlformats.org/officeDocument/2006/relationships" xmlns:mc="http://schemas.openxmlformats.org/markup-compatibility/2006" xmlns:mv="urn:schemas-microsoft-com:mac:vml" xmlns:p="http://schemas.openxmlformats.org/presentationml/2006/main" xmlns:c="http://schemas.openxmlformats.org/drawingml/2006/chart" xmlns:dgm="http://schemas.openxmlformats.org/drawingml/2006/diagram" xmlns:o="urn:schemas-microsoft-com:office:office" xmlns:v="urn:schemas-microsoft-com:vml" xmlns:pvml="urn:schemas-microsoft-com:office:powerpoint" xmlns:com="http://schemas.openxmlformats.org/drawingml/2006/compatibility" xmlns:p14="http://schemas.microsoft.com/office/powerpoint/2010/main" xmlns:p15="http://schemas.microsoft.com/office/powerpoint/2012/main" xmlns:ahyp="http://schemas.microsoft.com/office/drawing/2018/hyperlinkcolor">
   <p:cSld>
     <p:spTree>
       <p:nvGrpSpPr>
-        <p:cNvPr id="166" name="Shape 166"/>
+        <p:cNvPr id="171" name="Shape 171"/>
         <p:cNvGrpSpPr/>
         <p:nvPr/>
       </p:nvGrpSpPr>
@@ -12477,7 +12623,7 @@
       </p:grpSpPr>
       <p:sp>
         <p:nvSpPr>
-          <p:cNvPr id="167" name="Google Shape;167;p29"/>
+          <p:cNvPr id="172" name="Google Shape;172;p30"/>
           <p:cNvSpPr txBox="1"/>
           <p:nvPr>
             <p:ph type="title"/>
@@ -12517,7 +12663,7 @@
       </p:sp>
       <p:sp>
         <p:nvSpPr>
-          <p:cNvPr id="168" name="Google Shape;168;p29"/>
+          <p:cNvPr id="173" name="Google Shape;173;p30"/>
           <p:cNvSpPr txBox="1"/>
           <p:nvPr>
             <p:ph idx="1" type="body"/>
@@ -12666,12 +12812,12 @@
 </p:sld>
 </file>
 
-<file path=ppt/slides/slide18.xml><?xml version="1.0" encoding="utf-8"?>
+<file path=ppt/slides/slide19.xml><?xml version="1.0" encoding="utf-8"?>
 <p:sld xmlns:a="http://schemas.openxmlformats.org/drawingml/2006/main" xmlns:r="http://schemas.openxmlformats.org/officeDocument/2006/relationships" xmlns:mc="http://schemas.openxmlformats.org/markup-compatibility/2006" xmlns:mv="urn:schemas-microsoft-com:mac:vml" xmlns:p="http://schemas.openxmlformats.org/presentationml/2006/main" xmlns:c="http://schemas.openxmlformats.org/drawingml/2006/chart" xmlns:dgm="http://schemas.openxmlformats.org/drawingml/2006/diagram" xmlns:o="urn:schemas-microsoft-com:office:office" xmlns:v="urn:schemas-microsoft-com:vml" xmlns:pvml="urn:schemas-microsoft-com:office:powerpoint" xmlns:com="http://schemas.openxmlformats.org/drawingml/2006/compatibility" xmlns:p14="http://schemas.microsoft.com/office/powerpoint/2010/main" xmlns:p15="http://schemas.microsoft.com/office/powerpoint/2012/main" xmlns:ahyp="http://schemas.microsoft.com/office/drawing/2018/hyperlinkcolor">
   <p:cSld>
     <p:spTree>
       <p:nvGrpSpPr>
-        <p:cNvPr id="172" name="Shape 172"/>
+        <p:cNvPr id="177" name="Shape 177"/>
         <p:cNvGrpSpPr/>
         <p:nvPr/>
       </p:nvGrpSpPr>
@@ -12685,7 +12831,7 @@
       </p:grpSpPr>
       <p:sp>
         <p:nvSpPr>
-          <p:cNvPr id="173" name="Google Shape;173;p30"/>
+          <p:cNvPr id="178" name="Google Shape;178;p31"/>
           <p:cNvSpPr txBox="1"/>
           <p:nvPr>
             <p:ph type="title"/>
@@ -12725,7 +12871,7 @@
       </p:sp>
       <p:pic>
         <p:nvPicPr>
-          <p:cNvPr id="174" name="Google Shape;174;p30"/>
+          <p:cNvPr id="179" name="Google Shape;179;p31"/>
           <p:cNvPicPr preferRelativeResize="0"/>
           <p:nvPr/>
         </p:nvPicPr>
@@ -12759,12 +12905,12 @@
 </p:sld>
 </file>
 
-<file path=ppt/slides/slide19.xml><?xml version="1.0" encoding="utf-8"?>
+<file path=ppt/slides/slide2.xml><?xml version="1.0" encoding="utf-8"?>
 <p:sld xmlns:a="http://schemas.openxmlformats.org/drawingml/2006/main" xmlns:r="http://schemas.openxmlformats.org/officeDocument/2006/relationships" xmlns:mc="http://schemas.openxmlformats.org/markup-compatibility/2006" xmlns:mv="urn:schemas-microsoft-com:mac:vml" xmlns:p="http://schemas.openxmlformats.org/presentationml/2006/main" xmlns:c="http://schemas.openxmlformats.org/drawingml/2006/chart" xmlns:dgm="http://schemas.openxmlformats.org/drawingml/2006/diagram" xmlns:o="urn:schemas-microsoft-com:office:office" xmlns:v="urn:schemas-microsoft-com:vml" xmlns:pvml="urn:schemas-microsoft-com:office:powerpoint" xmlns:com="http://schemas.openxmlformats.org/drawingml/2006/compatibility" xmlns:p14="http://schemas.microsoft.com/office/powerpoint/2010/main" xmlns:p15="http://schemas.microsoft.com/office/powerpoint/2012/main" xmlns:ahyp="http://schemas.microsoft.com/office/drawing/2018/hyperlinkcolor">
   <p:cSld>
     <p:spTree>
       <p:nvGrpSpPr>
-        <p:cNvPr id="178" name="Shape 178"/>
+        <p:cNvPr id="62" name="Shape 62"/>
         <p:cNvGrpSpPr/>
         <p:nvPr/>
       </p:nvGrpSpPr>
@@ -12778,7 +12924,132 @@
       </p:grpSpPr>
       <p:sp>
         <p:nvSpPr>
-          <p:cNvPr id="179" name="Google Shape;179;p31"/>
+          <p:cNvPr id="63" name="Google Shape;63;p14"/>
+          <p:cNvSpPr txBox="1"/>
+          <p:nvPr>
+            <p:ph type="ctrTitle"/>
+          </p:nvPr>
+        </p:nvSpPr>
+        <p:spPr>
+          <a:xfrm>
+            <a:off x="344250" y="1403850"/>
+            <a:ext cx="8455500" cy="2146800"/>
+          </a:xfrm>
+          <a:prstGeom prst="rect">
+            <a:avLst/>
+          </a:prstGeom>
+        </p:spPr>
+        <p:txBody>
+          <a:bodyPr anchorCtr="0" anchor="ctr" bIns="91425" lIns="91425" spcFirstLastPara="1" rIns="91425" wrap="square" tIns="91425">
+            <a:normAutofit/>
+          </a:bodyPr>
+          <a:lstStyle/>
+          <a:p>
+            <a:pPr indent="0" lvl="0" marL="0" rtl="0" algn="ctr">
+              <a:spcBef>
+                <a:spcPts val="0"/>
+              </a:spcBef>
+              <a:spcAft>
+                <a:spcPts val="0"/>
+              </a:spcAft>
+              <a:buNone/>
+            </a:pPr>
+            <a:r>
+              <a:rPr lang="en"/>
+              <a:t>AIML - </a:t>
+            </a:r>
+            <a:r>
+              <a:rPr lang="en"/>
+              <a:t>Cohort1</a:t>
+            </a:r>
+            <a:endParaRPr/>
+          </a:p>
+          <a:p>
+            <a:pPr indent="0" lvl="0" marL="0" rtl="0" algn="ctr">
+              <a:spcBef>
+                <a:spcPts val="0"/>
+              </a:spcBef>
+              <a:spcAft>
+                <a:spcPts val="0"/>
+              </a:spcAft>
+              <a:buNone/>
+            </a:pPr>
+            <a:r>
+              <a:rPr lang="en" sz="4022"/>
+              <a:t>Life Expectancy</a:t>
+            </a:r>
+            <a:endParaRPr sz="4022"/>
+          </a:p>
+        </p:txBody>
+      </p:sp>
+      <p:sp>
+        <p:nvSpPr>
+          <p:cNvPr id="64" name="Google Shape;64;p14"/>
+          <p:cNvSpPr txBox="1"/>
+          <p:nvPr>
+            <p:ph idx="1" type="subTitle"/>
+          </p:nvPr>
+        </p:nvSpPr>
+        <p:spPr>
+          <a:xfrm>
+            <a:off x="344250" y="3550650"/>
+            <a:ext cx="4910100" cy="577800"/>
+          </a:xfrm>
+          <a:prstGeom prst="rect">
+            <a:avLst/>
+          </a:prstGeom>
+        </p:spPr>
+        <p:txBody>
+          <a:bodyPr anchorCtr="0" anchor="ctr" bIns="91425" lIns="91425" spcFirstLastPara="1" rIns="91425" wrap="square" tIns="91425">
+            <a:normAutofit/>
+          </a:bodyPr>
+          <a:lstStyle/>
+          <a:p>
+            <a:pPr indent="0" lvl="0" marL="0" rtl="0" algn="l">
+              <a:spcBef>
+                <a:spcPts val="0"/>
+              </a:spcBef>
+              <a:spcAft>
+                <a:spcPts val="0"/>
+              </a:spcAft>
+              <a:buNone/>
+            </a:pPr>
+            <a:r>
+              <a:rPr lang="en"/>
+              <a:t>Sunil &amp; Sreeram</a:t>
+            </a:r>
+            <a:endParaRPr/>
+          </a:p>
+        </p:txBody>
+      </p:sp>
+    </p:spTree>
+  </p:cSld>
+  <p:clrMapOvr>
+    <a:masterClrMapping/>
+  </p:clrMapOvr>
+</p:sld>
+</file>
+
+<file path=ppt/slides/slide20.xml><?xml version="1.0" encoding="utf-8"?>
+<p:sld xmlns:a="http://schemas.openxmlformats.org/drawingml/2006/main" xmlns:r="http://schemas.openxmlformats.org/officeDocument/2006/relationships" xmlns:mc="http://schemas.openxmlformats.org/markup-compatibility/2006" xmlns:mv="urn:schemas-microsoft-com:mac:vml" xmlns:p="http://schemas.openxmlformats.org/presentationml/2006/main" xmlns:c="http://schemas.openxmlformats.org/drawingml/2006/chart" xmlns:dgm="http://schemas.openxmlformats.org/drawingml/2006/diagram" xmlns:o="urn:schemas-microsoft-com:office:office" xmlns:v="urn:schemas-microsoft-com:vml" xmlns:pvml="urn:schemas-microsoft-com:office:powerpoint" xmlns:com="http://schemas.openxmlformats.org/drawingml/2006/compatibility" xmlns:p14="http://schemas.microsoft.com/office/powerpoint/2010/main" xmlns:p15="http://schemas.microsoft.com/office/powerpoint/2012/main" xmlns:ahyp="http://schemas.microsoft.com/office/drawing/2018/hyperlinkcolor">
+  <p:cSld>
+    <p:spTree>
+      <p:nvGrpSpPr>
+        <p:cNvPr id="183" name="Shape 183"/>
+        <p:cNvGrpSpPr/>
+        <p:nvPr/>
+      </p:nvGrpSpPr>
+      <p:grpSpPr>
+        <a:xfrm>
+          <a:off x="0" y="0"/>
+          <a:ext cx="0" cy="0"/>
+          <a:chOff x="0" y="0"/>
+          <a:chExt cx="0" cy="0"/>
+        </a:xfrm>
+      </p:grpSpPr>
+      <p:sp>
+        <p:nvSpPr>
+          <p:cNvPr id="184" name="Google Shape;184;p32"/>
           <p:cNvSpPr txBox="1"/>
           <p:nvPr>
             <p:ph type="title"/>
@@ -12818,7 +13089,7 @@
       </p:sp>
       <p:pic>
         <p:nvPicPr>
-          <p:cNvPr id="180" name="Google Shape;180;p31"/>
+          <p:cNvPr id="185" name="Google Shape;185;p32"/>
           <p:cNvPicPr preferRelativeResize="0"/>
           <p:nvPr/>
         </p:nvPicPr>
@@ -12852,12 +13123,12 @@
 </p:sld>
 </file>
 
-<file path=ppt/slides/slide2.xml><?xml version="1.0" encoding="utf-8"?>
+<file path=ppt/slides/slide21.xml><?xml version="1.0" encoding="utf-8"?>
 <p:sld xmlns:a="http://schemas.openxmlformats.org/drawingml/2006/main" xmlns:r="http://schemas.openxmlformats.org/officeDocument/2006/relationships" xmlns:mc="http://schemas.openxmlformats.org/markup-compatibility/2006" xmlns:mv="urn:schemas-microsoft-com:mac:vml" xmlns:p="http://schemas.openxmlformats.org/presentationml/2006/main" xmlns:c="http://schemas.openxmlformats.org/drawingml/2006/chart" xmlns:dgm="http://schemas.openxmlformats.org/drawingml/2006/diagram" xmlns:o="urn:schemas-microsoft-com:office:office" xmlns:v="urn:schemas-microsoft-com:vml" xmlns:pvml="urn:schemas-microsoft-com:office:powerpoint" xmlns:com="http://schemas.openxmlformats.org/drawingml/2006/compatibility" xmlns:p14="http://schemas.microsoft.com/office/powerpoint/2010/main" xmlns:p15="http://schemas.microsoft.com/office/powerpoint/2012/main" xmlns:ahyp="http://schemas.microsoft.com/office/drawing/2018/hyperlinkcolor">
   <p:cSld>
     <p:spTree>
       <p:nvGrpSpPr>
-        <p:cNvPr id="63" name="Shape 63"/>
+        <p:cNvPr id="189" name="Shape 189"/>
         <p:cNvGrpSpPr/>
         <p:nvPr/>
       </p:nvGrpSpPr>
@@ -12871,7 +13142,7 @@
       </p:grpSpPr>
       <p:sp>
         <p:nvSpPr>
-          <p:cNvPr id="64" name="Google Shape;64;p14"/>
+          <p:cNvPr id="190" name="Google Shape;190;p33"/>
           <p:cNvSpPr txBox="1"/>
           <p:nvPr>
             <p:ph type="title"/>
@@ -12902,116 +13173,6 @@
               <a:buNone/>
             </a:pPr>
             <a:r>
-              <a:rPr lang="en" sz="1800">
-                <a:solidFill>
-                  <a:schemeClr val="dk2"/>
-                </a:solidFill>
-              </a:rPr>
-              <a:t>Agenda</a:t>
-            </a:r>
-            <a:endParaRPr/>
-          </a:p>
-        </p:txBody>
-      </p:sp>
-      <p:sp>
-        <p:nvSpPr>
-          <p:cNvPr id="65" name="Google Shape;65;p14"/>
-          <p:cNvSpPr txBox="1"/>
-          <p:nvPr>
-            <p:ph idx="1" type="body"/>
-          </p:nvPr>
-        </p:nvSpPr>
-        <p:spPr>
-          <a:xfrm>
-            <a:off x="311700" y="1234075"/>
-            <a:ext cx="8520600" cy="3334800"/>
-          </a:xfrm>
-          <a:prstGeom prst="rect">
-            <a:avLst/>
-          </a:prstGeom>
-        </p:spPr>
-        <p:txBody>
-          <a:bodyPr anchorCtr="0" anchor="t" bIns="91425" lIns="91425" spcFirstLastPara="1" rIns="91425" wrap="square" tIns="91425">
-            <a:normAutofit/>
-          </a:bodyPr>
-          <a:lstStyle/>
-          <a:p>
-            <a:pPr indent="-342900" lvl="0" marL="457200" rtl="0" algn="l">
-              <a:spcBef>
-                <a:spcPts val="0"/>
-              </a:spcBef>
-              <a:spcAft>
-                <a:spcPts val="0"/>
-              </a:spcAft>
-              <a:buSzPts val="1800"/>
-              <a:buChar char="●"/>
-            </a:pPr>
-            <a:r>
-              <a:rPr lang="en"/>
-              <a:t>To create an automation to bring R square value for various methods.</a:t>
-            </a:r>
-            <a:endParaRPr/>
-          </a:p>
-        </p:txBody>
-      </p:sp>
-    </p:spTree>
-  </p:cSld>
-  <p:clrMapOvr>
-    <a:masterClrMapping/>
-  </p:clrMapOvr>
-</p:sld>
-</file>
-
-<file path=ppt/slides/slide20.xml><?xml version="1.0" encoding="utf-8"?>
-<p:sld xmlns:a="http://schemas.openxmlformats.org/drawingml/2006/main" xmlns:r="http://schemas.openxmlformats.org/officeDocument/2006/relationships" xmlns:mc="http://schemas.openxmlformats.org/markup-compatibility/2006" xmlns:mv="urn:schemas-microsoft-com:mac:vml" xmlns:p="http://schemas.openxmlformats.org/presentationml/2006/main" xmlns:c="http://schemas.openxmlformats.org/drawingml/2006/chart" xmlns:dgm="http://schemas.openxmlformats.org/drawingml/2006/diagram" xmlns:o="urn:schemas-microsoft-com:office:office" xmlns:v="urn:schemas-microsoft-com:vml" xmlns:pvml="urn:schemas-microsoft-com:office:powerpoint" xmlns:com="http://schemas.openxmlformats.org/drawingml/2006/compatibility" xmlns:p14="http://schemas.microsoft.com/office/powerpoint/2010/main" xmlns:p15="http://schemas.microsoft.com/office/powerpoint/2012/main" xmlns:ahyp="http://schemas.microsoft.com/office/drawing/2018/hyperlinkcolor">
-  <p:cSld>
-    <p:spTree>
-      <p:nvGrpSpPr>
-        <p:cNvPr id="184" name="Shape 184"/>
-        <p:cNvGrpSpPr/>
-        <p:nvPr/>
-      </p:nvGrpSpPr>
-      <p:grpSpPr>
-        <a:xfrm>
-          <a:off x="0" y="0"/>
-          <a:ext cx="0" cy="0"/>
-          <a:chOff x="0" y="0"/>
-          <a:chExt cx="0" cy="0"/>
-        </a:xfrm>
-      </p:grpSpPr>
-      <p:sp>
-        <p:nvSpPr>
-          <p:cNvPr id="185" name="Google Shape;185;p32"/>
-          <p:cNvSpPr txBox="1"/>
-          <p:nvPr>
-            <p:ph type="title"/>
-          </p:nvPr>
-        </p:nvSpPr>
-        <p:spPr>
-          <a:xfrm>
-            <a:off x="311700" y="445025"/>
-            <a:ext cx="8520600" cy="572700"/>
-          </a:xfrm>
-          <a:prstGeom prst="rect">
-            <a:avLst/>
-          </a:prstGeom>
-        </p:spPr>
-        <p:txBody>
-          <a:bodyPr anchorCtr="0" anchor="t" bIns="91425" lIns="91425" spcFirstLastPara="1" rIns="91425" wrap="square" tIns="91425">
-            <a:normAutofit fontScale="90000"/>
-          </a:bodyPr>
-          <a:lstStyle/>
-          <a:p>
-            <a:pPr indent="0" lvl="0" marL="0" rtl="0" algn="l">
-              <a:spcBef>
-                <a:spcPts val="0"/>
-              </a:spcBef>
-              <a:spcAft>
-                <a:spcPts val="0"/>
-              </a:spcAft>
-              <a:buNone/>
-            </a:pPr>
-            <a:r>
               <a:rPr lang="en"/>
               <a:t>6b. Important Methods</a:t>
             </a:r>
@@ -13021,7 +13182,7 @@
       </p:sp>
       <p:pic>
         <p:nvPicPr>
-          <p:cNvPr id="186" name="Google Shape;186;p32"/>
+          <p:cNvPr id="191" name="Google Shape;191;p33"/>
           <p:cNvPicPr preferRelativeResize="0"/>
           <p:nvPr/>
         </p:nvPicPr>
@@ -13055,12 +13216,12 @@
 </p:sld>
 </file>
 
-<file path=ppt/slides/slide21.xml><?xml version="1.0" encoding="utf-8"?>
+<file path=ppt/slides/slide22.xml><?xml version="1.0" encoding="utf-8"?>
 <p:sld xmlns:a="http://schemas.openxmlformats.org/drawingml/2006/main" xmlns:r="http://schemas.openxmlformats.org/officeDocument/2006/relationships" xmlns:mc="http://schemas.openxmlformats.org/markup-compatibility/2006" xmlns:mv="urn:schemas-microsoft-com:mac:vml" xmlns:p="http://schemas.openxmlformats.org/presentationml/2006/main" xmlns:c="http://schemas.openxmlformats.org/drawingml/2006/chart" xmlns:dgm="http://schemas.openxmlformats.org/drawingml/2006/diagram" xmlns:o="urn:schemas-microsoft-com:office:office" xmlns:v="urn:schemas-microsoft-com:vml" xmlns:pvml="urn:schemas-microsoft-com:office:powerpoint" xmlns:com="http://schemas.openxmlformats.org/drawingml/2006/compatibility" xmlns:p14="http://schemas.microsoft.com/office/powerpoint/2010/main" xmlns:p15="http://schemas.microsoft.com/office/powerpoint/2012/main" xmlns:ahyp="http://schemas.microsoft.com/office/drawing/2018/hyperlinkcolor">
   <p:cSld>
     <p:spTree>
       <p:nvGrpSpPr>
-        <p:cNvPr id="190" name="Shape 190"/>
+        <p:cNvPr id="195" name="Shape 195"/>
         <p:cNvGrpSpPr/>
         <p:nvPr/>
       </p:nvGrpSpPr>
@@ -13074,7 +13235,7 @@
       </p:grpSpPr>
       <p:sp>
         <p:nvSpPr>
-          <p:cNvPr id="191" name="Google Shape;191;p33"/>
+          <p:cNvPr id="196" name="Google Shape;196;p34"/>
           <p:cNvSpPr txBox="1"/>
           <p:nvPr>
             <p:ph type="title"/>
@@ -13114,7 +13275,7 @@
       </p:sp>
       <p:pic>
         <p:nvPicPr>
-          <p:cNvPr id="192" name="Google Shape;192;p33"/>
+          <p:cNvPr id="197" name="Google Shape;197;p34"/>
           <p:cNvPicPr preferRelativeResize="0"/>
           <p:nvPr/>
         </p:nvPicPr>
@@ -13130,59 +13291,6 @@
           <a:xfrm>
             <a:off x="352275" y="1158650"/>
             <a:ext cx="8228048" cy="3374200"/>
-          </a:xfrm>
-          <a:prstGeom prst="rect">
-            <a:avLst/>
-          </a:prstGeom>
-          <a:noFill/>
-          <a:ln>
-            <a:noFill/>
-          </a:ln>
-        </p:spPr>
-      </p:pic>
-    </p:spTree>
-  </p:cSld>
-  <p:clrMapOvr>
-    <a:masterClrMapping/>
-  </p:clrMapOvr>
-</p:sld>
-</file>
-
-<file path=ppt/slides/slide22.xml><?xml version="1.0" encoding="utf-8"?>
-<p:sld xmlns:a="http://schemas.openxmlformats.org/drawingml/2006/main" xmlns:r="http://schemas.openxmlformats.org/officeDocument/2006/relationships" xmlns:mc="http://schemas.openxmlformats.org/markup-compatibility/2006" xmlns:mv="urn:schemas-microsoft-com:mac:vml" xmlns:p="http://schemas.openxmlformats.org/presentationml/2006/main" xmlns:c="http://schemas.openxmlformats.org/drawingml/2006/chart" xmlns:dgm="http://schemas.openxmlformats.org/drawingml/2006/diagram" xmlns:o="urn:schemas-microsoft-com:office:office" xmlns:v="urn:schemas-microsoft-com:vml" xmlns:pvml="urn:schemas-microsoft-com:office:powerpoint" xmlns:com="http://schemas.openxmlformats.org/drawingml/2006/compatibility" xmlns:p14="http://schemas.microsoft.com/office/powerpoint/2010/main" xmlns:p15="http://schemas.microsoft.com/office/powerpoint/2012/main" xmlns:ahyp="http://schemas.microsoft.com/office/drawing/2018/hyperlinkcolor">
-  <p:cSld>
-    <p:spTree>
-      <p:nvGrpSpPr>
-        <p:cNvPr id="196" name="Shape 196"/>
-        <p:cNvGrpSpPr/>
-        <p:nvPr/>
-      </p:nvGrpSpPr>
-      <p:grpSpPr>
-        <a:xfrm>
-          <a:off x="0" y="0"/>
-          <a:ext cx="0" cy="0"/>
-          <a:chOff x="0" y="0"/>
-          <a:chExt cx="0" cy="0"/>
-        </a:xfrm>
-      </p:grpSpPr>
-      <p:pic>
-        <p:nvPicPr>
-          <p:cNvPr id="197" name="Google Shape;197;p34"/>
-          <p:cNvPicPr preferRelativeResize="0"/>
-          <p:nvPr/>
-        </p:nvPicPr>
-        <p:blipFill>
-          <a:blip r:embed="rId3">
-            <a:alphaModFix/>
-          </a:blip>
-          <a:stretch>
-            <a:fillRect/>
-          </a:stretch>
-        </p:blipFill>
-        <p:spPr>
-          <a:xfrm>
-            <a:off x="157725" y="136775"/>
-            <a:ext cx="8898449" cy="4920601"/>
           </a:xfrm>
           <a:prstGeom prst="rect">
             <a:avLst/>
@@ -13234,6 +13342,59 @@
         </p:blipFill>
         <p:spPr>
           <a:xfrm>
+            <a:off x="157725" y="136775"/>
+            <a:ext cx="8898449" cy="4920601"/>
+          </a:xfrm>
+          <a:prstGeom prst="rect">
+            <a:avLst/>
+          </a:prstGeom>
+          <a:noFill/>
+          <a:ln>
+            <a:noFill/>
+          </a:ln>
+        </p:spPr>
+      </p:pic>
+    </p:spTree>
+  </p:cSld>
+  <p:clrMapOvr>
+    <a:masterClrMapping/>
+  </p:clrMapOvr>
+</p:sld>
+</file>
+
+<file path=ppt/slides/slide24.xml><?xml version="1.0" encoding="utf-8"?>
+<p:sld xmlns:a="http://schemas.openxmlformats.org/drawingml/2006/main" xmlns:r="http://schemas.openxmlformats.org/officeDocument/2006/relationships" xmlns:mc="http://schemas.openxmlformats.org/markup-compatibility/2006" xmlns:mv="urn:schemas-microsoft-com:mac:vml" xmlns:p="http://schemas.openxmlformats.org/presentationml/2006/main" xmlns:c="http://schemas.openxmlformats.org/drawingml/2006/chart" xmlns:dgm="http://schemas.openxmlformats.org/drawingml/2006/diagram" xmlns:o="urn:schemas-microsoft-com:office:office" xmlns:v="urn:schemas-microsoft-com:vml" xmlns:pvml="urn:schemas-microsoft-com:office:powerpoint" xmlns:com="http://schemas.openxmlformats.org/drawingml/2006/compatibility" xmlns:p14="http://schemas.microsoft.com/office/powerpoint/2010/main" xmlns:p15="http://schemas.microsoft.com/office/powerpoint/2012/main" xmlns:ahyp="http://schemas.microsoft.com/office/drawing/2018/hyperlinkcolor">
+  <p:cSld>
+    <p:spTree>
+      <p:nvGrpSpPr>
+        <p:cNvPr id="206" name="Shape 206"/>
+        <p:cNvGrpSpPr/>
+        <p:nvPr/>
+      </p:nvGrpSpPr>
+      <p:grpSpPr>
+        <a:xfrm>
+          <a:off x="0" y="0"/>
+          <a:ext cx="0" cy="0"/>
+          <a:chOff x="0" y="0"/>
+          <a:chExt cx="0" cy="0"/>
+        </a:xfrm>
+      </p:grpSpPr>
+      <p:pic>
+        <p:nvPicPr>
+          <p:cNvPr id="207" name="Google Shape;207;p36"/>
+          <p:cNvPicPr preferRelativeResize="0"/>
+          <p:nvPr/>
+        </p:nvPicPr>
+        <p:blipFill>
+          <a:blip r:embed="rId3">
+            <a:alphaModFix/>
+          </a:blip>
+          <a:stretch>
+            <a:fillRect/>
+          </a:stretch>
+        </p:blipFill>
+        <p:spPr>
+          <a:xfrm>
             <a:off x="0" y="198223"/>
             <a:ext cx="9144003" cy="4889005"/>
           </a:xfrm>
@@ -13248,7 +13409,7 @@
       </p:pic>
       <p:sp>
         <p:nvSpPr>
-          <p:cNvPr id="203" name="Google Shape;203;p35"/>
+          <p:cNvPr id="208" name="Google Shape;208;p36"/>
           <p:cNvSpPr/>
           <p:nvPr/>
         </p:nvSpPr>
@@ -13297,14 +13458,14 @@
       </p:sp>
       <p:sp>
         <p:nvSpPr>
-          <p:cNvPr id="204" name="Google Shape;204;p35"/>
+          <p:cNvPr id="209" name="Google Shape;209;p36"/>
           <p:cNvSpPr/>
           <p:nvPr/>
         </p:nvSpPr>
         <p:spPr>
           <a:xfrm>
-            <a:off x="2653950" y="1858800"/>
-            <a:ext cx="6040200" cy="857700"/>
+            <a:off x="2653950" y="1881359"/>
+            <a:ext cx="6040200" cy="812700"/>
           </a:xfrm>
           <a:prstGeom prst="roundRect">
             <a:avLst>
@@ -13346,14 +13507,14 @@
       </p:sp>
       <p:sp>
         <p:nvSpPr>
-          <p:cNvPr id="205" name="Google Shape;205;p35"/>
+          <p:cNvPr id="210" name="Google Shape;210;p36"/>
           <p:cNvSpPr/>
           <p:nvPr/>
         </p:nvSpPr>
         <p:spPr>
           <a:xfrm>
             <a:off x="2653950" y="2671575"/>
-            <a:ext cx="6040200" cy="1100400"/>
+            <a:ext cx="6040200" cy="1031100"/>
           </a:xfrm>
           <a:prstGeom prst="roundRect">
             <a:avLst>
@@ -13395,13 +13556,13 @@
       </p:sp>
       <p:sp>
         <p:nvSpPr>
-          <p:cNvPr id="206" name="Google Shape;206;p35"/>
+          <p:cNvPr id="211" name="Google Shape;211;p36"/>
           <p:cNvSpPr/>
           <p:nvPr/>
         </p:nvSpPr>
         <p:spPr>
           <a:xfrm>
-            <a:off x="2653950" y="3702800"/>
+            <a:off x="2653950" y="3702675"/>
             <a:ext cx="6040200" cy="1100400"/>
           </a:xfrm>
           <a:prstGeom prst="roundRect">
@@ -13481,7 +13642,7 @@
                                           </p:stCondLst>
                                         </p:cTn>
                                         <p:tgtEl>
-                                          <p:spTgt spid="203"/>
+                                          <p:spTgt spid="208"/>
                                         </p:tgtEl>
                                         <p:attrNameLst>
                                           <p:attrName>style.visibility</p:attrName>
@@ -13526,7 +13687,7 @@
                                           </p:stCondLst>
                                         </p:cTn>
                                         <p:tgtEl>
-                                          <p:spTgt spid="203"/>
+                                          <p:spTgt spid="208"/>
                                         </p:tgtEl>
                                         <p:attrNameLst>
                                           <p:attrName>style.visibility</p:attrName>
@@ -13562,7 +13723,7 @@
                                           </p:stCondLst>
                                         </p:cTn>
                                         <p:tgtEl>
-                                          <p:spTgt spid="204"/>
+                                          <p:spTgt spid="209"/>
                                         </p:tgtEl>
                                         <p:attrNameLst>
                                           <p:attrName>style.visibility</p:attrName>
@@ -13607,7 +13768,7 @@
                                           </p:stCondLst>
                                         </p:cTn>
                                         <p:tgtEl>
-                                          <p:spTgt spid="204"/>
+                                          <p:spTgt spid="209"/>
                                         </p:tgtEl>
                                         <p:attrNameLst>
                                           <p:attrName>style.visibility</p:attrName>
@@ -13643,7 +13804,7 @@
                                           </p:stCondLst>
                                         </p:cTn>
                                         <p:tgtEl>
-                                          <p:spTgt spid="205"/>
+                                          <p:spTgt spid="210"/>
                                         </p:tgtEl>
                                         <p:attrNameLst>
                                           <p:attrName>style.visibility</p:attrName>
@@ -13688,7 +13849,7 @@
                                           </p:stCondLst>
                                         </p:cTn>
                                         <p:tgtEl>
-                                          <p:spTgt spid="205"/>
+                                          <p:spTgt spid="210"/>
                                         </p:tgtEl>
                                         <p:attrNameLst>
                                           <p:attrName>style.visibility</p:attrName>
@@ -13724,7 +13885,7 @@
                                           </p:stCondLst>
                                         </p:cTn>
                                         <p:tgtEl>
-                                          <p:spTgt spid="206"/>
+                                          <p:spTgt spid="211"/>
                                         </p:tgtEl>
                                         <p:attrNameLst>
                                           <p:attrName>style.visibility</p:attrName>
@@ -13769,7 +13930,7 @@
                                           </p:stCondLst>
                                         </p:cTn>
                                         <p:tgtEl>
-                                          <p:spTgt spid="206"/>
+                                          <p:spTgt spid="211"/>
                                         </p:tgtEl>
                                         <p:attrNameLst>
                                           <p:attrName>style.visibility</p:attrName>
@@ -13813,12 +13974,12 @@
 </p:sld>
 </file>
 
-<file path=ppt/slides/slide24.xml><?xml version="1.0" encoding="utf-8"?>
+<file path=ppt/slides/slide25.xml><?xml version="1.0" encoding="utf-8"?>
 <p:sld xmlns:a="http://schemas.openxmlformats.org/drawingml/2006/main" xmlns:r="http://schemas.openxmlformats.org/officeDocument/2006/relationships" xmlns:mc="http://schemas.openxmlformats.org/markup-compatibility/2006" xmlns:mv="urn:schemas-microsoft-com:mac:vml" xmlns:p="http://schemas.openxmlformats.org/presentationml/2006/main" xmlns:c="http://schemas.openxmlformats.org/drawingml/2006/chart" xmlns:dgm="http://schemas.openxmlformats.org/drawingml/2006/diagram" xmlns:o="urn:schemas-microsoft-com:office:office" xmlns:v="urn:schemas-microsoft-com:vml" xmlns:pvml="urn:schemas-microsoft-com:office:powerpoint" xmlns:com="http://schemas.openxmlformats.org/drawingml/2006/compatibility" xmlns:p14="http://schemas.microsoft.com/office/powerpoint/2010/main" xmlns:p15="http://schemas.microsoft.com/office/powerpoint/2012/main" xmlns:ahyp="http://schemas.microsoft.com/office/drawing/2018/hyperlinkcolor">
   <p:cSld>
     <p:spTree>
       <p:nvGrpSpPr>
-        <p:cNvPr id="210" name="Shape 210"/>
+        <p:cNvPr id="215" name="Shape 215"/>
         <p:cNvGrpSpPr/>
         <p:nvPr/>
       </p:nvGrpSpPr>
@@ -13832,7 +13993,7 @@
       </p:grpSpPr>
       <p:pic>
         <p:nvPicPr>
-          <p:cNvPr id="211" name="Google Shape;211;p36"/>
+          <p:cNvPr id="216" name="Google Shape;216;p37"/>
           <p:cNvPicPr preferRelativeResize="0"/>
           <p:nvPr/>
         </p:nvPicPr>
@@ -13866,12 +14027,12 @@
 </p:sld>
 </file>
 
-<file path=ppt/slides/slide25.xml><?xml version="1.0" encoding="utf-8"?>
+<file path=ppt/slides/slide26.xml><?xml version="1.0" encoding="utf-8"?>
 <p:sld xmlns:a="http://schemas.openxmlformats.org/drawingml/2006/main" xmlns:r="http://schemas.openxmlformats.org/officeDocument/2006/relationships" xmlns:mc="http://schemas.openxmlformats.org/markup-compatibility/2006" xmlns:mv="urn:schemas-microsoft-com:mac:vml" xmlns:p="http://schemas.openxmlformats.org/presentationml/2006/main" xmlns:c="http://schemas.openxmlformats.org/drawingml/2006/chart" xmlns:dgm="http://schemas.openxmlformats.org/drawingml/2006/diagram" xmlns:o="urn:schemas-microsoft-com:office:office" xmlns:v="urn:schemas-microsoft-com:vml" xmlns:pvml="urn:schemas-microsoft-com:office:powerpoint" xmlns:com="http://schemas.openxmlformats.org/drawingml/2006/compatibility" xmlns:p14="http://schemas.microsoft.com/office/powerpoint/2010/main" xmlns:p15="http://schemas.microsoft.com/office/powerpoint/2012/main" xmlns:ahyp="http://schemas.microsoft.com/office/drawing/2018/hyperlinkcolor">
   <p:cSld>
     <p:spTree>
       <p:nvGrpSpPr>
-        <p:cNvPr id="215" name="Shape 215"/>
+        <p:cNvPr id="220" name="Shape 220"/>
         <p:cNvGrpSpPr/>
         <p:nvPr/>
       </p:nvGrpSpPr>
@@ -13885,7 +14046,7 @@
       </p:grpSpPr>
       <p:sp>
         <p:nvSpPr>
-          <p:cNvPr id="216" name="Google Shape;216;p37"/>
+          <p:cNvPr id="221" name="Google Shape;221;p38"/>
           <p:cNvSpPr txBox="1"/>
           <p:nvPr>
             <p:ph type="title"/>
@@ -13925,7 +14086,7 @@
       </p:sp>
       <p:sp>
         <p:nvSpPr>
-          <p:cNvPr id="217" name="Google Shape;217;p37"/>
+          <p:cNvPr id="222" name="Google Shape;222;p38"/>
           <p:cNvSpPr txBox="1"/>
           <p:nvPr>
             <p:ph idx="1" type="body"/>
@@ -13964,7 +14125,7 @@
       </p:sp>
       <p:pic>
         <p:nvPicPr>
-          <p:cNvPr id="218" name="Google Shape;218;p37"/>
+          <p:cNvPr id="223" name="Google Shape;223;p38"/>
           <p:cNvPicPr preferRelativeResize="0"/>
           <p:nvPr/>
         </p:nvPicPr>
@@ -13998,12 +14159,12 @@
 </p:sld>
 </file>
 
-<file path=ppt/slides/slide26.xml><?xml version="1.0" encoding="utf-8"?>
+<file path=ppt/slides/slide27.xml><?xml version="1.0" encoding="utf-8"?>
 <p:sld xmlns:a="http://schemas.openxmlformats.org/drawingml/2006/main" xmlns:r="http://schemas.openxmlformats.org/officeDocument/2006/relationships" xmlns:mc="http://schemas.openxmlformats.org/markup-compatibility/2006" xmlns:mv="urn:schemas-microsoft-com:mac:vml" xmlns:p="http://schemas.openxmlformats.org/presentationml/2006/main" xmlns:c="http://schemas.openxmlformats.org/drawingml/2006/chart" xmlns:dgm="http://schemas.openxmlformats.org/drawingml/2006/diagram" xmlns:o="urn:schemas-microsoft-com:office:office" xmlns:v="urn:schemas-microsoft-com:vml" xmlns:pvml="urn:schemas-microsoft-com:office:powerpoint" xmlns:com="http://schemas.openxmlformats.org/drawingml/2006/compatibility" xmlns:p14="http://schemas.microsoft.com/office/powerpoint/2010/main" xmlns:p15="http://schemas.microsoft.com/office/powerpoint/2012/main" xmlns:ahyp="http://schemas.microsoft.com/office/drawing/2018/hyperlinkcolor">
   <p:cSld>
     <p:spTree>
       <p:nvGrpSpPr>
-        <p:cNvPr id="222" name="Shape 222"/>
+        <p:cNvPr id="227" name="Shape 227"/>
         <p:cNvGrpSpPr/>
         <p:nvPr/>
       </p:nvGrpSpPr>
@@ -14017,7 +14178,72 @@
       </p:grpSpPr>
       <p:sp>
         <p:nvSpPr>
-          <p:cNvPr id="223" name="Google Shape;223;p38"/>
+          <p:cNvPr id="228" name="Google Shape;228;p39"/>
+          <p:cNvSpPr txBox="1"/>
+          <p:nvPr>
+            <p:ph type="title"/>
+          </p:nvPr>
+        </p:nvSpPr>
+        <p:spPr>
+          <a:xfrm>
+            <a:off x="344250" y="1403850"/>
+            <a:ext cx="8455500" cy="2146800"/>
+          </a:xfrm>
+          <a:prstGeom prst="rect">
+            <a:avLst/>
+          </a:prstGeom>
+        </p:spPr>
+        <p:txBody>
+          <a:bodyPr anchorCtr="0" anchor="ctr" bIns="91425" lIns="91425" spcFirstLastPara="1" rIns="91425" wrap="square" tIns="91425">
+            <a:normAutofit/>
+          </a:bodyPr>
+          <a:lstStyle/>
+          <a:p>
+            <a:pPr indent="0" lvl="0" marL="0" rtl="0" algn="ctr">
+              <a:spcBef>
+                <a:spcPts val="0"/>
+              </a:spcBef>
+              <a:spcAft>
+                <a:spcPts val="0"/>
+              </a:spcAft>
+              <a:buNone/>
+            </a:pPr>
+            <a:r>
+              <a:rPr lang="en"/>
+              <a:t>DEMO</a:t>
+            </a:r>
+            <a:endParaRPr/>
+          </a:p>
+        </p:txBody>
+      </p:sp>
+    </p:spTree>
+  </p:cSld>
+  <p:clrMapOvr>
+    <a:masterClrMapping/>
+  </p:clrMapOvr>
+</p:sld>
+</file>
+
+<file path=ppt/slides/slide28.xml><?xml version="1.0" encoding="utf-8"?>
+<p:sld xmlns:a="http://schemas.openxmlformats.org/drawingml/2006/main" xmlns:r="http://schemas.openxmlformats.org/officeDocument/2006/relationships" xmlns:mc="http://schemas.openxmlformats.org/markup-compatibility/2006" xmlns:mv="urn:schemas-microsoft-com:mac:vml" xmlns:p="http://schemas.openxmlformats.org/presentationml/2006/main" xmlns:c="http://schemas.openxmlformats.org/drawingml/2006/chart" xmlns:dgm="http://schemas.openxmlformats.org/drawingml/2006/diagram" xmlns:o="urn:schemas-microsoft-com:office:office" xmlns:v="urn:schemas-microsoft-com:vml" xmlns:pvml="urn:schemas-microsoft-com:office:powerpoint" xmlns:com="http://schemas.openxmlformats.org/drawingml/2006/compatibility" xmlns:p14="http://schemas.microsoft.com/office/powerpoint/2010/main" xmlns:p15="http://schemas.microsoft.com/office/powerpoint/2012/main" xmlns:ahyp="http://schemas.microsoft.com/office/drawing/2018/hyperlinkcolor">
+  <p:cSld>
+    <p:spTree>
+      <p:nvGrpSpPr>
+        <p:cNvPr id="232" name="Shape 232"/>
+        <p:cNvGrpSpPr/>
+        <p:nvPr/>
+      </p:nvGrpSpPr>
+      <p:grpSpPr>
+        <a:xfrm>
+          <a:off x="0" y="0"/>
+          <a:ext cx="0" cy="0"/>
+          <a:chOff x="0" y="0"/>
+          <a:chExt cx="0" cy="0"/>
+        </a:xfrm>
+      </p:grpSpPr>
+      <p:sp>
+        <p:nvSpPr>
+          <p:cNvPr id="233" name="Google Shape;233;p40"/>
           <p:cNvSpPr txBox="1"/>
           <p:nvPr>
             <p:ph type="title"/>
@@ -14057,7 +14283,7 @@
       </p:sp>
       <p:sp>
         <p:nvSpPr>
-          <p:cNvPr id="224" name="Google Shape;224;p38"/>
+          <p:cNvPr id="234" name="Google Shape;234;p40"/>
           <p:cNvSpPr txBox="1"/>
           <p:nvPr>
             <p:ph idx="1" type="body"/>
@@ -14172,12 +14398,12 @@
 </p:sld>
 </file>
 
-<file path=ppt/slides/slide27.xml><?xml version="1.0" encoding="utf-8"?>
+<file path=ppt/slides/slide29.xml><?xml version="1.0" encoding="utf-8"?>
 <p:sld xmlns:a="http://schemas.openxmlformats.org/drawingml/2006/main" xmlns:r="http://schemas.openxmlformats.org/officeDocument/2006/relationships" xmlns:mc="http://schemas.openxmlformats.org/markup-compatibility/2006" xmlns:mv="urn:schemas-microsoft-com:mac:vml" xmlns:p="http://schemas.openxmlformats.org/presentationml/2006/main" xmlns:c="http://schemas.openxmlformats.org/drawingml/2006/chart" xmlns:dgm="http://schemas.openxmlformats.org/drawingml/2006/diagram" xmlns:o="urn:schemas-microsoft-com:office:office" xmlns:v="urn:schemas-microsoft-com:vml" xmlns:pvml="urn:schemas-microsoft-com:office:powerpoint" xmlns:com="http://schemas.openxmlformats.org/drawingml/2006/compatibility" xmlns:p14="http://schemas.microsoft.com/office/powerpoint/2010/main" xmlns:p15="http://schemas.microsoft.com/office/powerpoint/2012/main" xmlns:ahyp="http://schemas.microsoft.com/office/drawing/2018/hyperlinkcolor">
   <p:cSld>
     <p:spTree>
       <p:nvGrpSpPr>
-        <p:cNvPr id="228" name="Shape 228"/>
+        <p:cNvPr id="238" name="Shape 238"/>
         <p:cNvGrpSpPr/>
         <p:nvPr/>
       </p:nvGrpSpPr>
@@ -14191,7 +14417,7 @@
       </p:grpSpPr>
       <p:sp>
         <p:nvSpPr>
-          <p:cNvPr id="229" name="Google Shape;229;p39"/>
+          <p:cNvPr id="239" name="Google Shape;239;p41"/>
           <p:cNvSpPr txBox="1"/>
           <p:nvPr>
             <p:ph type="title"/>
@@ -14231,7 +14457,7 @@
       </p:sp>
       <p:sp>
         <p:nvSpPr>
-          <p:cNvPr id="230" name="Google Shape;230;p39"/>
+          <p:cNvPr id="240" name="Google Shape;240;p41"/>
           <p:cNvSpPr txBox="1"/>
           <p:nvPr>
             <p:ph idx="1" type="body"/>
@@ -14356,12 +14582,12 @@
 </p:sld>
 </file>
 
-<file path=ppt/slides/slide28.xml><?xml version="1.0" encoding="utf-8"?>
+<file path=ppt/slides/slide3.xml><?xml version="1.0" encoding="utf-8"?>
 <p:sld xmlns:a="http://schemas.openxmlformats.org/drawingml/2006/main" xmlns:r="http://schemas.openxmlformats.org/officeDocument/2006/relationships" xmlns:mc="http://schemas.openxmlformats.org/markup-compatibility/2006" xmlns:mv="urn:schemas-microsoft-com:mac:vml" xmlns:p="http://schemas.openxmlformats.org/presentationml/2006/main" xmlns:c="http://schemas.openxmlformats.org/drawingml/2006/chart" xmlns:dgm="http://schemas.openxmlformats.org/drawingml/2006/diagram" xmlns:o="urn:schemas-microsoft-com:office:office" xmlns:v="urn:schemas-microsoft-com:vml" xmlns:pvml="urn:schemas-microsoft-com:office:powerpoint" xmlns:com="http://schemas.openxmlformats.org/drawingml/2006/compatibility" xmlns:p14="http://schemas.microsoft.com/office/powerpoint/2010/main" xmlns:p15="http://schemas.microsoft.com/office/powerpoint/2012/main" xmlns:ahyp="http://schemas.microsoft.com/office/drawing/2018/hyperlinkcolor">
   <p:cSld>
     <p:spTree>
       <p:nvGrpSpPr>
-        <p:cNvPr id="234" name="Shape 234"/>
+        <p:cNvPr id="68" name="Shape 68"/>
         <p:cNvGrpSpPr/>
         <p:nvPr/>
       </p:nvGrpSpPr>
@@ -14375,7 +14601,118 @@
       </p:grpSpPr>
       <p:sp>
         <p:nvSpPr>
-          <p:cNvPr id="235" name="Google Shape;235;p40"/>
+          <p:cNvPr id="69" name="Google Shape;69;p15"/>
+          <p:cNvSpPr txBox="1"/>
+          <p:nvPr>
+            <p:ph type="title"/>
+          </p:nvPr>
+        </p:nvSpPr>
+        <p:spPr>
+          <a:xfrm>
+            <a:off x="311700" y="445025"/>
+            <a:ext cx="8520600" cy="572700"/>
+          </a:xfrm>
+          <a:prstGeom prst="rect">
+            <a:avLst/>
+          </a:prstGeom>
+        </p:spPr>
+        <p:txBody>
+          <a:bodyPr anchorCtr="0" anchor="t" bIns="91425" lIns="91425" spcFirstLastPara="1" rIns="91425" wrap="square" tIns="91425">
+            <a:noAutofit/>
+          </a:bodyPr>
+          <a:lstStyle/>
+          <a:p>
+            <a:pPr indent="0" lvl="0" marL="0" rtl="0" algn="l">
+              <a:spcBef>
+                <a:spcPts val="0"/>
+              </a:spcBef>
+              <a:spcAft>
+                <a:spcPts val="0"/>
+              </a:spcAft>
+              <a:buSzPts val="990"/>
+              <a:buNone/>
+            </a:pPr>
+            <a:r>
+              <a:rPr lang="en" sz="2720">
+                <a:solidFill>
+                  <a:schemeClr val="dk2"/>
+                </a:solidFill>
+              </a:rPr>
+              <a:t>Agenda</a:t>
+            </a:r>
+            <a:endParaRPr sz="3800"/>
+          </a:p>
+        </p:txBody>
+      </p:sp>
+      <p:sp>
+        <p:nvSpPr>
+          <p:cNvPr id="70" name="Google Shape;70;p15"/>
+          <p:cNvSpPr txBox="1"/>
+          <p:nvPr>
+            <p:ph idx="1" type="body"/>
+          </p:nvPr>
+        </p:nvSpPr>
+        <p:spPr>
+          <a:xfrm>
+            <a:off x="311700" y="1234075"/>
+            <a:ext cx="8520600" cy="3334800"/>
+          </a:xfrm>
+          <a:prstGeom prst="rect">
+            <a:avLst/>
+          </a:prstGeom>
+        </p:spPr>
+        <p:txBody>
+          <a:bodyPr anchorCtr="0" anchor="t" bIns="91425" lIns="91425" spcFirstLastPara="1" rIns="91425" wrap="square" tIns="91425">
+            <a:normAutofit/>
+          </a:bodyPr>
+          <a:lstStyle/>
+          <a:p>
+            <a:pPr indent="-342900" lvl="0" marL="457200" rtl="0" algn="l">
+              <a:spcBef>
+                <a:spcPts val="0"/>
+              </a:spcBef>
+              <a:spcAft>
+                <a:spcPts val="0"/>
+              </a:spcAft>
+              <a:buSzPts val="1800"/>
+              <a:buChar char="●"/>
+            </a:pPr>
+            <a:r>
+              <a:rPr lang="en"/>
+              <a:t>To write/create an automation to bring R square value for various methods and understand different parameters and their effects.</a:t>
+            </a:r>
+            <a:endParaRPr/>
+          </a:p>
+        </p:txBody>
+      </p:sp>
+    </p:spTree>
+  </p:cSld>
+  <p:clrMapOvr>
+    <a:masterClrMapping/>
+  </p:clrMapOvr>
+</p:sld>
+</file>
+
+<file path=ppt/slides/slide30.xml><?xml version="1.0" encoding="utf-8"?>
+<p:sld xmlns:a="http://schemas.openxmlformats.org/drawingml/2006/main" xmlns:r="http://schemas.openxmlformats.org/officeDocument/2006/relationships" xmlns:mc="http://schemas.openxmlformats.org/markup-compatibility/2006" xmlns:mv="urn:schemas-microsoft-com:mac:vml" xmlns:p="http://schemas.openxmlformats.org/presentationml/2006/main" xmlns:c="http://schemas.openxmlformats.org/drawingml/2006/chart" xmlns:dgm="http://schemas.openxmlformats.org/drawingml/2006/diagram" xmlns:o="urn:schemas-microsoft-com:office:office" xmlns:v="urn:schemas-microsoft-com:vml" xmlns:pvml="urn:schemas-microsoft-com:office:powerpoint" xmlns:com="http://schemas.openxmlformats.org/drawingml/2006/compatibility" xmlns:p14="http://schemas.microsoft.com/office/powerpoint/2010/main" xmlns:p15="http://schemas.microsoft.com/office/powerpoint/2012/main" xmlns:ahyp="http://schemas.microsoft.com/office/drawing/2018/hyperlinkcolor">
+  <p:cSld>
+    <p:spTree>
+      <p:nvGrpSpPr>
+        <p:cNvPr id="244" name="Shape 244"/>
+        <p:cNvGrpSpPr/>
+        <p:nvPr/>
+      </p:nvGrpSpPr>
+      <p:grpSpPr>
+        <a:xfrm>
+          <a:off x="0" y="0"/>
+          <a:ext cx="0" cy="0"/>
+          <a:chOff x="0" y="0"/>
+          <a:chExt cx="0" cy="0"/>
+        </a:xfrm>
+      </p:grpSpPr>
+      <p:sp>
+        <p:nvSpPr>
+          <p:cNvPr id="245" name="Google Shape;245;p42"/>
           <p:cNvSpPr txBox="1"/>
           <p:nvPr>
             <p:ph type="title"/>
@@ -14407,7 +14744,7 @@
             </a:pPr>
             <a:r>
               <a:rPr lang="en"/>
-              <a:t>THANK YOU</a:t>
+              <a:t>Q&amp;A</a:t>
             </a:r>
             <a:endParaRPr/>
           </a:p>
@@ -14421,12 +14758,12 @@
 </p:sld>
 </file>
 
-<file path=ppt/slides/slide29.xml><?xml version="1.0" encoding="utf-8"?>
+<file path=ppt/slides/slide4.xml><?xml version="1.0" encoding="utf-8"?>
 <p:sld xmlns:a="http://schemas.openxmlformats.org/drawingml/2006/main" xmlns:r="http://schemas.openxmlformats.org/officeDocument/2006/relationships" xmlns:mc="http://schemas.openxmlformats.org/markup-compatibility/2006" xmlns:mv="urn:schemas-microsoft-com:mac:vml" xmlns:p="http://schemas.openxmlformats.org/presentationml/2006/main" xmlns:c="http://schemas.openxmlformats.org/drawingml/2006/chart" xmlns:dgm="http://schemas.openxmlformats.org/drawingml/2006/diagram" xmlns:o="urn:schemas-microsoft-com:office:office" xmlns:v="urn:schemas-microsoft-com:vml" xmlns:pvml="urn:schemas-microsoft-com:office:powerpoint" xmlns:com="http://schemas.openxmlformats.org/drawingml/2006/compatibility" xmlns:p14="http://schemas.microsoft.com/office/powerpoint/2010/main" xmlns:p15="http://schemas.microsoft.com/office/powerpoint/2012/main" xmlns:ahyp="http://schemas.microsoft.com/office/drawing/2018/hyperlinkcolor">
   <p:cSld>
     <p:spTree>
       <p:nvGrpSpPr>
-        <p:cNvPr id="239" name="Shape 239"/>
+        <p:cNvPr id="74" name="Shape 74"/>
         <p:cNvGrpSpPr/>
         <p:nvPr/>
       </p:nvGrpSpPr>
@@ -14440,7 +14777,7 @@
       </p:grpSpPr>
       <p:sp>
         <p:nvSpPr>
-          <p:cNvPr id="240" name="Google Shape;240;p41"/>
+          <p:cNvPr id="75" name="Google Shape;75;p16"/>
           <p:cNvSpPr txBox="1"/>
           <p:nvPr>
             <p:ph type="title"/>
@@ -14471,7 +14808,16 @@
               <a:buNone/>
             </a:pPr>
             <a:r>
-              <a:t/>
+              <a:rPr lang="en"/>
+              <a:t>Data Summary (</a:t>
+            </a:r>
+            <a:r>
+              <a:rPr lang="en" sz="1800"/>
+              <a:t>Life Expectancy Analysis</a:t>
+            </a:r>
+            <a:r>
+              <a:rPr lang="en"/>
+              <a:t>)</a:t>
             </a:r>
             <a:endParaRPr/>
           </a:p>
@@ -14479,119 +14825,7 @@
       </p:sp>
       <p:sp>
         <p:nvSpPr>
-          <p:cNvPr id="241" name="Google Shape;241;p41"/>
-          <p:cNvSpPr txBox="1"/>
-          <p:nvPr>
-            <p:ph idx="1" type="body"/>
-          </p:nvPr>
-        </p:nvSpPr>
-        <p:spPr>
-          <a:xfrm>
-            <a:off x="311700" y="1234075"/>
-            <a:ext cx="8520600" cy="3334800"/>
-          </a:xfrm>
-          <a:prstGeom prst="rect">
-            <a:avLst/>
-          </a:prstGeom>
-        </p:spPr>
-        <p:txBody>
-          <a:bodyPr anchorCtr="0" anchor="t" bIns="91425" lIns="91425" spcFirstLastPara="1" rIns="91425" wrap="square" tIns="91425">
-            <a:normAutofit/>
-          </a:bodyPr>
-          <a:lstStyle/>
-          <a:p>
-            <a:pPr indent="0" lvl="0" marL="0" rtl="0" algn="l">
-              <a:spcBef>
-                <a:spcPts val="0"/>
-              </a:spcBef>
-              <a:spcAft>
-                <a:spcPts val="1200"/>
-              </a:spcAft>
-              <a:buNone/>
-            </a:pPr>
-            <a:r>
-              <a:t/>
-            </a:r>
-            <a:endParaRPr/>
-          </a:p>
-        </p:txBody>
-      </p:sp>
-    </p:spTree>
-  </p:cSld>
-  <p:clrMapOvr>
-    <a:masterClrMapping/>
-  </p:clrMapOvr>
-</p:sld>
-</file>
-
-<file path=ppt/slides/slide3.xml><?xml version="1.0" encoding="utf-8"?>
-<p:sld xmlns:a="http://schemas.openxmlformats.org/drawingml/2006/main" xmlns:r="http://schemas.openxmlformats.org/officeDocument/2006/relationships" xmlns:mc="http://schemas.openxmlformats.org/markup-compatibility/2006" xmlns:mv="urn:schemas-microsoft-com:mac:vml" xmlns:p="http://schemas.openxmlformats.org/presentationml/2006/main" xmlns:c="http://schemas.openxmlformats.org/drawingml/2006/chart" xmlns:dgm="http://schemas.openxmlformats.org/drawingml/2006/diagram" xmlns:o="urn:schemas-microsoft-com:office:office" xmlns:v="urn:schemas-microsoft-com:vml" xmlns:pvml="urn:schemas-microsoft-com:office:powerpoint" xmlns:com="http://schemas.openxmlformats.org/drawingml/2006/compatibility" xmlns:p14="http://schemas.microsoft.com/office/powerpoint/2010/main" xmlns:p15="http://schemas.microsoft.com/office/powerpoint/2012/main" xmlns:ahyp="http://schemas.microsoft.com/office/drawing/2018/hyperlinkcolor">
-  <p:cSld>
-    <p:spTree>
-      <p:nvGrpSpPr>
-        <p:cNvPr id="69" name="Shape 69"/>
-        <p:cNvGrpSpPr/>
-        <p:nvPr/>
-      </p:nvGrpSpPr>
-      <p:grpSpPr>
-        <a:xfrm>
-          <a:off x="0" y="0"/>
-          <a:ext cx="0" cy="0"/>
-          <a:chOff x="0" y="0"/>
-          <a:chExt cx="0" cy="0"/>
-        </a:xfrm>
-      </p:grpSpPr>
-      <p:sp>
-        <p:nvSpPr>
-          <p:cNvPr id="70" name="Google Shape;70;p15"/>
-          <p:cNvSpPr txBox="1"/>
-          <p:nvPr>
-            <p:ph type="title"/>
-          </p:nvPr>
-        </p:nvSpPr>
-        <p:spPr>
-          <a:xfrm>
-            <a:off x="311700" y="445025"/>
-            <a:ext cx="8520600" cy="572700"/>
-          </a:xfrm>
-          <a:prstGeom prst="rect">
-            <a:avLst/>
-          </a:prstGeom>
-        </p:spPr>
-        <p:txBody>
-          <a:bodyPr anchorCtr="0" anchor="t" bIns="91425" lIns="91425" spcFirstLastPara="1" rIns="91425" wrap="square" tIns="91425">
-            <a:normAutofit fontScale="90000"/>
-          </a:bodyPr>
-          <a:lstStyle/>
-          <a:p>
-            <a:pPr indent="0" lvl="0" marL="0" rtl="0" algn="l">
-              <a:spcBef>
-                <a:spcPts val="0"/>
-              </a:spcBef>
-              <a:spcAft>
-                <a:spcPts val="0"/>
-              </a:spcAft>
-              <a:buNone/>
-            </a:pPr>
-            <a:r>
-              <a:rPr lang="en"/>
-              <a:t>Data Summary (</a:t>
-            </a:r>
-            <a:r>
-              <a:rPr lang="en" sz="1800"/>
-              <a:t>Life Expectancy Analysis</a:t>
-            </a:r>
-            <a:r>
-              <a:rPr lang="en"/>
-              <a:t>)</a:t>
-            </a:r>
-            <a:endParaRPr/>
-          </a:p>
-        </p:txBody>
-      </p:sp>
-      <p:sp>
-        <p:nvSpPr>
-          <p:cNvPr id="71" name="Google Shape;71;p15"/>
+          <p:cNvPr id="76" name="Google Shape;76;p16"/>
           <p:cNvSpPr txBox="1"/>
           <p:nvPr>
             <p:ph idx="1" type="body"/>
@@ -14781,7 +15015,7 @@
       </p:sp>
       <p:graphicFrame>
         <p:nvGraphicFramePr>
-          <p:cNvPr id="72" name="Google Shape;72;p15"/>
+          <p:cNvPr id="77" name="Google Shape;77;p16"/>
           <p:cNvGraphicFramePr/>
           <p:nvPr/>
         </p:nvGraphicFramePr>
@@ -14794,11 +15028,11 @@
             <a:tbl>
               <a:tblPr>
                 <a:noFill/>
-                <a:tableStyleId>{3437CF0B-E53E-4136-83F2-8282A71A82D8}</a:tableStyleId>
+                <a:tableStyleId>{74A3A7F3-B6B0-4983-AD86-2B41AA71CC1D}</a:tableStyleId>
               </a:tblPr>
               <a:tblGrid>
-                <a:gridCol w="2063675"/>
-                <a:gridCol w="1603325"/>
+                <a:gridCol w="1913575"/>
+                <a:gridCol w="1753425"/>
               </a:tblGrid>
               <a:tr h="479175">
                 <a:tc>
@@ -14817,7 +15051,7 @@
                       </a:pPr>
                       <a:r>
                         <a:rPr lang="en"/>
-                        <a:t>Name</a:t>
+                        <a:t>Column Name(s)</a:t>
                       </a:r>
                       <a:endParaRPr/>
                     </a:p>
@@ -14840,7 +15074,7 @@
                       </a:pPr>
                       <a:r>
                         <a:rPr lang="en"/>
-                        <a:t>Data Type</a:t>
+                        <a:t>Column Data Type</a:t>
                       </a:r>
                       <a:endParaRPr/>
                     </a:p>
@@ -14950,7 +15184,7 @@
       </p:graphicFrame>
       <p:sp>
         <p:nvSpPr>
-          <p:cNvPr id="73" name="Google Shape;73;p15"/>
+          <p:cNvPr id="78" name="Google Shape;78;p16"/>
           <p:cNvSpPr txBox="1"/>
           <p:nvPr/>
         </p:nvSpPr>
@@ -14983,13 +15217,22 @@
               <a:buNone/>
             </a:pPr>
             <a:r>
+              <a:rPr b="1" lang="en">
+                <a:latin typeface="Playfair Display"/>
+                <a:ea typeface="Playfair Display"/>
+                <a:cs typeface="Playfair Display"/>
+                <a:sym typeface="Playfair Display"/>
+              </a:rPr>
+              <a:t>Note:</a:t>
+            </a:r>
+            <a:r>
               <a:rPr lang="en">
                 <a:latin typeface="Playfair Display"/>
                 <a:ea typeface="Playfair Display"/>
                 <a:cs typeface="Playfair Display"/>
                 <a:sym typeface="Playfair Display"/>
               </a:rPr>
-              <a:t>Note:  We are following regression model as output “Life Expectancy” is a </a:t>
+              <a:t>  We are following regression model as output “Life Expectancy” is a </a:t>
             </a:r>
             <a:r>
               <a:rPr lang="en">
@@ -15026,12 +15269,12 @@
 </p:sld>
 </file>
 
-<file path=ppt/slides/slide4.xml><?xml version="1.0" encoding="utf-8"?>
+<file path=ppt/slides/slide5.xml><?xml version="1.0" encoding="utf-8"?>
 <p:sld xmlns:a="http://schemas.openxmlformats.org/drawingml/2006/main" xmlns:r="http://schemas.openxmlformats.org/officeDocument/2006/relationships" xmlns:mc="http://schemas.openxmlformats.org/markup-compatibility/2006" xmlns:mv="urn:schemas-microsoft-com:mac:vml" xmlns:p="http://schemas.openxmlformats.org/presentationml/2006/main" xmlns:c="http://schemas.openxmlformats.org/drawingml/2006/chart" xmlns:dgm="http://schemas.openxmlformats.org/drawingml/2006/diagram" xmlns:o="urn:schemas-microsoft-com:office:office" xmlns:v="urn:schemas-microsoft-com:vml" xmlns:pvml="urn:schemas-microsoft-com:office:powerpoint" xmlns:com="http://schemas.openxmlformats.org/drawingml/2006/compatibility" xmlns:p14="http://schemas.microsoft.com/office/powerpoint/2010/main" xmlns:p15="http://schemas.microsoft.com/office/powerpoint/2012/main" xmlns:ahyp="http://schemas.microsoft.com/office/drawing/2018/hyperlinkcolor">
   <p:cSld>
     <p:spTree>
       <p:nvGrpSpPr>
-        <p:cNvPr id="77" name="Shape 77"/>
+        <p:cNvPr id="82" name="Shape 82"/>
         <p:cNvGrpSpPr/>
         <p:nvPr/>
       </p:nvGrpSpPr>
@@ -15045,7 +15288,7 @@
       </p:grpSpPr>
       <p:sp>
         <p:nvSpPr>
-          <p:cNvPr id="78" name="Google Shape;78;p16"/>
+          <p:cNvPr id="83" name="Google Shape;83;p17"/>
           <p:cNvSpPr txBox="1"/>
           <p:nvPr>
             <p:ph type="title"/>
@@ -15085,7 +15328,7 @@
       </p:sp>
       <p:sp>
         <p:nvSpPr>
-          <p:cNvPr id="79" name="Google Shape;79;p16"/>
+          <p:cNvPr id="84" name="Google Shape;84;p17"/>
           <p:cNvSpPr txBox="1"/>
           <p:nvPr>
             <p:ph idx="1" type="body"/>
@@ -15240,12 +15483,12 @@
 </p:sld>
 </file>
 
-<file path=ppt/slides/slide5.xml><?xml version="1.0" encoding="utf-8"?>
+<file path=ppt/slides/slide6.xml><?xml version="1.0" encoding="utf-8"?>
 <p:sld xmlns:a="http://schemas.openxmlformats.org/drawingml/2006/main" xmlns:r="http://schemas.openxmlformats.org/officeDocument/2006/relationships" xmlns:mc="http://schemas.openxmlformats.org/markup-compatibility/2006" xmlns:mv="urn:schemas-microsoft-com:mac:vml" xmlns:p="http://schemas.openxmlformats.org/presentationml/2006/main" xmlns:c="http://schemas.openxmlformats.org/drawingml/2006/chart" xmlns:dgm="http://schemas.openxmlformats.org/drawingml/2006/diagram" xmlns:o="urn:schemas-microsoft-com:office:office" xmlns:v="urn:schemas-microsoft-com:vml" xmlns:pvml="urn:schemas-microsoft-com:office:powerpoint" xmlns:com="http://schemas.openxmlformats.org/drawingml/2006/compatibility" xmlns:p14="http://schemas.microsoft.com/office/powerpoint/2010/main" xmlns:p15="http://schemas.microsoft.com/office/powerpoint/2012/main" xmlns:ahyp="http://schemas.microsoft.com/office/drawing/2018/hyperlinkcolor">
   <p:cSld>
     <p:spTree>
       <p:nvGrpSpPr>
-        <p:cNvPr id="83" name="Shape 83"/>
+        <p:cNvPr id="88" name="Shape 88"/>
         <p:cNvGrpSpPr/>
         <p:nvPr/>
       </p:nvGrpSpPr>
@@ -15259,7 +15502,7 @@
       </p:grpSpPr>
       <p:sp>
         <p:nvSpPr>
-          <p:cNvPr id="84" name="Google Shape;84;p17"/>
+          <p:cNvPr id="89" name="Google Shape;89;p18"/>
           <p:cNvSpPr txBox="1"/>
           <p:nvPr>
             <p:ph type="title"/>
@@ -15299,7 +15542,7 @@
       </p:sp>
       <p:sp>
         <p:nvSpPr>
-          <p:cNvPr id="85" name="Google Shape;85;p17"/>
+          <p:cNvPr id="90" name="Google Shape;90;p18"/>
           <p:cNvSpPr txBox="1"/>
           <p:nvPr>
             <p:ph idx="1" type="body"/>
@@ -15432,12 +15675,12 @@
 </p:sld>
 </file>
 
-<file path=ppt/slides/slide6.xml><?xml version="1.0" encoding="utf-8"?>
+<file path=ppt/slides/slide7.xml><?xml version="1.0" encoding="utf-8"?>
 <p:sld xmlns:a="http://schemas.openxmlformats.org/drawingml/2006/main" xmlns:r="http://schemas.openxmlformats.org/officeDocument/2006/relationships" xmlns:mc="http://schemas.openxmlformats.org/markup-compatibility/2006" xmlns:mv="urn:schemas-microsoft-com:mac:vml" xmlns:p="http://schemas.openxmlformats.org/presentationml/2006/main" xmlns:c="http://schemas.openxmlformats.org/drawingml/2006/chart" xmlns:dgm="http://schemas.openxmlformats.org/drawingml/2006/diagram" xmlns:o="urn:schemas-microsoft-com:office:office" xmlns:v="urn:schemas-microsoft-com:vml" xmlns:pvml="urn:schemas-microsoft-com:office:powerpoint" xmlns:com="http://schemas.openxmlformats.org/drawingml/2006/compatibility" xmlns:p14="http://schemas.microsoft.com/office/powerpoint/2010/main" xmlns:p15="http://schemas.microsoft.com/office/powerpoint/2012/main" xmlns:ahyp="http://schemas.microsoft.com/office/drawing/2018/hyperlinkcolor">
   <p:cSld>
     <p:spTree>
       <p:nvGrpSpPr>
-        <p:cNvPr id="89" name="Shape 89"/>
+        <p:cNvPr id="94" name="Shape 94"/>
         <p:cNvGrpSpPr/>
         <p:nvPr/>
       </p:nvGrpSpPr>
@@ -15451,7 +15694,7 @@
       </p:grpSpPr>
       <p:sp>
         <p:nvSpPr>
-          <p:cNvPr id="90" name="Google Shape;90;p18"/>
+          <p:cNvPr id="95" name="Google Shape;95;p19"/>
           <p:cNvSpPr txBox="1"/>
           <p:nvPr>
             <p:ph type="title"/>
@@ -15491,7 +15734,7 @@
       </p:sp>
       <p:pic>
         <p:nvPicPr>
-          <p:cNvPr id="91" name="Google Shape;91;p18"/>
+          <p:cNvPr id="96" name="Google Shape;96;p19"/>
           <p:cNvPicPr preferRelativeResize="0"/>
           <p:nvPr/>
         </p:nvPicPr>
@@ -15519,7 +15762,7 @@
       </p:pic>
       <p:pic>
         <p:nvPicPr>
-          <p:cNvPr id="92" name="Google Shape;92;p18"/>
+          <p:cNvPr id="97" name="Google Shape;97;p19"/>
           <p:cNvPicPr preferRelativeResize="0"/>
           <p:nvPr/>
         </p:nvPicPr>
@@ -15547,7 +15790,7 @@
       </p:pic>
       <p:sp>
         <p:nvSpPr>
-          <p:cNvPr id="93" name="Google Shape;93;p18"/>
+          <p:cNvPr id="98" name="Google Shape;98;p19"/>
           <p:cNvSpPr txBox="1"/>
           <p:nvPr/>
         </p:nvSpPr>
@@ -15599,7 +15842,7 @@
       </p:sp>
       <p:sp>
         <p:nvSpPr>
-          <p:cNvPr id="94" name="Google Shape;94;p18"/>
+          <p:cNvPr id="99" name="Google Shape;99;p19"/>
           <p:cNvSpPr txBox="1"/>
           <p:nvPr/>
         </p:nvSpPr>
@@ -15651,7 +15894,7 @@
       </p:sp>
       <p:sp>
         <p:nvSpPr>
-          <p:cNvPr id="95" name="Google Shape;95;p18"/>
+          <p:cNvPr id="100" name="Google Shape;100;p19"/>
           <p:cNvSpPr/>
           <p:nvPr/>
         </p:nvSpPr>
@@ -15706,12 +15949,12 @@
 </p:sld>
 </file>
 
-<file path=ppt/slides/slide7.xml><?xml version="1.0" encoding="utf-8"?>
+<file path=ppt/slides/slide8.xml><?xml version="1.0" encoding="utf-8"?>
 <p:sld xmlns:a="http://schemas.openxmlformats.org/drawingml/2006/main" xmlns:r="http://schemas.openxmlformats.org/officeDocument/2006/relationships" xmlns:mc="http://schemas.openxmlformats.org/markup-compatibility/2006" xmlns:mv="urn:schemas-microsoft-com:mac:vml" xmlns:p="http://schemas.openxmlformats.org/presentationml/2006/main" xmlns:c="http://schemas.openxmlformats.org/drawingml/2006/chart" xmlns:dgm="http://schemas.openxmlformats.org/drawingml/2006/diagram" xmlns:o="urn:schemas-microsoft-com:office:office" xmlns:v="urn:schemas-microsoft-com:vml" xmlns:pvml="urn:schemas-microsoft-com:office:powerpoint" xmlns:com="http://schemas.openxmlformats.org/drawingml/2006/compatibility" xmlns:p14="http://schemas.microsoft.com/office/powerpoint/2010/main" xmlns:p15="http://schemas.microsoft.com/office/powerpoint/2012/main" xmlns:ahyp="http://schemas.microsoft.com/office/drawing/2018/hyperlinkcolor">
   <p:cSld>
     <p:spTree>
       <p:nvGrpSpPr>
-        <p:cNvPr id="99" name="Shape 99"/>
+        <p:cNvPr id="104" name="Shape 104"/>
         <p:cNvGrpSpPr/>
         <p:nvPr/>
       </p:nvGrpSpPr>
@@ -15725,7 +15968,7 @@
       </p:grpSpPr>
       <p:sp>
         <p:nvSpPr>
-          <p:cNvPr id="100" name="Google Shape;100;p19"/>
+          <p:cNvPr id="105" name="Google Shape;105;p20"/>
           <p:cNvSpPr txBox="1"/>
           <p:nvPr>
             <p:ph type="title"/>
@@ -15765,7 +16008,7 @@
       </p:sp>
       <p:sp>
         <p:nvSpPr>
-          <p:cNvPr id="101" name="Google Shape;101;p19"/>
+          <p:cNvPr id="106" name="Google Shape;106;p20"/>
           <p:cNvSpPr txBox="1"/>
           <p:nvPr>
             <p:ph idx="1" type="body"/>
@@ -15813,8 +16056,20 @@
               <a:buChar char="●"/>
             </a:pPr>
             <a:r>
+              <a:rPr b="1" lang="en"/>
+              <a:t>29%</a:t>
+            </a:r>
+            <a:r>
               <a:rPr lang="en"/>
-              <a:t>29% data missing from Population column</a:t>
+              <a:t> data missing from </a:t>
+            </a:r>
+            <a:r>
+              <a:rPr b="1" lang="en"/>
+              <a:t>“Population”</a:t>
+            </a:r>
+            <a:r>
+              <a:rPr lang="en"/>
+              <a:t> column</a:t>
             </a:r>
             <a:endParaRPr/>
           </a:p>
@@ -15830,8 +16085,20 @@
               <a:buChar char="●"/>
             </a:pPr>
             <a:r>
+              <a:rPr b="1" lang="en"/>
+              <a:t>23%</a:t>
+            </a:r>
+            <a:r>
               <a:rPr lang="en"/>
-              <a:t>23% data missing from Hepatitis B</a:t>
+              <a:t> data missing from </a:t>
+            </a:r>
+            <a:r>
+              <a:rPr b="1" lang="en"/>
+              <a:t>“Hepatitis B”</a:t>
+            </a:r>
+            <a:r>
+              <a:rPr lang="en"/>
+              <a:t> column</a:t>
             </a:r>
             <a:endParaRPr/>
           </a:p>
@@ -15847,8 +16114,20 @@
               <a:buChar char="●"/>
             </a:pPr>
             <a:r>
+              <a:rPr b="1" lang="en"/>
+              <a:t>18%</a:t>
+            </a:r>
+            <a:r>
               <a:rPr lang="en"/>
-              <a:t>18% data is missing from GDP</a:t>
+              <a:t> data is missing from </a:t>
+            </a:r>
+            <a:r>
+              <a:rPr b="1" lang="en"/>
+              <a:t>“GDP”</a:t>
+            </a:r>
+            <a:r>
+              <a:rPr lang="en"/>
+              <a:t> column</a:t>
             </a:r>
             <a:endParaRPr/>
           </a:p>
@@ -15893,12 +16172,12 @@
 </p:sld>
 </file>
 
-<file path=ppt/slides/slide8.xml><?xml version="1.0" encoding="utf-8"?>
+<file path=ppt/slides/slide9.xml><?xml version="1.0" encoding="utf-8"?>
 <p:sld xmlns:a="http://schemas.openxmlformats.org/drawingml/2006/main" xmlns:r="http://schemas.openxmlformats.org/officeDocument/2006/relationships" xmlns:mc="http://schemas.openxmlformats.org/markup-compatibility/2006" xmlns:mv="urn:schemas-microsoft-com:mac:vml" xmlns:p="http://schemas.openxmlformats.org/presentationml/2006/main" xmlns:c="http://schemas.openxmlformats.org/drawingml/2006/chart" xmlns:dgm="http://schemas.openxmlformats.org/drawingml/2006/diagram" xmlns:o="urn:schemas-microsoft-com:office:office" xmlns:v="urn:schemas-microsoft-com:vml" xmlns:pvml="urn:schemas-microsoft-com:office:powerpoint" xmlns:com="http://schemas.openxmlformats.org/drawingml/2006/compatibility" xmlns:p14="http://schemas.microsoft.com/office/powerpoint/2010/main" xmlns:p15="http://schemas.microsoft.com/office/powerpoint/2012/main" xmlns:ahyp="http://schemas.microsoft.com/office/drawing/2018/hyperlinkcolor">
   <p:cSld>
     <p:spTree>
       <p:nvGrpSpPr>
-        <p:cNvPr id="105" name="Shape 105"/>
+        <p:cNvPr id="110" name="Shape 110"/>
         <p:cNvGrpSpPr/>
         <p:nvPr/>
       </p:nvGrpSpPr>
@@ -15912,7 +16191,7 @@
       </p:grpSpPr>
       <p:sp>
         <p:nvSpPr>
-          <p:cNvPr id="106" name="Google Shape;106;p20"/>
+          <p:cNvPr id="111" name="Google Shape;111;p21"/>
           <p:cNvSpPr txBox="1"/>
           <p:nvPr>
             <p:ph type="title"/>
@@ -15960,7 +16239,7 @@
       </p:sp>
       <p:sp>
         <p:nvSpPr>
-          <p:cNvPr id="107" name="Google Shape;107;p20"/>
+          <p:cNvPr id="112" name="Google Shape;112;p21"/>
           <p:cNvSpPr txBox="1"/>
           <p:nvPr>
             <p:ph idx="1" type="body"/>
@@ -16213,107 +16492,6 @@
           </a:p>
         </p:txBody>
       </p:sp>
-    </p:spTree>
-  </p:cSld>
-  <p:clrMapOvr>
-    <a:masterClrMapping/>
-  </p:clrMapOvr>
-</p:sld>
-</file>
-
-<file path=ppt/slides/slide9.xml><?xml version="1.0" encoding="utf-8"?>
-<p:sld xmlns:a="http://schemas.openxmlformats.org/drawingml/2006/main" xmlns:r="http://schemas.openxmlformats.org/officeDocument/2006/relationships" xmlns:mc="http://schemas.openxmlformats.org/markup-compatibility/2006" xmlns:mv="urn:schemas-microsoft-com:mac:vml" xmlns:p="http://schemas.openxmlformats.org/presentationml/2006/main" xmlns:c="http://schemas.openxmlformats.org/drawingml/2006/chart" xmlns:dgm="http://schemas.openxmlformats.org/drawingml/2006/diagram" xmlns:o="urn:schemas-microsoft-com:office:office" xmlns:v="urn:schemas-microsoft-com:vml" xmlns:pvml="urn:schemas-microsoft-com:office:powerpoint" xmlns:com="http://schemas.openxmlformats.org/drawingml/2006/compatibility" xmlns:p14="http://schemas.microsoft.com/office/powerpoint/2010/main" xmlns:p15="http://schemas.microsoft.com/office/powerpoint/2012/main" xmlns:ahyp="http://schemas.microsoft.com/office/drawing/2018/hyperlinkcolor">
-  <p:cSld>
-    <p:spTree>
-      <p:nvGrpSpPr>
-        <p:cNvPr id="111" name="Shape 111"/>
-        <p:cNvGrpSpPr/>
-        <p:nvPr/>
-      </p:nvGrpSpPr>
-      <p:grpSpPr>
-        <a:xfrm>
-          <a:off x="0" y="0"/>
-          <a:ext cx="0" cy="0"/>
-          <a:chOff x="0" y="0"/>
-          <a:chExt cx="0" cy="0"/>
-        </a:xfrm>
-      </p:grpSpPr>
-      <p:sp>
-        <p:nvSpPr>
-          <p:cNvPr id="112" name="Google Shape;112;p21"/>
-          <p:cNvSpPr txBox="1"/>
-          <p:nvPr>
-            <p:ph type="title"/>
-          </p:nvPr>
-        </p:nvSpPr>
-        <p:spPr>
-          <a:xfrm>
-            <a:off x="311700" y="445025"/>
-            <a:ext cx="8520600" cy="572700"/>
-          </a:xfrm>
-          <a:prstGeom prst="rect">
-            <a:avLst/>
-          </a:prstGeom>
-        </p:spPr>
-        <p:txBody>
-          <a:bodyPr anchorCtr="0" anchor="t" bIns="91425" lIns="91425" spcFirstLastPara="1" rIns="91425" wrap="square" tIns="91425">
-            <a:normAutofit fontScale="90000"/>
-          </a:bodyPr>
-          <a:lstStyle/>
-          <a:p>
-            <a:pPr indent="0" lvl="0" marL="0" rtl="0" algn="l">
-              <a:spcBef>
-                <a:spcPts val="0"/>
-              </a:spcBef>
-              <a:spcAft>
-                <a:spcPts val="0"/>
-              </a:spcAft>
-              <a:buNone/>
-            </a:pPr>
-            <a:r>
-              <a:rPr lang="en"/>
-              <a:t>3b. Correlation by </a:t>
-            </a:r>
-            <a:r>
-              <a:rPr lang="en"/>
-              <a:t>Visualization</a:t>
-            </a:r>
-            <a:r>
-              <a:rPr lang="en"/>
-              <a:t> [Heatmap] (cont.)</a:t>
-            </a:r>
-            <a:endParaRPr/>
-          </a:p>
-        </p:txBody>
-      </p:sp>
-      <p:pic>
-        <p:nvPicPr>
-          <p:cNvPr id="113" name="Google Shape;113;p21"/>
-          <p:cNvPicPr preferRelativeResize="0"/>
-          <p:nvPr/>
-        </p:nvPicPr>
-        <p:blipFill>
-          <a:blip r:embed="rId3">
-            <a:alphaModFix/>
-          </a:blip>
-          <a:stretch>
-            <a:fillRect/>
-          </a:stretch>
-        </p:blipFill>
-        <p:spPr>
-          <a:xfrm>
-            <a:off x="1999863" y="1328600"/>
-            <a:ext cx="4619625" cy="3600450"/>
-          </a:xfrm>
-          <a:prstGeom prst="rect">
-            <a:avLst/>
-          </a:prstGeom>
-          <a:noFill/>
-          <a:ln>
-            <a:noFill/>
-          </a:ln>
-        </p:spPr>
-      </p:pic>
     </p:spTree>
   </p:cSld>
   <p:clrMapOvr>
